--- a/Project_Idea (2).pptx
+++ b/Project_Idea (2).pptx
@@ -113,6 +113,59 @@
 </p:presentation>
 </file>
 
+<file path=ppt/revisionInfo.xml><?xml version="1.0" encoding="utf-8"?>
+<p1510:revInfo xmlns:a="http://schemas.openxmlformats.org/drawingml/2006/main" xmlns:r="http://schemas.openxmlformats.org/officeDocument/2006/relationships" xmlns:p1510="http://schemas.microsoft.com/office/powerpoint/2015/10/main">
+  <p1510:revLst>
+    <p1510:client id="{FFA8188F-B942-4A08-96FC-3BE27C79695F}" v="1" dt="2025-04-30T20:05:32.350"/>
+  </p1510:revLst>
+</p1510:revInfo>
+</file>
+
+<file path=ppt/changesInfos/changesInfo1.xml><?xml version="1.0" encoding="utf-8"?>
+<pc:chgInfo xmlns:a="http://schemas.openxmlformats.org/drawingml/2006/main" xmlns:r="http://schemas.openxmlformats.org/officeDocument/2006/relationships" xmlns:ac="http://schemas.microsoft.com/office/drawing/2013/main/command" xmlns:pc="http://schemas.microsoft.com/office/powerpoint/2013/main/command">
+  <pc:docChgLst>
+    <pc:chgData name="Kristian Bitsch Ebbensgaard" userId="db474494-81e8-4465-9809-a1d335558f45" providerId="ADAL" clId="{FFA8188F-B942-4A08-96FC-3BE27C79695F}"/>
+    <pc:docChg chg="undo custSel modSld">
+      <pc:chgData name="Kristian Bitsch Ebbensgaard" userId="db474494-81e8-4465-9809-a1d335558f45" providerId="ADAL" clId="{FFA8188F-B942-4A08-96FC-3BE27C79695F}" dt="2025-04-30T20:06:46.082" v="393" actId="20577"/>
+      <pc:docMkLst>
+        <pc:docMk/>
+      </pc:docMkLst>
+      <pc:sldChg chg="addSp delSp modSp mod">
+        <pc:chgData name="Kristian Bitsch Ebbensgaard" userId="db474494-81e8-4465-9809-a1d335558f45" providerId="ADAL" clId="{FFA8188F-B942-4A08-96FC-3BE27C79695F}" dt="2025-04-30T20:06:46.082" v="393" actId="20577"/>
+        <pc:sldMkLst>
+          <pc:docMk/>
+          <pc:sldMk cId="931196468" sldId="258"/>
+        </pc:sldMkLst>
+        <pc:spChg chg="del mod">
+          <ac:chgData name="Kristian Bitsch Ebbensgaard" userId="db474494-81e8-4465-9809-a1d335558f45" providerId="ADAL" clId="{FFA8188F-B942-4A08-96FC-3BE27C79695F}" dt="2025-04-30T20:06:03.115" v="387" actId="478"/>
+          <ac:spMkLst>
+            <pc:docMk/>
+            <pc:sldMk cId="931196468" sldId="258"/>
+            <ac:spMk id="2" creationId="{F7061AFE-E820-AA5D-0F23-1CF496725270}"/>
+          </ac:spMkLst>
+        </pc:spChg>
+        <pc:spChg chg="mod">
+          <ac:chgData name="Kristian Bitsch Ebbensgaard" userId="db474494-81e8-4465-9809-a1d335558f45" providerId="ADAL" clId="{FFA8188F-B942-4A08-96FC-3BE27C79695F}" dt="2025-04-30T20:06:46.082" v="393" actId="20577"/>
+          <ac:spMkLst>
+            <pc:docMk/>
+            <pc:sldMk cId="931196468" sldId="258"/>
+            <ac:spMk id="3" creationId="{4A3AEE3A-331D-C212-349B-045DA5F30A4E}"/>
+          </ac:spMkLst>
+        </pc:spChg>
+        <pc:spChg chg="add del mod">
+          <ac:chgData name="Kristian Bitsch Ebbensgaard" userId="db474494-81e8-4465-9809-a1d335558f45" providerId="ADAL" clId="{FFA8188F-B942-4A08-96FC-3BE27C79695F}" dt="2025-04-30T20:05:59.300" v="386" actId="478"/>
+          <ac:spMkLst>
+            <pc:docMk/>
+            <pc:sldMk cId="931196468" sldId="258"/>
+            <ac:spMk id="4" creationId="{BC286FA5-DA82-77FC-B876-8CCB805CBB65}"/>
+          </ac:spMkLst>
+        </pc:spChg>
+      </pc:sldChg>
+    </pc:docChg>
+  </pc:docChgLst>
+</pc:chgInfo>
+</file>
+
 <file path=ppt/slideLayouts/slideLayout1.xml><?xml version="1.0" encoding="utf-8"?>
 <p:sldLayout xmlns:a="http://schemas.openxmlformats.org/drawingml/2006/main" xmlns:r="http://schemas.openxmlformats.org/officeDocument/2006/relationships" xmlns:p="http://schemas.openxmlformats.org/presentationml/2006/main" type="title" preserve="1">
   <p:cSld name="Title Slide">
@@ -262,7 +315,7 @@
           <a:p>
             <a:fld id="{F309DC6E-A2C7-499C-AE0C-185FA2954680}" type="datetimeFigureOut">
               <a:rPr lang="en-DK" smtClean="0"/>
-              <a:t>04/30/2025</a:t>
+              <a:t>30/04/2025</a:t>
             </a:fld>
             <a:endParaRPr lang="en-DK"/>
           </a:p>
@@ -316,7 +369,7 @@
           <a:p>
             <a:fld id="{4BA01964-6820-4D62-A364-EA1AB704F6EC}" type="slidenum">
               <a:rPr lang="en-DK" smtClean="0"/>
-              <a:t>‹nr.›</a:t>
+              <a:t>‹#›</a:t>
             </a:fld>
             <a:endParaRPr lang="en-DK"/>
           </a:p>
@@ -462,7 +515,7 @@
           <a:p>
             <a:fld id="{F309DC6E-A2C7-499C-AE0C-185FA2954680}" type="datetimeFigureOut">
               <a:rPr lang="en-DK" smtClean="0"/>
-              <a:t>04/30/2025</a:t>
+              <a:t>30/04/2025</a:t>
             </a:fld>
             <a:endParaRPr lang="en-DK"/>
           </a:p>
@@ -516,7 +569,7 @@
           <a:p>
             <a:fld id="{4BA01964-6820-4D62-A364-EA1AB704F6EC}" type="slidenum">
               <a:rPr lang="en-DK" smtClean="0"/>
-              <a:t>‹nr.›</a:t>
+              <a:t>‹#›</a:t>
             </a:fld>
             <a:endParaRPr lang="en-DK"/>
           </a:p>
@@ -672,7 +725,7 @@
           <a:p>
             <a:fld id="{F309DC6E-A2C7-499C-AE0C-185FA2954680}" type="datetimeFigureOut">
               <a:rPr lang="en-DK" smtClean="0"/>
-              <a:t>04/30/2025</a:t>
+              <a:t>30/04/2025</a:t>
             </a:fld>
             <a:endParaRPr lang="en-DK"/>
           </a:p>
@@ -726,7 +779,7 @@
           <a:p>
             <a:fld id="{4BA01964-6820-4D62-A364-EA1AB704F6EC}" type="slidenum">
               <a:rPr lang="en-DK" smtClean="0"/>
-              <a:t>‹nr.›</a:t>
+              <a:t>‹#›</a:t>
             </a:fld>
             <a:endParaRPr lang="en-DK"/>
           </a:p>
@@ -872,7 +925,7 @@
           <a:p>
             <a:fld id="{F309DC6E-A2C7-499C-AE0C-185FA2954680}" type="datetimeFigureOut">
               <a:rPr lang="en-DK" smtClean="0"/>
-              <a:t>04/30/2025</a:t>
+              <a:t>30/04/2025</a:t>
             </a:fld>
             <a:endParaRPr lang="en-DK"/>
           </a:p>
@@ -926,7 +979,7 @@
           <a:p>
             <a:fld id="{4BA01964-6820-4D62-A364-EA1AB704F6EC}" type="slidenum">
               <a:rPr lang="en-DK" smtClean="0"/>
-              <a:t>‹nr.›</a:t>
+              <a:t>‹#›</a:t>
             </a:fld>
             <a:endParaRPr lang="en-DK"/>
           </a:p>
@@ -1148,7 +1201,7 @@
           <a:p>
             <a:fld id="{F309DC6E-A2C7-499C-AE0C-185FA2954680}" type="datetimeFigureOut">
               <a:rPr lang="en-DK" smtClean="0"/>
-              <a:t>04/30/2025</a:t>
+              <a:t>30/04/2025</a:t>
             </a:fld>
             <a:endParaRPr lang="en-DK"/>
           </a:p>
@@ -1202,7 +1255,7 @@
           <a:p>
             <a:fld id="{4BA01964-6820-4D62-A364-EA1AB704F6EC}" type="slidenum">
               <a:rPr lang="en-DK" smtClean="0"/>
-              <a:t>‹nr.›</a:t>
+              <a:t>‹#›</a:t>
             </a:fld>
             <a:endParaRPr lang="en-DK"/>
           </a:p>
@@ -1416,7 +1469,7 @@
           <a:p>
             <a:fld id="{F309DC6E-A2C7-499C-AE0C-185FA2954680}" type="datetimeFigureOut">
               <a:rPr lang="en-DK" smtClean="0"/>
-              <a:t>04/30/2025</a:t>
+              <a:t>30/04/2025</a:t>
             </a:fld>
             <a:endParaRPr lang="en-DK"/>
           </a:p>
@@ -1470,7 +1523,7 @@
           <a:p>
             <a:fld id="{4BA01964-6820-4D62-A364-EA1AB704F6EC}" type="slidenum">
               <a:rPr lang="en-DK" smtClean="0"/>
-              <a:t>‹nr.›</a:t>
+              <a:t>‹#›</a:t>
             </a:fld>
             <a:endParaRPr lang="en-DK"/>
           </a:p>
@@ -1831,7 +1884,7 @@
           <a:p>
             <a:fld id="{F309DC6E-A2C7-499C-AE0C-185FA2954680}" type="datetimeFigureOut">
               <a:rPr lang="en-DK" smtClean="0"/>
-              <a:t>04/30/2025</a:t>
+              <a:t>30/04/2025</a:t>
             </a:fld>
             <a:endParaRPr lang="en-DK"/>
           </a:p>
@@ -1885,7 +1938,7 @@
           <a:p>
             <a:fld id="{4BA01964-6820-4D62-A364-EA1AB704F6EC}" type="slidenum">
               <a:rPr lang="en-DK" smtClean="0"/>
-              <a:t>‹nr.›</a:t>
+              <a:t>‹#›</a:t>
             </a:fld>
             <a:endParaRPr lang="en-DK"/>
           </a:p>
@@ -1973,7 +2026,7 @@
           <a:p>
             <a:fld id="{F309DC6E-A2C7-499C-AE0C-185FA2954680}" type="datetimeFigureOut">
               <a:rPr lang="en-DK" smtClean="0"/>
-              <a:t>04/30/2025</a:t>
+              <a:t>30/04/2025</a:t>
             </a:fld>
             <a:endParaRPr lang="en-DK"/>
           </a:p>
@@ -2027,7 +2080,7 @@
           <a:p>
             <a:fld id="{4BA01964-6820-4D62-A364-EA1AB704F6EC}" type="slidenum">
               <a:rPr lang="en-DK" smtClean="0"/>
-              <a:t>‹nr.›</a:t>
+              <a:t>‹#›</a:t>
             </a:fld>
             <a:endParaRPr lang="en-DK"/>
           </a:p>
@@ -2086,7 +2139,7 @@
           <a:p>
             <a:fld id="{F309DC6E-A2C7-499C-AE0C-185FA2954680}" type="datetimeFigureOut">
               <a:rPr lang="en-DK" smtClean="0"/>
-              <a:t>04/30/2025</a:t>
+              <a:t>30/04/2025</a:t>
             </a:fld>
             <a:endParaRPr lang="en-DK"/>
           </a:p>
@@ -2140,7 +2193,7 @@
           <a:p>
             <a:fld id="{4BA01964-6820-4D62-A364-EA1AB704F6EC}" type="slidenum">
               <a:rPr lang="en-DK" smtClean="0"/>
-              <a:t>‹nr.›</a:t>
+              <a:t>‹#›</a:t>
             </a:fld>
             <a:endParaRPr lang="en-DK"/>
           </a:p>
@@ -2399,7 +2452,7 @@
           <a:p>
             <a:fld id="{F309DC6E-A2C7-499C-AE0C-185FA2954680}" type="datetimeFigureOut">
               <a:rPr lang="en-DK" smtClean="0"/>
-              <a:t>04/30/2025</a:t>
+              <a:t>30/04/2025</a:t>
             </a:fld>
             <a:endParaRPr lang="en-DK"/>
           </a:p>
@@ -2453,7 +2506,7 @@
           <a:p>
             <a:fld id="{4BA01964-6820-4D62-A364-EA1AB704F6EC}" type="slidenum">
               <a:rPr lang="en-DK" smtClean="0"/>
-              <a:t>‹nr.›</a:t>
+              <a:t>‹#›</a:t>
             </a:fld>
             <a:endParaRPr lang="en-DK"/>
           </a:p>
@@ -2688,7 +2741,7 @@
           <a:p>
             <a:fld id="{F309DC6E-A2C7-499C-AE0C-185FA2954680}" type="datetimeFigureOut">
               <a:rPr lang="en-DK" smtClean="0"/>
-              <a:t>04/30/2025</a:t>
+              <a:t>30/04/2025</a:t>
             </a:fld>
             <a:endParaRPr lang="en-DK"/>
           </a:p>
@@ -2742,7 +2795,7 @@
           <a:p>
             <a:fld id="{4BA01964-6820-4D62-A364-EA1AB704F6EC}" type="slidenum">
               <a:rPr lang="en-DK" smtClean="0"/>
-              <a:t>‹nr.›</a:t>
+              <a:t>‹#›</a:t>
             </a:fld>
             <a:endParaRPr lang="en-DK"/>
           </a:p>
@@ -2931,7 +2984,7 @@
           <a:p>
             <a:fld id="{F309DC6E-A2C7-499C-AE0C-185FA2954680}" type="datetimeFigureOut">
               <a:rPr lang="en-DK" smtClean="0"/>
-              <a:t>04/30/2025</a:t>
+              <a:t>30/04/2025</a:t>
             </a:fld>
             <a:endParaRPr lang="en-DK"/>
           </a:p>
@@ -3021,7 +3074,7 @@
           <a:p>
             <a:fld id="{4BA01964-6820-4D62-A364-EA1AB704F6EC}" type="slidenum">
               <a:rPr lang="en-DK" smtClean="0"/>
-              <a:t>‹nr.›</a:t>
+              <a:t>‹#›</a:t>
             </a:fld>
             <a:endParaRPr lang="en-DK"/>
           </a:p>
@@ -3350,47 +3403,6 @@
       </p:grpSpPr>
       <p:sp>
         <p:nvSpPr>
-          <p:cNvPr id="2" name="Titel 1">
-            <a:extLst>
-              <a:ext uri="{FF2B5EF4-FFF2-40B4-BE49-F238E27FC236}">
-                <a16:creationId xmlns:a16="http://schemas.microsoft.com/office/drawing/2014/main" id="{F7061AFE-E820-AA5D-0F23-1CF496725270}"/>
-              </a:ext>
-            </a:extLst>
-          </p:cNvPr>
-          <p:cNvSpPr>
-            <a:spLocks noGrp="1"/>
-          </p:cNvSpPr>
-          <p:nvPr>
-            <p:ph type="title"/>
-          </p:nvPr>
-        </p:nvSpPr>
-        <p:spPr/>
-        <p:txBody>
-          <a:bodyPr/>
-          <a:lstStyle/>
-          <a:p>
-            <a:r>
-              <a:rPr lang="da-DK" dirty="0"/>
-              <a:t>Project </a:t>
-            </a:r>
-            <a:r>
-              <a:rPr lang="da-DK" dirty="0" err="1"/>
-              <a:t>idea</a:t>
-            </a:r>
-            <a:r>
-              <a:rPr lang="da-DK" dirty="0"/>
-              <a:t> </a:t>
-            </a:r>
-            <a:r>
-              <a:rPr lang="da-DK" dirty="0" err="1"/>
-              <a:t>presentation</a:t>
-            </a:r>
-            <a:endParaRPr lang="da-DK" dirty="0"/>
-          </a:p>
-        </p:txBody>
-      </p:sp>
-      <p:sp>
-        <p:nvSpPr>
           <p:cNvPr id="3" name="Pladsholder til indhold 2">
             <a:extLst>
               <a:ext uri="{FF2B5EF4-FFF2-40B4-BE49-F238E27FC236}">
@@ -3405,308 +3417,475 @@
             <p:ph idx="1"/>
           </p:nvPr>
         </p:nvSpPr>
-        <p:spPr/>
+        <p:spPr>
+          <a:xfrm>
+            <a:off x="838200" y="1629682"/>
+            <a:ext cx="10515600" cy="4351338"/>
+          </a:xfrm>
+        </p:spPr>
         <p:txBody>
-          <a:bodyPr/>
+          <a:bodyPr>
+            <a:normAutofit/>
+          </a:bodyPr>
           <a:lstStyle/>
           <a:p>
             <a:r>
-              <a:rPr lang="da-DK" dirty="0" err="1"/>
+              <a:rPr lang="da-DK" sz="1800" dirty="0" err="1"/>
               <a:t>Our</a:t>
             </a:r>
             <a:r>
-              <a:rPr lang="da-DK" dirty="0"/>
+              <a:rPr lang="da-DK" sz="1800" dirty="0"/>
               <a:t> </a:t>
             </a:r>
             <a:r>
-              <a:rPr lang="da-DK" dirty="0" err="1"/>
+              <a:rPr lang="da-DK" sz="1800" dirty="0" err="1"/>
               <a:t>idea</a:t>
             </a:r>
             <a:r>
-              <a:rPr lang="da-DK" dirty="0"/>
+              <a:rPr lang="da-DK" sz="1800" dirty="0"/>
               <a:t> is to </a:t>
             </a:r>
             <a:r>
-              <a:rPr lang="da-DK" dirty="0" err="1"/>
+              <a:rPr lang="da-DK" sz="1800" dirty="0" err="1"/>
               <a:t>create</a:t>
             </a:r>
             <a:r>
-              <a:rPr lang="da-DK" dirty="0"/>
+              <a:rPr lang="da-DK" sz="1800" dirty="0"/>
               <a:t> a website </a:t>
             </a:r>
             <a:r>
-              <a:rPr lang="da-DK" dirty="0" err="1"/>
+              <a:rPr lang="da-DK" sz="1800" dirty="0" err="1"/>
               <a:t>where</a:t>
             </a:r>
             <a:r>
-              <a:rPr lang="da-DK" dirty="0"/>
+              <a:rPr lang="da-DK" sz="1800" dirty="0"/>
               <a:t> </a:t>
             </a:r>
             <a:r>
-              <a:rPr lang="da-DK" dirty="0" err="1"/>
+              <a:rPr lang="da-DK" sz="1800" dirty="0" err="1"/>
               <a:t>you</a:t>
             </a:r>
             <a:r>
-              <a:rPr lang="da-DK" dirty="0"/>
+              <a:rPr lang="da-DK" sz="1800" dirty="0"/>
               <a:t> </a:t>
             </a:r>
             <a:r>
-              <a:rPr lang="da-DK" dirty="0" err="1"/>
+              <a:rPr lang="da-DK" sz="1800" dirty="0" err="1"/>
               <a:t>can</a:t>
             </a:r>
             <a:r>
-              <a:rPr lang="da-DK" dirty="0"/>
+              <a:rPr lang="da-DK" sz="1800" dirty="0"/>
               <a:t> </a:t>
             </a:r>
             <a:r>
-              <a:rPr lang="da-DK" dirty="0" err="1"/>
+              <a:rPr lang="da-DK" sz="1800" dirty="0" err="1"/>
               <a:t>get</a:t>
             </a:r>
             <a:r>
-              <a:rPr lang="da-DK" dirty="0"/>
+              <a:rPr lang="da-DK" sz="1800" dirty="0"/>
               <a:t> an overview of </a:t>
             </a:r>
             <a:r>
-              <a:rPr lang="da-DK" dirty="0" err="1"/>
+              <a:rPr lang="da-DK" sz="1800" dirty="0" err="1"/>
               <a:t>how</a:t>
             </a:r>
             <a:r>
-              <a:rPr lang="da-DK" dirty="0"/>
+              <a:rPr lang="da-DK" sz="1800" dirty="0"/>
+              <a:t> Danish </a:t>
+            </a:r>
+            <a:r>
+              <a:rPr lang="da-DK" sz="1800" dirty="0" err="1"/>
+              <a:t>political</a:t>
+            </a:r>
+            <a:r>
+              <a:rPr lang="da-DK" sz="1800" dirty="0"/>
+              <a:t> parties have </a:t>
+            </a:r>
+            <a:r>
+              <a:rPr lang="da-DK" sz="1800" dirty="0" err="1"/>
+              <a:t>voted</a:t>
+            </a:r>
+            <a:r>
+              <a:rPr lang="da-DK" sz="1800" dirty="0"/>
+              <a:t> in the </a:t>
+            </a:r>
+            <a:r>
+              <a:rPr lang="da-DK" sz="1800" dirty="0" err="1"/>
+              <a:t>past</a:t>
+            </a:r>
+            <a:r>
+              <a:rPr lang="da-DK" sz="1800" dirty="0"/>
+              <a:t>. </a:t>
+            </a:r>
+          </a:p>
+          <a:p>
+            <a:r>
+              <a:rPr lang="da-DK" sz="1800" dirty="0"/>
+              <a:t>In </a:t>
+            </a:r>
+            <a:r>
+              <a:rPr lang="da-DK" sz="1800" dirty="0" err="1"/>
+              <a:t>our</a:t>
+            </a:r>
+            <a:r>
+              <a:rPr lang="da-DK" sz="1800" dirty="0"/>
+              <a:t> web </a:t>
+            </a:r>
+            <a:r>
+              <a:rPr lang="da-DK" sz="1800" dirty="0" err="1"/>
+              <a:t>application</a:t>
+            </a:r>
+            <a:r>
+              <a:rPr lang="da-DK" sz="1800" dirty="0"/>
+              <a:t> it </a:t>
+            </a:r>
+            <a:r>
+              <a:rPr lang="da-DK" sz="1800" dirty="0" err="1"/>
+              <a:t>will</a:t>
+            </a:r>
+            <a:r>
+              <a:rPr lang="da-DK" sz="1800" dirty="0"/>
               <a:t> </a:t>
             </a:r>
             <a:r>
-              <a:rPr lang="da-DK" dirty="0" err="1"/>
-              <a:t>danish</a:t>
-            </a:r>
-            <a:r>
-              <a:rPr lang="da-DK" dirty="0"/>
+              <a:rPr lang="da-DK" sz="1800" dirty="0" err="1"/>
+              <a:t>be</a:t>
+            </a:r>
+            <a:r>
+              <a:rPr lang="da-DK" sz="1800" dirty="0"/>
               <a:t> </a:t>
             </a:r>
             <a:r>
-              <a:rPr lang="da-DK" dirty="0" err="1"/>
-              <a:t>political</a:t>
-            </a:r>
-            <a:r>
-              <a:rPr lang="da-DK" dirty="0"/>
-              <a:t> parties have </a:t>
-            </a:r>
-            <a:r>
-              <a:rPr lang="da-DK" dirty="0" err="1"/>
+              <a:rPr lang="da-DK" sz="1800" dirty="0" err="1"/>
+              <a:t>possible</a:t>
+            </a:r>
+            <a:r>
+              <a:rPr lang="da-DK" sz="1800" dirty="0"/>
+              <a:t> to </a:t>
+            </a:r>
+            <a:r>
+              <a:rPr lang="da-DK" sz="1800" dirty="0" err="1"/>
+              <a:t>choose</a:t>
+            </a:r>
+            <a:r>
+              <a:rPr lang="da-DK" sz="1800" dirty="0"/>
+              <a:t> a </a:t>
+            </a:r>
+            <a:r>
+              <a:rPr lang="da-DK" sz="1800" dirty="0" err="1"/>
+              <a:t>specific</a:t>
+            </a:r>
+            <a:r>
+              <a:rPr lang="da-DK" sz="1800" dirty="0"/>
+              <a:t> party and  a </a:t>
+            </a:r>
+            <a:r>
+              <a:rPr lang="da-DK" sz="1800" dirty="0" err="1"/>
+              <a:t>specific</a:t>
+            </a:r>
+            <a:r>
+              <a:rPr lang="da-DK" sz="1800" dirty="0"/>
+              <a:t> time </a:t>
+            </a:r>
+            <a:r>
+              <a:rPr lang="da-DK" sz="1800" dirty="0" err="1"/>
+              <a:t>period</a:t>
+            </a:r>
+            <a:r>
+              <a:rPr lang="da-DK" sz="1800" dirty="0"/>
+              <a:t> and </a:t>
+            </a:r>
+            <a:r>
+              <a:rPr lang="da-DK" sz="1800" dirty="0" err="1"/>
+              <a:t>then</a:t>
+            </a:r>
+            <a:r>
+              <a:rPr lang="da-DK" sz="1800" dirty="0"/>
+              <a:t> </a:t>
+            </a:r>
+            <a:r>
+              <a:rPr lang="da-DK" sz="1800" dirty="0" err="1"/>
+              <a:t>get</a:t>
+            </a:r>
+            <a:r>
+              <a:rPr lang="da-DK" sz="1800" dirty="0"/>
+              <a:t> a list of all the </a:t>
+            </a:r>
+            <a:r>
+              <a:rPr lang="da-DK" sz="1800" dirty="0" err="1"/>
+              <a:t>laws</a:t>
+            </a:r>
+            <a:r>
+              <a:rPr lang="da-DK" sz="1800" dirty="0"/>
+              <a:t> </a:t>
+            </a:r>
+            <a:r>
+              <a:rPr lang="da-DK" sz="1800" dirty="0" err="1"/>
+              <a:t>they</a:t>
+            </a:r>
+            <a:r>
+              <a:rPr lang="da-DK" sz="1800" dirty="0"/>
+              <a:t> have </a:t>
+            </a:r>
+            <a:r>
+              <a:rPr lang="da-DK" sz="1800" dirty="0" err="1"/>
               <a:t>voted</a:t>
             </a:r>
             <a:r>
-              <a:rPr lang="da-DK" dirty="0"/>
-              <a:t> in the </a:t>
-            </a:r>
-            <a:r>
-              <a:rPr lang="da-DK" dirty="0" err="1"/>
-              <a:t>past</a:t>
-            </a:r>
-            <a:r>
-              <a:rPr lang="da-DK" dirty="0"/>
-              <a:t>. </a:t>
-            </a:r>
-          </a:p>
-          <a:p>
-            <a:r>
-              <a:rPr lang="da-DK" dirty="0"/>
+              <a:rPr lang="da-DK" sz="1800" dirty="0"/>
+              <a:t> for and </a:t>
+            </a:r>
+            <a:r>
+              <a:rPr lang="da-DK" sz="1800" dirty="0" err="1"/>
+              <a:t>against</a:t>
+            </a:r>
+            <a:r>
+              <a:rPr lang="da-DK" sz="1800" dirty="0"/>
+              <a:t>.</a:t>
+            </a:r>
+          </a:p>
+          <a:p>
+            <a:r>
+              <a:rPr lang="da-DK" sz="1800" dirty="0"/>
               <a:t>Data on </a:t>
             </a:r>
             <a:r>
-              <a:rPr lang="da-DK" dirty="0" err="1"/>
+              <a:rPr lang="da-DK" sz="1800" dirty="0" err="1"/>
               <a:t>this</a:t>
             </a:r>
             <a:r>
-              <a:rPr lang="da-DK" dirty="0"/>
+              <a:rPr lang="da-DK" sz="1800" dirty="0"/>
               <a:t> is </a:t>
             </a:r>
             <a:r>
-              <a:rPr lang="da-DK" dirty="0" err="1"/>
+              <a:rPr lang="da-DK" sz="1800" dirty="0" err="1"/>
               <a:t>publicly</a:t>
             </a:r>
             <a:r>
-              <a:rPr lang="da-DK" dirty="0"/>
+              <a:rPr lang="da-DK" sz="1800" dirty="0"/>
               <a:t> </a:t>
             </a:r>
             <a:r>
-              <a:rPr lang="da-DK" dirty="0" err="1"/>
+              <a:rPr lang="da-DK" sz="1800" dirty="0" err="1"/>
               <a:t>available</a:t>
             </a:r>
             <a:r>
-              <a:rPr lang="da-DK" dirty="0"/>
+              <a:rPr lang="da-DK" sz="1800" dirty="0"/>
               <a:t> on </a:t>
             </a:r>
             <a:r>
-              <a:rPr lang="da-DK" dirty="0">
+              <a:rPr lang="da-DK" sz="1800" dirty="0">
                 <a:hlinkClick r:id="rId2"/>
               </a:rPr>
               <a:t>https://oda.ft.dk/</a:t>
             </a:r>
             <a:r>
-              <a:rPr lang="da-DK" dirty="0"/>
+              <a:rPr lang="da-DK" sz="1800" dirty="0"/>
               <a:t> but it is not </a:t>
             </a:r>
             <a:r>
-              <a:rPr lang="da-DK" dirty="0" err="1"/>
+              <a:rPr lang="da-DK" sz="1800" dirty="0" err="1"/>
               <a:t>easy</a:t>
             </a:r>
             <a:r>
-              <a:rPr lang="da-DK" dirty="0"/>
+              <a:rPr lang="da-DK" sz="1800" dirty="0"/>
               <a:t> to </a:t>
             </a:r>
             <a:r>
-              <a:rPr lang="da-DK" dirty="0" err="1"/>
+              <a:rPr lang="da-DK" sz="1800" dirty="0" err="1"/>
               <a:t>get</a:t>
             </a:r>
             <a:r>
-              <a:rPr lang="da-DK" dirty="0"/>
+              <a:rPr lang="da-DK" sz="1800" dirty="0"/>
               <a:t> an overview on </a:t>
             </a:r>
             <a:r>
-              <a:rPr lang="da-DK" dirty="0" err="1"/>
+              <a:rPr lang="da-DK" sz="1800" dirty="0" err="1"/>
               <a:t>how</a:t>
             </a:r>
             <a:r>
-              <a:rPr lang="da-DK" dirty="0"/>
+              <a:rPr lang="da-DK" sz="1800" dirty="0"/>
               <a:t> a given party has </a:t>
             </a:r>
             <a:r>
-              <a:rPr lang="da-DK" dirty="0" err="1"/>
+              <a:rPr lang="da-DK" sz="1800" dirty="0" err="1"/>
               <a:t>voted</a:t>
             </a:r>
             <a:r>
-              <a:rPr lang="da-DK" dirty="0"/>
+              <a:rPr lang="da-DK" sz="1800" dirty="0"/>
               <a:t>.</a:t>
             </a:r>
           </a:p>
           <a:p>
             <a:r>
-              <a:rPr lang="da-DK" dirty="0"/>
-              <a:t>In </a:t>
-            </a:r>
-            <a:r>
-              <a:rPr lang="da-DK" dirty="0" err="1"/>
-              <a:t>our</a:t>
-            </a:r>
-            <a:r>
-              <a:rPr lang="da-DK" dirty="0"/>
+              <a:rPr lang="da-DK" sz="1800" dirty="0"/>
+              <a:t>The data </a:t>
+            </a:r>
+            <a:r>
+              <a:rPr lang="da-DK" sz="1800" dirty="0" err="1"/>
+              <a:t>exists</a:t>
+            </a:r>
+            <a:r>
+              <a:rPr lang="da-DK" sz="1800" dirty="0"/>
+              <a:t> in the oda.ft.dk database in the same </a:t>
+            </a:r>
+            <a:r>
+              <a:rPr lang="da-DK" sz="1800" dirty="0" err="1"/>
+              <a:t>structure</a:t>
+            </a:r>
+            <a:r>
+              <a:rPr lang="da-DK" sz="1800" dirty="0"/>
+              <a:t> as </a:t>
+            </a:r>
+            <a:r>
+              <a:rPr lang="da-DK" sz="1800" dirty="0" err="1"/>
+              <a:t>indicated</a:t>
+            </a:r>
+            <a:r>
+              <a:rPr lang="da-DK" sz="1800" dirty="0"/>
+              <a:t> in the E/R diagram, </a:t>
+            </a:r>
+            <a:r>
+              <a:rPr lang="da-DK" sz="1800" dirty="0" err="1"/>
+              <a:t>except</a:t>
+            </a:r>
+            <a:r>
+              <a:rPr lang="da-DK" sz="1800" dirty="0"/>
+              <a:t> the </a:t>
+            </a:r>
+            <a:r>
+              <a:rPr lang="da-DK" sz="1800" dirty="0" err="1"/>
+              <a:t>weak</a:t>
+            </a:r>
+            <a:r>
+              <a:rPr lang="da-DK" sz="1800" dirty="0"/>
               <a:t> </a:t>
             </a:r>
             <a:r>
-              <a:rPr lang="da-DK" dirty="0" err="1"/>
-              <a:t>webapplication</a:t>
-            </a:r>
-            <a:r>
-              <a:rPr lang="da-DK" dirty="0"/>
-              <a:t> it </a:t>
-            </a:r>
-            <a:r>
-              <a:rPr lang="da-DK" dirty="0" err="1"/>
-              <a:t>will</a:t>
-            </a:r>
-            <a:r>
-              <a:rPr lang="da-DK" dirty="0"/>
+              <a:rPr lang="da-DK" sz="1800" dirty="0" err="1"/>
+              <a:t>entity</a:t>
+            </a:r>
+            <a:r>
+              <a:rPr lang="da-DK" sz="1800" dirty="0"/>
+              <a:t> ”</a:t>
+            </a:r>
+            <a:r>
+              <a:rPr lang="da-DK" sz="1800" dirty="0" err="1"/>
+              <a:t>Party_Votes</a:t>
+            </a:r>
+            <a:r>
+              <a:rPr lang="da-DK" sz="1800" dirty="0"/>
+              <a:t>” </a:t>
+            </a:r>
+            <a:r>
+              <a:rPr lang="da-DK" sz="1800" dirty="0" err="1"/>
+              <a:t>which</a:t>
+            </a:r>
+            <a:r>
+              <a:rPr lang="da-DK" sz="1800" dirty="0"/>
+              <a:t> is </a:t>
+            </a:r>
+            <a:r>
+              <a:rPr lang="da-DK" sz="1800" dirty="0" err="1"/>
+              <a:t>created</a:t>
+            </a:r>
+            <a:r>
+              <a:rPr lang="da-DK" sz="1800" dirty="0"/>
+              <a:t> from data </a:t>
+            </a:r>
+            <a:r>
+              <a:rPr lang="da-DK" sz="1800" dirty="0" err="1"/>
+              <a:t>parsed</a:t>
+            </a:r>
+            <a:r>
+              <a:rPr lang="da-DK" sz="1800" dirty="0"/>
+              <a:t> from a </a:t>
+            </a:r>
+            <a:r>
+              <a:rPr lang="da-DK" sz="1800" dirty="0" err="1"/>
+              <a:t>text</a:t>
+            </a:r>
+            <a:r>
+              <a:rPr lang="da-DK" sz="1800" dirty="0"/>
               <a:t> </a:t>
             </a:r>
             <a:r>
-              <a:rPr lang="da-DK" dirty="0" err="1"/>
-              <a:t>be</a:t>
-            </a:r>
-            <a:r>
-              <a:rPr lang="da-DK" dirty="0"/>
+              <a:rPr lang="da-DK" sz="1800" dirty="0" err="1"/>
+              <a:t>field</a:t>
+            </a:r>
+            <a:r>
+              <a:rPr lang="da-DK" sz="1800" dirty="0"/>
+              <a:t> in the ”</a:t>
+            </a:r>
+            <a:r>
+              <a:rPr lang="da-DK" sz="1800" dirty="0" err="1"/>
+              <a:t>Vote</a:t>
+            </a:r>
+            <a:r>
+              <a:rPr lang="da-DK" sz="1800" dirty="0"/>
+              <a:t>” </a:t>
+            </a:r>
+            <a:r>
+              <a:rPr lang="da-DK" sz="1800" dirty="0" err="1"/>
+              <a:t>entity</a:t>
+            </a:r>
+            <a:r>
+              <a:rPr lang="da-DK" sz="1800" dirty="0"/>
+              <a:t>.</a:t>
+            </a:r>
+          </a:p>
+          <a:p>
+            <a:endParaRPr lang="da-DK" sz="1800" dirty="0"/>
+          </a:p>
+        </p:txBody>
+      </p:sp>
+      <p:sp>
+        <p:nvSpPr>
+          <p:cNvPr id="4" name="TextBox 3">
+            <a:extLst>
+              <a:ext uri="{FF2B5EF4-FFF2-40B4-BE49-F238E27FC236}">
+                <a16:creationId xmlns:a16="http://schemas.microsoft.com/office/drawing/2014/main" id="{BC286FA5-DA82-77FC-B876-8CCB805CBB65}"/>
+              </a:ext>
+            </a:extLst>
+          </p:cNvPr>
+          <p:cNvSpPr txBox="1"/>
+          <p:nvPr/>
+        </p:nvSpPr>
+        <p:spPr>
+          <a:xfrm>
+            <a:off x="668682" y="445973"/>
+            <a:ext cx="6309612" cy="830997"/>
+          </a:xfrm>
+          <a:prstGeom prst="rect">
+            <a:avLst/>
+          </a:prstGeom>
+          <a:noFill/>
+        </p:spPr>
+        <p:txBody>
+          <a:bodyPr wrap="none" rtlCol="0">
+            <a:spAutoFit/>
+          </a:bodyPr>
+          <a:lstStyle/>
+          <a:p>
+            <a:r>
+              <a:rPr lang="en-US" sz="2400" b="1" dirty="0"/>
+              <a:t>Project idea presentation – Vote Tracker App</a:t>
+            </a:r>
+          </a:p>
+          <a:p>
+            <a:r>
+              <a:rPr lang="en-US" b="1" dirty="0"/>
+              <a:t>Draft May 1</a:t>
+            </a:r>
+            <a:r>
+              <a:rPr lang="en-US" b="1" baseline="30000" dirty="0"/>
+              <a:t>st</a:t>
+            </a:r>
+            <a:r>
+              <a:rPr lang="en-US" sz="2400" b="1" dirty="0"/>
               <a:t> </a:t>
             </a:r>
-            <a:r>
-              <a:rPr lang="da-DK" dirty="0" err="1"/>
-              <a:t>possible</a:t>
-            </a:r>
-            <a:r>
-              <a:rPr lang="da-DK" dirty="0"/>
-              <a:t> to </a:t>
-            </a:r>
-            <a:r>
-              <a:rPr lang="da-DK" dirty="0" err="1"/>
-              <a:t>choose</a:t>
-            </a:r>
-            <a:r>
-              <a:rPr lang="da-DK" dirty="0"/>
-              <a:t> a </a:t>
-            </a:r>
-            <a:r>
-              <a:rPr lang="da-DK" dirty="0" err="1"/>
-              <a:t>specific</a:t>
-            </a:r>
-            <a:r>
-              <a:rPr lang="da-DK" dirty="0"/>
-              <a:t> party and  a </a:t>
-            </a:r>
-            <a:r>
-              <a:rPr lang="da-DK" dirty="0" err="1"/>
-              <a:t>specific</a:t>
-            </a:r>
-            <a:r>
-              <a:rPr lang="da-DK" dirty="0"/>
-              <a:t> time </a:t>
-            </a:r>
-            <a:r>
-              <a:rPr lang="da-DK" dirty="0" err="1"/>
-              <a:t>period</a:t>
-            </a:r>
-            <a:r>
-              <a:rPr lang="da-DK" dirty="0"/>
-              <a:t> and </a:t>
-            </a:r>
-            <a:r>
-              <a:rPr lang="da-DK" dirty="0" err="1"/>
-              <a:t>then</a:t>
-            </a:r>
-            <a:r>
-              <a:rPr lang="da-DK" dirty="0"/>
-              <a:t> </a:t>
-            </a:r>
-            <a:r>
-              <a:rPr lang="da-DK" dirty="0" err="1"/>
-              <a:t>get</a:t>
-            </a:r>
-            <a:r>
-              <a:rPr lang="da-DK" dirty="0"/>
-              <a:t> a list of all the </a:t>
-            </a:r>
-            <a:r>
-              <a:rPr lang="da-DK" dirty="0" err="1"/>
-              <a:t>laws</a:t>
-            </a:r>
-            <a:r>
-              <a:rPr lang="da-DK" dirty="0"/>
-              <a:t> </a:t>
-            </a:r>
-            <a:r>
-              <a:rPr lang="da-DK" dirty="0" err="1"/>
-              <a:t>they</a:t>
-            </a:r>
-            <a:r>
-              <a:rPr lang="da-DK" dirty="0"/>
-              <a:t> have </a:t>
-            </a:r>
-            <a:r>
-              <a:rPr lang="da-DK" dirty="0" err="1"/>
-              <a:t>voted</a:t>
-            </a:r>
-            <a:r>
-              <a:rPr lang="da-DK" dirty="0"/>
-              <a:t> for and </a:t>
-            </a:r>
-            <a:r>
-              <a:rPr lang="da-DK" dirty="0" err="1"/>
-              <a:t>against</a:t>
-            </a:r>
-            <a:r>
-              <a:rPr lang="da-DK"/>
-              <a:t>.</a:t>
-            </a:r>
-          </a:p>
-          <a:p>
-            <a:endParaRPr lang="da-DK"/>
+            <a:endParaRPr lang="en-DK" sz="2400" b="1" dirty="0"/>
           </a:p>
         </p:txBody>
       </p:sp>

--- a/Project_Idea (2).pptx
+++ b/Project_Idea (2).pptx
@@ -126,12 +126,12 @@
   <pc:docChgLst>
     <pc:chgData name="Kristian Bitsch Ebbensgaard" userId="db474494-81e8-4465-9809-a1d335558f45" providerId="ADAL" clId="{FFA8188F-B942-4A08-96FC-3BE27C79695F}"/>
     <pc:docChg chg="undo custSel modSld">
-      <pc:chgData name="Kristian Bitsch Ebbensgaard" userId="db474494-81e8-4465-9809-a1d335558f45" providerId="ADAL" clId="{FFA8188F-B942-4A08-96FC-3BE27C79695F}" dt="2025-04-30T20:06:46.082" v="393" actId="20577"/>
+      <pc:chgData name="Kristian Bitsch Ebbensgaard" userId="db474494-81e8-4465-9809-a1d335558f45" providerId="ADAL" clId="{FFA8188F-B942-4A08-96FC-3BE27C79695F}" dt="2025-05-01T11:07:20.076" v="394" actId="20577"/>
       <pc:docMkLst>
         <pc:docMk/>
       </pc:docMkLst>
       <pc:sldChg chg="addSp delSp modSp mod">
-        <pc:chgData name="Kristian Bitsch Ebbensgaard" userId="db474494-81e8-4465-9809-a1d335558f45" providerId="ADAL" clId="{FFA8188F-B942-4A08-96FC-3BE27C79695F}" dt="2025-04-30T20:06:46.082" v="393" actId="20577"/>
+        <pc:chgData name="Kristian Bitsch Ebbensgaard" userId="db474494-81e8-4465-9809-a1d335558f45" providerId="ADAL" clId="{FFA8188F-B942-4A08-96FC-3BE27C79695F}" dt="2025-05-01T11:07:20.076" v="394" actId="20577"/>
         <pc:sldMkLst>
           <pc:docMk/>
           <pc:sldMk cId="931196468" sldId="258"/>
@@ -145,7 +145,7 @@
           </ac:spMkLst>
         </pc:spChg>
         <pc:spChg chg="mod">
-          <ac:chgData name="Kristian Bitsch Ebbensgaard" userId="db474494-81e8-4465-9809-a1d335558f45" providerId="ADAL" clId="{FFA8188F-B942-4A08-96FC-3BE27C79695F}" dt="2025-04-30T20:06:46.082" v="393" actId="20577"/>
+          <ac:chgData name="Kristian Bitsch Ebbensgaard" userId="db474494-81e8-4465-9809-a1d335558f45" providerId="ADAL" clId="{FFA8188F-B942-4A08-96FC-3BE27C79695F}" dt="2025-05-01T11:07:20.076" v="394" actId="20577"/>
           <ac:spMkLst>
             <pc:docMk/>
             <pc:sldMk cId="931196468" sldId="258"/>
@@ -315,7 +315,7 @@
           <a:p>
             <a:fld id="{F309DC6E-A2C7-499C-AE0C-185FA2954680}" type="datetimeFigureOut">
               <a:rPr lang="en-DK" smtClean="0"/>
-              <a:t>30/04/2025</a:t>
+              <a:t>01/05/2025</a:t>
             </a:fld>
             <a:endParaRPr lang="en-DK"/>
           </a:p>
@@ -515,7 +515,7 @@
           <a:p>
             <a:fld id="{F309DC6E-A2C7-499C-AE0C-185FA2954680}" type="datetimeFigureOut">
               <a:rPr lang="en-DK" smtClean="0"/>
-              <a:t>30/04/2025</a:t>
+              <a:t>01/05/2025</a:t>
             </a:fld>
             <a:endParaRPr lang="en-DK"/>
           </a:p>
@@ -725,7 +725,7 @@
           <a:p>
             <a:fld id="{F309DC6E-A2C7-499C-AE0C-185FA2954680}" type="datetimeFigureOut">
               <a:rPr lang="en-DK" smtClean="0"/>
-              <a:t>30/04/2025</a:t>
+              <a:t>01/05/2025</a:t>
             </a:fld>
             <a:endParaRPr lang="en-DK"/>
           </a:p>
@@ -925,7 +925,7 @@
           <a:p>
             <a:fld id="{F309DC6E-A2C7-499C-AE0C-185FA2954680}" type="datetimeFigureOut">
               <a:rPr lang="en-DK" smtClean="0"/>
-              <a:t>30/04/2025</a:t>
+              <a:t>01/05/2025</a:t>
             </a:fld>
             <a:endParaRPr lang="en-DK"/>
           </a:p>
@@ -1201,7 +1201,7 @@
           <a:p>
             <a:fld id="{F309DC6E-A2C7-499C-AE0C-185FA2954680}" type="datetimeFigureOut">
               <a:rPr lang="en-DK" smtClean="0"/>
-              <a:t>30/04/2025</a:t>
+              <a:t>01/05/2025</a:t>
             </a:fld>
             <a:endParaRPr lang="en-DK"/>
           </a:p>
@@ -1469,7 +1469,7 @@
           <a:p>
             <a:fld id="{F309DC6E-A2C7-499C-AE0C-185FA2954680}" type="datetimeFigureOut">
               <a:rPr lang="en-DK" smtClean="0"/>
-              <a:t>30/04/2025</a:t>
+              <a:t>01/05/2025</a:t>
             </a:fld>
             <a:endParaRPr lang="en-DK"/>
           </a:p>
@@ -1884,7 +1884,7 @@
           <a:p>
             <a:fld id="{F309DC6E-A2C7-499C-AE0C-185FA2954680}" type="datetimeFigureOut">
               <a:rPr lang="en-DK" smtClean="0"/>
-              <a:t>30/04/2025</a:t>
+              <a:t>01/05/2025</a:t>
             </a:fld>
             <a:endParaRPr lang="en-DK"/>
           </a:p>
@@ -2026,7 +2026,7 @@
           <a:p>
             <a:fld id="{F309DC6E-A2C7-499C-AE0C-185FA2954680}" type="datetimeFigureOut">
               <a:rPr lang="en-DK" smtClean="0"/>
-              <a:t>30/04/2025</a:t>
+              <a:t>01/05/2025</a:t>
             </a:fld>
             <a:endParaRPr lang="en-DK"/>
           </a:p>
@@ -2139,7 +2139,7 @@
           <a:p>
             <a:fld id="{F309DC6E-A2C7-499C-AE0C-185FA2954680}" type="datetimeFigureOut">
               <a:rPr lang="en-DK" smtClean="0"/>
-              <a:t>30/04/2025</a:t>
+              <a:t>01/05/2025</a:t>
             </a:fld>
             <a:endParaRPr lang="en-DK"/>
           </a:p>
@@ -2452,7 +2452,7 @@
           <a:p>
             <a:fld id="{F309DC6E-A2C7-499C-AE0C-185FA2954680}" type="datetimeFigureOut">
               <a:rPr lang="en-DK" smtClean="0"/>
-              <a:t>30/04/2025</a:t>
+              <a:t>01/05/2025</a:t>
             </a:fld>
             <a:endParaRPr lang="en-DK"/>
           </a:p>
@@ -2741,7 +2741,7 @@
           <a:p>
             <a:fld id="{F309DC6E-A2C7-499C-AE0C-185FA2954680}" type="datetimeFigureOut">
               <a:rPr lang="en-DK" smtClean="0"/>
-              <a:t>30/04/2025</a:t>
+              <a:t>01/05/2025</a:t>
             </a:fld>
             <a:endParaRPr lang="en-DK"/>
           </a:p>
@@ -2984,7 +2984,7 @@
           <a:p>
             <a:fld id="{F309DC6E-A2C7-499C-AE0C-185FA2954680}" type="datetimeFigureOut">
               <a:rPr lang="en-DK" smtClean="0"/>
-              <a:t>30/04/2025</a:t>
+              <a:t>01/05/2025</a:t>
             </a:fld>
             <a:endParaRPr lang="en-DK"/>
           </a:p>
@@ -3826,13 +3826,10 @@
               <a:t>” </a:t>
             </a:r>
             <a:r>
-              <a:rPr lang="da-DK" sz="1800" dirty="0" err="1"/>
+              <a:rPr lang="da-DK" sz="1800"/>
               <a:t>entity</a:t>
             </a:r>
-            <a:r>
-              <a:rPr lang="da-DK" sz="1800" dirty="0"/>
-              <a:t>.</a:t>
-            </a:r>
+            <a:endParaRPr lang="da-DK" sz="1800" dirty="0"/>
           </a:p>
           <a:p>
             <a:endParaRPr lang="da-DK" sz="1800" dirty="0"/>

--- a/Project_Idea (2).pptx
+++ b/Project_Idea (2).pptx
@@ -116,7 +116,7 @@
 <file path=ppt/revisionInfo.xml><?xml version="1.0" encoding="utf-8"?>
 <p1510:revInfo xmlns:a="http://schemas.openxmlformats.org/drawingml/2006/main" xmlns:r="http://schemas.openxmlformats.org/officeDocument/2006/relationships" xmlns:p1510="http://schemas.microsoft.com/office/powerpoint/2015/10/main">
   <p1510:revLst>
-    <p1510:client id="{FFA8188F-B942-4A08-96FC-3BE27C79695F}" v="1" dt="2025-04-30T20:05:32.350"/>
+    <p1510:client id="{FFA8188F-B942-4A08-96FC-3BE27C79695F}" v="4" dt="2025-05-01T11:23:25.495"/>
   </p1510:revLst>
 </p1510:revInfo>
 </file>
@@ -126,10 +126,161 @@
   <pc:docChgLst>
     <pc:chgData name="Kristian Bitsch Ebbensgaard" userId="db474494-81e8-4465-9809-a1d335558f45" providerId="ADAL" clId="{FFA8188F-B942-4A08-96FC-3BE27C79695F}"/>
     <pc:docChg chg="undo custSel modSld">
-      <pc:chgData name="Kristian Bitsch Ebbensgaard" userId="db474494-81e8-4465-9809-a1d335558f45" providerId="ADAL" clId="{FFA8188F-B942-4A08-96FC-3BE27C79695F}" dt="2025-05-01T11:07:20.076" v="394" actId="20577"/>
+      <pc:chgData name="Kristian Bitsch Ebbensgaard" userId="db474494-81e8-4465-9809-a1d335558f45" providerId="ADAL" clId="{FFA8188F-B942-4A08-96FC-3BE27C79695F}" dt="2025-05-01T11:27:02.370" v="532" actId="3064"/>
       <pc:docMkLst>
         <pc:docMk/>
       </pc:docMkLst>
+      <pc:sldChg chg="addSp delSp modSp mod">
+        <pc:chgData name="Kristian Bitsch Ebbensgaard" userId="db474494-81e8-4465-9809-a1d335558f45" providerId="ADAL" clId="{FFA8188F-B942-4A08-96FC-3BE27C79695F}" dt="2025-05-01T11:27:02.370" v="532" actId="3064"/>
+        <pc:sldMkLst>
+          <pc:docMk/>
+          <pc:sldMk cId="1804535035" sldId="257"/>
+        </pc:sldMkLst>
+        <pc:spChg chg="add mod">
+          <ac:chgData name="Kristian Bitsch Ebbensgaard" userId="db474494-81e8-4465-9809-a1d335558f45" providerId="ADAL" clId="{FFA8188F-B942-4A08-96FC-3BE27C79695F}" dt="2025-05-01T11:21:20.194" v="443" actId="20577"/>
+          <ac:spMkLst>
+            <pc:docMk/>
+            <pc:sldMk cId="1804535035" sldId="257"/>
+            <ac:spMk id="2" creationId="{89195ADB-3325-BE87-5499-F9469970FA6F}"/>
+          </ac:spMkLst>
+        </pc:spChg>
+        <pc:spChg chg="add mod">
+          <ac:chgData name="Kristian Bitsch Ebbensgaard" userId="db474494-81e8-4465-9809-a1d335558f45" providerId="ADAL" clId="{FFA8188F-B942-4A08-96FC-3BE27C79695F}" dt="2025-05-01T11:27:02.370" v="532" actId="3064"/>
+          <ac:spMkLst>
+            <pc:docMk/>
+            <pc:sldMk cId="1804535035" sldId="257"/>
+            <ac:spMk id="3" creationId="{BDF08879-C914-3CED-B2BC-66F88FE01137}"/>
+          </ac:spMkLst>
+        </pc:spChg>
+        <pc:spChg chg="mod">
+          <ac:chgData name="Kristian Bitsch Ebbensgaard" userId="db474494-81e8-4465-9809-a1d335558f45" providerId="ADAL" clId="{FFA8188F-B942-4A08-96FC-3BE27C79695F}" dt="2025-05-01T11:15:23.070" v="406" actId="207"/>
+          <ac:spMkLst>
+            <pc:docMk/>
+            <pc:sldMk cId="1804535035" sldId="257"/>
+            <ac:spMk id="5" creationId="{12131A1A-B847-EC87-2F19-E37FF92525D8}"/>
+          </ac:spMkLst>
+        </pc:spChg>
+        <pc:spChg chg="mod">
+          <ac:chgData name="Kristian Bitsch Ebbensgaard" userId="db474494-81e8-4465-9809-a1d335558f45" providerId="ADAL" clId="{FFA8188F-B942-4A08-96FC-3BE27C79695F}" dt="2025-05-01T11:12:43.386" v="404" actId="20577"/>
+          <ac:spMkLst>
+            <pc:docMk/>
+            <pc:sldMk cId="1804535035" sldId="257"/>
+            <ac:spMk id="7" creationId="{55CD3842-8E9B-63BE-EB05-0D9AE52772DB}"/>
+          </ac:spMkLst>
+        </pc:spChg>
+        <pc:spChg chg="mod topLvl">
+          <ac:chgData name="Kristian Bitsch Ebbensgaard" userId="db474494-81e8-4465-9809-a1d335558f45" providerId="ADAL" clId="{FFA8188F-B942-4A08-96FC-3BE27C79695F}" dt="2025-05-01T11:14:04.400" v="405" actId="165"/>
+          <ac:spMkLst>
+            <pc:docMk/>
+            <pc:sldMk cId="1804535035" sldId="257"/>
+            <ac:spMk id="10" creationId="{37DA0249-5303-32FC-DEB5-FCA10C7B790F}"/>
+          </ac:spMkLst>
+        </pc:spChg>
+        <pc:spChg chg="mod topLvl">
+          <ac:chgData name="Kristian Bitsch Ebbensgaard" userId="db474494-81e8-4465-9809-a1d335558f45" providerId="ADAL" clId="{FFA8188F-B942-4A08-96FC-3BE27C79695F}" dt="2025-05-01T11:14:04.400" v="405" actId="165"/>
+          <ac:spMkLst>
+            <pc:docMk/>
+            <pc:sldMk cId="1804535035" sldId="257"/>
+            <ac:spMk id="35" creationId="{4A7353DA-AFB9-9C5A-15F8-1FA76D3216F4}"/>
+          </ac:spMkLst>
+        </pc:spChg>
+        <pc:spChg chg="mod topLvl">
+          <ac:chgData name="Kristian Bitsch Ebbensgaard" userId="db474494-81e8-4465-9809-a1d335558f45" providerId="ADAL" clId="{FFA8188F-B942-4A08-96FC-3BE27C79695F}" dt="2025-05-01T11:14:04.400" v="405" actId="165"/>
+          <ac:spMkLst>
+            <pc:docMk/>
+            <pc:sldMk cId="1804535035" sldId="257"/>
+            <ac:spMk id="36" creationId="{166F6D6B-719F-EBDC-2F20-BA1D8AA5FAB8}"/>
+          </ac:spMkLst>
+        </pc:spChg>
+        <pc:spChg chg="mod">
+          <ac:chgData name="Kristian Bitsch Ebbensgaard" userId="db474494-81e8-4465-9809-a1d335558f45" providerId="ADAL" clId="{FFA8188F-B942-4A08-96FC-3BE27C79695F}" dt="2025-05-01T11:23:24.374" v="482" actId="1037"/>
+          <ac:spMkLst>
+            <pc:docMk/>
+            <pc:sldMk cId="1804535035" sldId="257"/>
+            <ac:spMk id="42" creationId="{7C75F03E-593E-00F0-89F3-8DFD62602AF5}"/>
+          </ac:spMkLst>
+        </pc:spChg>
+        <pc:spChg chg="mod topLvl">
+          <ac:chgData name="Kristian Bitsch Ebbensgaard" userId="db474494-81e8-4465-9809-a1d335558f45" providerId="ADAL" clId="{FFA8188F-B942-4A08-96FC-3BE27C79695F}" dt="2025-05-01T11:14:04.400" v="405" actId="165"/>
+          <ac:spMkLst>
+            <pc:docMk/>
+            <pc:sldMk cId="1804535035" sldId="257"/>
+            <ac:spMk id="53" creationId="{F6DE0C02-3508-E3C8-A5F1-164CA6AD917D}"/>
+          </ac:spMkLst>
+        </pc:spChg>
+        <pc:spChg chg="mod topLvl">
+          <ac:chgData name="Kristian Bitsch Ebbensgaard" userId="db474494-81e8-4465-9809-a1d335558f45" providerId="ADAL" clId="{FFA8188F-B942-4A08-96FC-3BE27C79695F}" dt="2025-05-01T11:14:04.400" v="405" actId="165"/>
+          <ac:spMkLst>
+            <pc:docMk/>
+            <pc:sldMk cId="1804535035" sldId="257"/>
+            <ac:spMk id="54" creationId="{960B4634-E8D8-92D8-74F4-708392B96864}"/>
+          </ac:spMkLst>
+        </pc:spChg>
+        <pc:spChg chg="mod">
+          <ac:chgData name="Kristian Bitsch Ebbensgaard" userId="db474494-81e8-4465-9809-a1d335558f45" providerId="ADAL" clId="{FFA8188F-B942-4A08-96FC-3BE27C79695F}" dt="2025-05-01T11:15:23.070" v="406" actId="207"/>
+          <ac:spMkLst>
+            <pc:docMk/>
+            <pc:sldMk cId="1804535035" sldId="257"/>
+            <ac:spMk id="55" creationId="{49971E0F-CAD1-0EEF-BD43-3F16962F6EC4}"/>
+          </ac:spMkLst>
+        </pc:spChg>
+        <pc:spChg chg="mod topLvl">
+          <ac:chgData name="Kristian Bitsch Ebbensgaard" userId="db474494-81e8-4465-9809-a1d335558f45" providerId="ADAL" clId="{FFA8188F-B942-4A08-96FC-3BE27C79695F}" dt="2025-05-01T11:14:04.400" v="405" actId="165"/>
+          <ac:spMkLst>
+            <pc:docMk/>
+            <pc:sldMk cId="1804535035" sldId="257"/>
+            <ac:spMk id="72" creationId="{FB7A5C8F-491C-07C7-394D-0B9D8F422CE6}"/>
+          </ac:spMkLst>
+        </pc:spChg>
+        <pc:spChg chg="mod topLvl">
+          <ac:chgData name="Kristian Bitsch Ebbensgaard" userId="db474494-81e8-4465-9809-a1d335558f45" providerId="ADAL" clId="{FFA8188F-B942-4A08-96FC-3BE27C79695F}" dt="2025-05-01T11:15:23.070" v="406" actId="207"/>
+          <ac:spMkLst>
+            <pc:docMk/>
+            <pc:sldMk cId="1804535035" sldId="257"/>
+            <ac:spMk id="78" creationId="{D7FF61CE-3113-1EBE-3305-FEF1ED7D9540}"/>
+          </ac:spMkLst>
+        </pc:spChg>
+        <pc:spChg chg="mod topLvl">
+          <ac:chgData name="Kristian Bitsch Ebbensgaard" userId="db474494-81e8-4465-9809-a1d335558f45" providerId="ADAL" clId="{FFA8188F-B942-4A08-96FC-3BE27C79695F}" dt="2025-05-01T11:19:57.395" v="432" actId="207"/>
+          <ac:spMkLst>
+            <pc:docMk/>
+            <pc:sldMk cId="1804535035" sldId="257"/>
+            <ac:spMk id="86" creationId="{DEFA0861-93C9-210B-375E-F31A5C723DF4}"/>
+          </ac:spMkLst>
+        </pc:spChg>
+        <pc:spChg chg="mod topLvl">
+          <ac:chgData name="Kristian Bitsch Ebbensgaard" userId="db474494-81e8-4465-9809-a1d335558f45" providerId="ADAL" clId="{FFA8188F-B942-4A08-96FC-3BE27C79695F}" dt="2025-05-01T11:15:23.070" v="406" actId="207"/>
+          <ac:spMkLst>
+            <pc:docMk/>
+            <pc:sldMk cId="1804535035" sldId="257"/>
+            <ac:spMk id="87" creationId="{47929640-2A1C-0186-4901-EAF2D992E463}"/>
+          </ac:spMkLst>
+        </pc:spChg>
+        <pc:spChg chg="mod topLvl">
+          <ac:chgData name="Kristian Bitsch Ebbensgaard" userId="db474494-81e8-4465-9809-a1d335558f45" providerId="ADAL" clId="{FFA8188F-B942-4A08-96FC-3BE27C79695F}" dt="2025-05-01T11:14:04.400" v="405" actId="165"/>
+          <ac:spMkLst>
+            <pc:docMk/>
+            <pc:sldMk cId="1804535035" sldId="257"/>
+            <ac:spMk id="92" creationId="{E6787559-29A1-9144-F95C-84D6197CE0AD}"/>
+          </ac:spMkLst>
+        </pc:spChg>
+        <pc:cxnChg chg="add mod">
+          <ac:chgData name="Kristian Bitsch Ebbensgaard" userId="db474494-81e8-4465-9809-a1d335558f45" providerId="ADAL" clId="{FFA8188F-B942-4A08-96FC-3BE27C79695F}" dt="2025-05-01T11:23:35.202" v="516" actId="1076"/>
+          <ac:cxnSpMkLst>
+            <pc:docMk/>
+            <pc:sldMk cId="1804535035" sldId="257"/>
+            <ac:cxnSpMk id="12" creationId="{BAF726DF-8F64-4738-1F36-E221BB5C57A5}"/>
+          </ac:cxnSpMkLst>
+        </pc:cxnChg>
+        <pc:cxnChg chg="mod">
+          <ac:chgData name="Kristian Bitsch Ebbensgaard" userId="db474494-81e8-4465-9809-a1d335558f45" providerId="ADAL" clId="{FFA8188F-B942-4A08-96FC-3BE27C79695F}" dt="2025-05-01T11:23:24.374" v="482" actId="1037"/>
+          <ac:cxnSpMkLst>
+            <pc:docMk/>
+            <pc:sldMk cId="1804535035" sldId="257"/>
+            <ac:cxnSpMk id="43" creationId="{64A774CC-126F-F2AC-99B5-0CE4519E004C}"/>
+          </ac:cxnSpMkLst>
+        </pc:cxnChg>
+      </pc:sldChg>
       <pc:sldChg chg="addSp delSp modSp mod">
         <pc:chgData name="Kristian Bitsch Ebbensgaard" userId="db474494-81e8-4465-9809-a1d335558f45" providerId="ADAL" clId="{FFA8188F-B942-4A08-96FC-3BE27C79695F}" dt="2025-05-01T11:07:20.076" v="394" actId="20577"/>
         <pc:sldMkLst>
@@ -3916,2565 +4067,2558 @@
           <a:chExt cx="0" cy="0"/>
         </a:xfrm>
       </p:grpSpPr>
-      <p:grpSp>
-        <p:nvGrpSpPr>
-          <p:cNvPr id="100" name="Group 99">
-            <a:extLst>
-              <a:ext uri="{FF2B5EF4-FFF2-40B4-BE49-F238E27FC236}">
-                <a16:creationId xmlns:a16="http://schemas.microsoft.com/office/drawing/2014/main" id="{F18226A3-C28D-BD05-2DC1-8688FC81949D}"/>
-              </a:ext>
-            </a:extLst>
-          </p:cNvPr>
-          <p:cNvGrpSpPr/>
+      <p:sp>
+        <p:nvSpPr>
+          <p:cNvPr id="4" name="Oval 3">
+            <a:extLst>
+              <a:ext uri="{FF2B5EF4-FFF2-40B4-BE49-F238E27FC236}">
+                <a16:creationId xmlns:a16="http://schemas.microsoft.com/office/drawing/2014/main" id="{8C0FF021-4866-D165-E652-A4DDA285CE41}"/>
+              </a:ext>
+            </a:extLst>
+          </p:cNvPr>
+          <p:cNvSpPr/>
           <p:nvPr/>
-        </p:nvGrpSpPr>
-        <p:grpSpPr>
-          <a:xfrm>
-            <a:off x="791134" y="1621397"/>
-            <a:ext cx="7986987" cy="3883305"/>
-            <a:chOff x="1833281" y="1581056"/>
-            <a:chExt cx="7986987" cy="3883305"/>
-          </a:xfrm>
-        </p:grpSpPr>
-        <p:sp>
-          <p:nvSpPr>
-            <p:cNvPr id="4" name="Oval 3">
-              <a:extLst>
-                <a:ext uri="{FF2B5EF4-FFF2-40B4-BE49-F238E27FC236}">
-                  <a16:creationId xmlns:a16="http://schemas.microsoft.com/office/drawing/2014/main" id="{8C0FF021-4866-D165-E652-A4DDA285CE41}"/>
-                </a:ext>
-              </a:extLst>
-            </p:cNvPr>
-            <p:cNvSpPr/>
-            <p:nvPr/>
-          </p:nvSpPr>
-          <p:spPr>
-            <a:xfrm>
-              <a:off x="3267635" y="3832411"/>
-              <a:ext cx="1190065" cy="275665"/>
-            </a:xfrm>
-            <a:prstGeom prst="ellipse">
-              <a:avLst/>
-            </a:prstGeom>
-            <a:solidFill>
-              <a:schemeClr val="bg1"/>
-            </a:solidFill>
-            <a:ln w="9525"/>
-          </p:spPr>
-          <p:style>
-            <a:lnRef idx="2">
-              <a:schemeClr val="accent1">
-                <a:shade val="15000"/>
-              </a:schemeClr>
-            </a:lnRef>
-            <a:fillRef idx="1">
-              <a:schemeClr val="accent1"/>
-            </a:fillRef>
-            <a:effectRef idx="0">
-              <a:schemeClr val="accent1"/>
-            </a:effectRef>
-            <a:fontRef idx="minor">
-              <a:schemeClr val="lt1"/>
-            </a:fontRef>
-          </p:style>
-          <p:txBody>
-            <a:bodyPr rtlCol="0" anchor="ctr"/>
-            <a:lstStyle/>
-            <a:p>
-              <a:pPr algn="ctr"/>
-              <a:r>
-                <a:rPr lang="en-US" sz="800" dirty="0" err="1">
-                  <a:solidFill>
-                    <a:schemeClr val="tx1"/>
-                  </a:solidFill>
-                </a:rPr>
-                <a:t>Meeting_ID</a:t>
-              </a:r>
-              <a:endParaRPr lang="en-DK" sz="800" dirty="0">
+        </p:nvSpPr>
+        <p:spPr>
+          <a:xfrm>
+            <a:off x="2225488" y="3872752"/>
+            <a:ext cx="1190065" cy="275665"/>
+          </a:xfrm>
+          <a:prstGeom prst="ellipse">
+            <a:avLst/>
+          </a:prstGeom>
+          <a:solidFill>
+            <a:schemeClr val="bg1"/>
+          </a:solidFill>
+          <a:ln w="9525"/>
+        </p:spPr>
+        <p:style>
+          <a:lnRef idx="2">
+            <a:schemeClr val="accent1">
+              <a:shade val="15000"/>
+            </a:schemeClr>
+          </a:lnRef>
+          <a:fillRef idx="1">
+            <a:schemeClr val="accent1"/>
+          </a:fillRef>
+          <a:effectRef idx="0">
+            <a:schemeClr val="accent1"/>
+          </a:effectRef>
+          <a:fontRef idx="minor">
+            <a:schemeClr val="lt1"/>
+          </a:fontRef>
+        </p:style>
+        <p:txBody>
+          <a:bodyPr rtlCol="0" anchor="ctr"/>
+          <a:lstStyle/>
+          <a:p>
+            <a:pPr algn="ctr"/>
+            <a:r>
+              <a:rPr lang="en-US" sz="800" dirty="0" err="1">
                 <a:solidFill>
                   <a:schemeClr val="tx1"/>
                 </a:solidFill>
-              </a:endParaRPr>
-            </a:p>
-          </p:txBody>
-        </p:sp>
-        <p:sp>
-          <p:nvSpPr>
-            <p:cNvPr id="5" name="Oval 4">
-              <a:extLst>
-                <a:ext uri="{FF2B5EF4-FFF2-40B4-BE49-F238E27FC236}">
-                  <a16:creationId xmlns:a16="http://schemas.microsoft.com/office/drawing/2014/main" id="{12131A1A-B847-EC87-2F19-E37FF92525D8}"/>
-                </a:ext>
-              </a:extLst>
-            </p:cNvPr>
-            <p:cNvSpPr/>
-            <p:nvPr/>
-          </p:nvSpPr>
-          <p:spPr>
-            <a:xfrm>
-              <a:off x="4663888" y="3838013"/>
-              <a:ext cx="1190065" cy="275665"/>
-            </a:xfrm>
-            <a:prstGeom prst="ellipse">
-              <a:avLst/>
-            </a:prstGeom>
-            <a:solidFill>
-              <a:schemeClr val="bg1"/>
-            </a:solidFill>
-            <a:ln w="9525"/>
-          </p:spPr>
-          <p:style>
-            <a:lnRef idx="2">
-              <a:schemeClr val="accent1">
-                <a:shade val="15000"/>
-              </a:schemeClr>
-            </a:lnRef>
-            <a:fillRef idx="1">
-              <a:schemeClr val="accent1"/>
-            </a:fillRef>
-            <a:effectRef idx="0">
-              <a:schemeClr val="accent1"/>
-            </a:effectRef>
-            <a:fontRef idx="minor">
-              <a:schemeClr val="lt1"/>
-            </a:fontRef>
-          </p:style>
-          <p:txBody>
-            <a:bodyPr rtlCol="0" anchor="ctr"/>
-            <a:lstStyle/>
-            <a:p>
-              <a:pPr algn="ctr"/>
-              <a:r>
-                <a:rPr lang="en-US" sz="800" dirty="0">
-                  <a:solidFill>
-                    <a:schemeClr val="tx1"/>
-                  </a:solidFill>
-                </a:rPr>
-                <a:t>Adopted</a:t>
-              </a:r>
-              <a:endParaRPr lang="en-DK" sz="800" dirty="0">
+              </a:rPr>
+              <a:t>Meeting_ID</a:t>
+            </a:r>
+            <a:endParaRPr lang="en-DK" sz="800" dirty="0">
+              <a:solidFill>
+                <a:schemeClr val="tx1"/>
+              </a:solidFill>
+            </a:endParaRPr>
+          </a:p>
+        </p:txBody>
+      </p:sp>
+      <p:sp>
+        <p:nvSpPr>
+          <p:cNvPr id="5" name="Oval 4">
+            <a:extLst>
+              <a:ext uri="{FF2B5EF4-FFF2-40B4-BE49-F238E27FC236}">
+                <a16:creationId xmlns:a16="http://schemas.microsoft.com/office/drawing/2014/main" id="{12131A1A-B847-EC87-2F19-E37FF92525D8}"/>
+              </a:ext>
+            </a:extLst>
+          </p:cNvPr>
+          <p:cNvSpPr/>
+          <p:nvPr/>
+        </p:nvSpPr>
+        <p:spPr>
+          <a:xfrm>
+            <a:off x="3621741" y="3878354"/>
+            <a:ext cx="1190065" cy="275665"/>
+          </a:xfrm>
+          <a:prstGeom prst="ellipse">
+            <a:avLst/>
+          </a:prstGeom>
+          <a:solidFill>
+            <a:schemeClr val="tx2">
+              <a:lumMod val="25000"/>
+              <a:lumOff val="75000"/>
+            </a:schemeClr>
+          </a:solidFill>
+          <a:ln w="9525"/>
+        </p:spPr>
+        <p:style>
+          <a:lnRef idx="2">
+            <a:schemeClr val="accent1">
+              <a:shade val="15000"/>
+            </a:schemeClr>
+          </a:lnRef>
+          <a:fillRef idx="1">
+            <a:schemeClr val="accent1"/>
+          </a:fillRef>
+          <a:effectRef idx="0">
+            <a:schemeClr val="accent1"/>
+          </a:effectRef>
+          <a:fontRef idx="minor">
+            <a:schemeClr val="lt1"/>
+          </a:fontRef>
+        </p:style>
+        <p:txBody>
+          <a:bodyPr rtlCol="0" anchor="ctr"/>
+          <a:lstStyle/>
+          <a:p>
+            <a:pPr algn="ctr"/>
+            <a:r>
+              <a:rPr lang="en-US" sz="800" dirty="0">
                 <a:solidFill>
                   <a:schemeClr val="tx1"/>
                 </a:solidFill>
-              </a:endParaRPr>
-            </a:p>
-          </p:txBody>
-        </p:sp>
-        <p:sp>
-          <p:nvSpPr>
-            <p:cNvPr id="6" name="Oval 5">
-              <a:extLst>
-                <a:ext uri="{FF2B5EF4-FFF2-40B4-BE49-F238E27FC236}">
-                  <a16:creationId xmlns:a16="http://schemas.microsoft.com/office/drawing/2014/main" id="{31176031-5084-4B7C-9279-AD8C8773038B}"/>
-                </a:ext>
-              </a:extLst>
-            </p:cNvPr>
-            <p:cNvSpPr/>
-            <p:nvPr/>
-          </p:nvSpPr>
-          <p:spPr>
-            <a:xfrm>
-              <a:off x="3978088" y="3408827"/>
-              <a:ext cx="1190065" cy="275665"/>
-            </a:xfrm>
-            <a:prstGeom prst="ellipse">
-              <a:avLst/>
-            </a:prstGeom>
-            <a:solidFill>
-              <a:schemeClr val="bg1"/>
-            </a:solidFill>
-            <a:ln w="9525"/>
-          </p:spPr>
-          <p:style>
-            <a:lnRef idx="2">
-              <a:schemeClr val="accent1">
-                <a:shade val="15000"/>
-              </a:schemeClr>
-            </a:lnRef>
-            <a:fillRef idx="1">
-              <a:schemeClr val="accent1"/>
-            </a:fillRef>
-            <a:effectRef idx="0">
-              <a:schemeClr val="accent1"/>
-            </a:effectRef>
-            <a:fontRef idx="minor">
-              <a:schemeClr val="lt1"/>
-            </a:fontRef>
-          </p:style>
-          <p:txBody>
-            <a:bodyPr rtlCol="0" anchor="ctr"/>
-            <a:lstStyle/>
-            <a:p>
-              <a:pPr algn="ctr"/>
-              <a:r>
-                <a:rPr lang="en-US" sz="800" dirty="0">
-                  <a:solidFill>
-                    <a:schemeClr val="tx1"/>
-                  </a:solidFill>
-                </a:rPr>
-                <a:t>Number</a:t>
-              </a:r>
-              <a:endParaRPr lang="en-DK" sz="800" dirty="0">
+              </a:rPr>
+              <a:t>Adopted</a:t>
+            </a:r>
+            <a:endParaRPr lang="en-DK" sz="800" dirty="0">
+              <a:solidFill>
+                <a:schemeClr val="tx1"/>
+              </a:solidFill>
+            </a:endParaRPr>
+          </a:p>
+        </p:txBody>
+      </p:sp>
+      <p:sp>
+        <p:nvSpPr>
+          <p:cNvPr id="6" name="Oval 5">
+            <a:extLst>
+              <a:ext uri="{FF2B5EF4-FFF2-40B4-BE49-F238E27FC236}">
+                <a16:creationId xmlns:a16="http://schemas.microsoft.com/office/drawing/2014/main" id="{31176031-5084-4B7C-9279-AD8C8773038B}"/>
+              </a:ext>
+            </a:extLst>
+          </p:cNvPr>
+          <p:cNvSpPr/>
+          <p:nvPr/>
+        </p:nvSpPr>
+        <p:spPr>
+          <a:xfrm>
+            <a:off x="2935941" y="3449168"/>
+            <a:ext cx="1190065" cy="275665"/>
+          </a:xfrm>
+          <a:prstGeom prst="ellipse">
+            <a:avLst/>
+          </a:prstGeom>
+          <a:solidFill>
+            <a:schemeClr val="bg1"/>
+          </a:solidFill>
+          <a:ln w="9525"/>
+        </p:spPr>
+        <p:style>
+          <a:lnRef idx="2">
+            <a:schemeClr val="accent1">
+              <a:shade val="15000"/>
+            </a:schemeClr>
+          </a:lnRef>
+          <a:fillRef idx="1">
+            <a:schemeClr val="accent1"/>
+          </a:fillRef>
+          <a:effectRef idx="0">
+            <a:schemeClr val="accent1"/>
+          </a:effectRef>
+          <a:fontRef idx="minor">
+            <a:schemeClr val="lt1"/>
+          </a:fontRef>
+        </p:style>
+        <p:txBody>
+          <a:bodyPr rtlCol="0" anchor="ctr"/>
+          <a:lstStyle/>
+          <a:p>
+            <a:pPr algn="ctr"/>
+            <a:r>
+              <a:rPr lang="en-US" sz="800" dirty="0">
                 <a:solidFill>
                   <a:schemeClr val="tx1"/>
                 </a:solidFill>
-              </a:endParaRPr>
-            </a:p>
-          </p:txBody>
-        </p:sp>
-        <p:sp>
-          <p:nvSpPr>
-            <p:cNvPr id="7" name="Oval 6">
-              <a:extLst>
-                <a:ext uri="{FF2B5EF4-FFF2-40B4-BE49-F238E27FC236}">
-                  <a16:creationId xmlns:a16="http://schemas.microsoft.com/office/drawing/2014/main" id="{55CD3842-8E9B-63BE-EB05-0D9AE52772DB}"/>
-                </a:ext>
-              </a:extLst>
-            </p:cNvPr>
-            <p:cNvSpPr/>
-            <p:nvPr/>
-          </p:nvSpPr>
-          <p:spPr>
-            <a:xfrm>
-              <a:off x="2581834" y="3408826"/>
-              <a:ext cx="1190065" cy="275665"/>
-            </a:xfrm>
-            <a:prstGeom prst="ellipse">
-              <a:avLst/>
-            </a:prstGeom>
-            <a:solidFill>
-              <a:schemeClr val="bg1"/>
-            </a:solidFill>
-            <a:ln w="9525"/>
-          </p:spPr>
-          <p:style>
-            <a:lnRef idx="2">
-              <a:schemeClr val="accent1">
-                <a:shade val="15000"/>
-              </a:schemeClr>
-            </a:lnRef>
-            <a:fillRef idx="1">
-              <a:schemeClr val="accent1"/>
-            </a:fillRef>
-            <a:effectRef idx="0">
-              <a:schemeClr val="accent1"/>
-            </a:effectRef>
-            <a:fontRef idx="minor">
-              <a:schemeClr val="lt1"/>
-            </a:fontRef>
-          </p:style>
-          <p:txBody>
-            <a:bodyPr rtlCol="0" anchor="ctr"/>
-            <a:lstStyle/>
-            <a:p>
-              <a:pPr algn="ctr"/>
-              <a:r>
-                <a:rPr lang="en-US" sz="800" dirty="0">
-                  <a:solidFill>
-                    <a:schemeClr val="tx1"/>
-                  </a:solidFill>
-                </a:rPr>
-                <a:t>Comment</a:t>
-              </a:r>
-              <a:endParaRPr lang="en-DK" sz="800" dirty="0">
+              </a:rPr>
+              <a:t>Number</a:t>
+            </a:r>
+            <a:endParaRPr lang="en-DK" sz="800" dirty="0">
+              <a:solidFill>
+                <a:schemeClr val="tx1"/>
+              </a:solidFill>
+            </a:endParaRPr>
+          </a:p>
+        </p:txBody>
+      </p:sp>
+      <p:sp>
+        <p:nvSpPr>
+          <p:cNvPr id="7" name="Oval 6">
+            <a:extLst>
+              <a:ext uri="{FF2B5EF4-FFF2-40B4-BE49-F238E27FC236}">
+                <a16:creationId xmlns:a16="http://schemas.microsoft.com/office/drawing/2014/main" id="{55CD3842-8E9B-63BE-EB05-0D9AE52772DB}"/>
+              </a:ext>
+            </a:extLst>
+          </p:cNvPr>
+          <p:cNvSpPr/>
+          <p:nvPr/>
+        </p:nvSpPr>
+        <p:spPr>
+          <a:xfrm>
+            <a:off x="1539687" y="3449167"/>
+            <a:ext cx="1190065" cy="275665"/>
+          </a:xfrm>
+          <a:prstGeom prst="ellipse">
+            <a:avLst/>
+          </a:prstGeom>
+          <a:solidFill>
+            <a:schemeClr val="bg1"/>
+          </a:solidFill>
+          <a:ln w="9525"/>
+        </p:spPr>
+        <p:style>
+          <a:lnRef idx="2">
+            <a:schemeClr val="accent1">
+              <a:shade val="15000"/>
+            </a:schemeClr>
+          </a:lnRef>
+          <a:fillRef idx="1">
+            <a:schemeClr val="accent1"/>
+          </a:fillRef>
+          <a:effectRef idx="0">
+            <a:schemeClr val="accent1"/>
+          </a:effectRef>
+          <a:fontRef idx="minor">
+            <a:schemeClr val="lt1"/>
+          </a:fontRef>
+        </p:style>
+        <p:txBody>
+          <a:bodyPr rtlCol="0" anchor="ctr"/>
+          <a:lstStyle/>
+          <a:p>
+            <a:pPr algn="ctr"/>
+            <a:r>
+              <a:rPr lang="en-US" sz="800" dirty="0">
                 <a:solidFill>
                   <a:schemeClr val="tx1"/>
                 </a:solidFill>
-              </a:endParaRPr>
-            </a:p>
-          </p:txBody>
-        </p:sp>
-        <p:sp>
-          <p:nvSpPr>
-            <p:cNvPr id="8" name="Oval 7">
-              <a:extLst>
-                <a:ext uri="{FF2B5EF4-FFF2-40B4-BE49-F238E27FC236}">
-                  <a16:creationId xmlns:a16="http://schemas.microsoft.com/office/drawing/2014/main" id="{35471D3A-9FA0-301A-4BC0-D75A4792445F}"/>
-                </a:ext>
-              </a:extLst>
-            </p:cNvPr>
-            <p:cNvSpPr/>
-            <p:nvPr/>
-          </p:nvSpPr>
-          <p:spPr>
-            <a:xfrm>
-              <a:off x="3267635" y="4712068"/>
-              <a:ext cx="1190065" cy="275665"/>
-            </a:xfrm>
-            <a:prstGeom prst="ellipse">
-              <a:avLst/>
-            </a:prstGeom>
-            <a:solidFill>
-              <a:schemeClr val="bg1"/>
-            </a:solidFill>
-            <a:ln w="9525"/>
-          </p:spPr>
-          <p:style>
-            <a:lnRef idx="2">
-              <a:schemeClr val="accent1">
-                <a:shade val="15000"/>
-              </a:schemeClr>
-            </a:lnRef>
-            <a:fillRef idx="1">
-              <a:schemeClr val="accent1"/>
-            </a:fillRef>
-            <a:effectRef idx="0">
-              <a:schemeClr val="accent1"/>
-            </a:effectRef>
-            <a:fontRef idx="minor">
-              <a:schemeClr val="lt1"/>
-            </a:fontRef>
-          </p:style>
-          <p:txBody>
-            <a:bodyPr rtlCol="0" anchor="ctr"/>
-            <a:lstStyle/>
-            <a:p>
-              <a:pPr algn="ctr"/>
-              <a:r>
-                <a:rPr lang="en-US" sz="800" dirty="0" err="1">
-                  <a:solidFill>
-                    <a:schemeClr val="tx1"/>
-                  </a:solidFill>
-                </a:rPr>
-                <a:t>Update_Date</a:t>
-              </a:r>
-              <a:endParaRPr lang="en-DK" sz="800" dirty="0">
+              </a:rPr>
+              <a:t>Conclusion</a:t>
+            </a:r>
+            <a:endParaRPr lang="en-DK" sz="800" dirty="0">
+              <a:solidFill>
+                <a:schemeClr val="tx1"/>
+              </a:solidFill>
+            </a:endParaRPr>
+          </a:p>
+        </p:txBody>
+      </p:sp>
+      <p:sp>
+        <p:nvSpPr>
+          <p:cNvPr id="8" name="Oval 7">
+            <a:extLst>
+              <a:ext uri="{FF2B5EF4-FFF2-40B4-BE49-F238E27FC236}">
+                <a16:creationId xmlns:a16="http://schemas.microsoft.com/office/drawing/2014/main" id="{35471D3A-9FA0-301A-4BC0-D75A4792445F}"/>
+              </a:ext>
+            </a:extLst>
+          </p:cNvPr>
+          <p:cNvSpPr/>
+          <p:nvPr/>
+        </p:nvSpPr>
+        <p:spPr>
+          <a:xfrm>
+            <a:off x="2225488" y="4752409"/>
+            <a:ext cx="1190065" cy="275665"/>
+          </a:xfrm>
+          <a:prstGeom prst="ellipse">
+            <a:avLst/>
+          </a:prstGeom>
+          <a:solidFill>
+            <a:schemeClr val="bg1"/>
+          </a:solidFill>
+          <a:ln w="9525"/>
+        </p:spPr>
+        <p:style>
+          <a:lnRef idx="2">
+            <a:schemeClr val="accent1">
+              <a:shade val="15000"/>
+            </a:schemeClr>
+          </a:lnRef>
+          <a:fillRef idx="1">
+            <a:schemeClr val="accent1"/>
+          </a:fillRef>
+          <a:effectRef idx="0">
+            <a:schemeClr val="accent1"/>
+          </a:effectRef>
+          <a:fontRef idx="minor">
+            <a:schemeClr val="lt1"/>
+          </a:fontRef>
+        </p:style>
+        <p:txBody>
+          <a:bodyPr rtlCol="0" anchor="ctr"/>
+          <a:lstStyle/>
+          <a:p>
+            <a:pPr algn="ctr"/>
+            <a:r>
+              <a:rPr lang="en-US" sz="800" dirty="0" err="1">
                 <a:solidFill>
                   <a:schemeClr val="tx1"/>
                 </a:solidFill>
-              </a:endParaRPr>
-            </a:p>
-          </p:txBody>
-        </p:sp>
-        <p:sp>
-          <p:nvSpPr>
-            <p:cNvPr id="9" name="Oval 8">
-              <a:extLst>
-                <a:ext uri="{FF2B5EF4-FFF2-40B4-BE49-F238E27FC236}">
-                  <a16:creationId xmlns:a16="http://schemas.microsoft.com/office/drawing/2014/main" id="{7938211E-55F8-A6CB-2493-015D77A60567}"/>
-                </a:ext>
-              </a:extLst>
-            </p:cNvPr>
-            <p:cNvSpPr/>
-            <p:nvPr/>
-          </p:nvSpPr>
-          <p:spPr>
-            <a:xfrm>
-              <a:off x="4663888" y="4717670"/>
-              <a:ext cx="1190065" cy="275665"/>
-            </a:xfrm>
-            <a:prstGeom prst="ellipse">
-              <a:avLst/>
-            </a:prstGeom>
-            <a:solidFill>
-              <a:schemeClr val="bg1"/>
-            </a:solidFill>
-            <a:ln w="9525"/>
-          </p:spPr>
-          <p:style>
-            <a:lnRef idx="2">
-              <a:schemeClr val="accent1">
-                <a:shade val="15000"/>
-              </a:schemeClr>
-            </a:lnRef>
-            <a:fillRef idx="1">
-              <a:schemeClr val="accent1"/>
-            </a:fillRef>
-            <a:effectRef idx="0">
-              <a:schemeClr val="accent1"/>
-            </a:effectRef>
-            <a:fontRef idx="minor">
-              <a:schemeClr val="lt1"/>
-            </a:fontRef>
-          </p:style>
-          <p:txBody>
-            <a:bodyPr rtlCol="0" anchor="ctr"/>
-            <a:lstStyle/>
-            <a:p>
-              <a:pPr algn="ctr"/>
-              <a:r>
-                <a:rPr lang="en-US" sz="800" dirty="0" err="1">
-                  <a:solidFill>
-                    <a:schemeClr val="tx1"/>
-                  </a:solidFill>
-                </a:rPr>
-                <a:t>Type_ID</a:t>
-              </a:r>
-              <a:endParaRPr lang="en-DK" sz="800" dirty="0">
+              </a:rPr>
+              <a:t>Update_Date</a:t>
+            </a:r>
+            <a:endParaRPr lang="en-DK" sz="800" dirty="0">
+              <a:solidFill>
+                <a:schemeClr val="tx1"/>
+              </a:solidFill>
+            </a:endParaRPr>
+          </a:p>
+        </p:txBody>
+      </p:sp>
+      <p:sp>
+        <p:nvSpPr>
+          <p:cNvPr id="9" name="Oval 8">
+            <a:extLst>
+              <a:ext uri="{FF2B5EF4-FFF2-40B4-BE49-F238E27FC236}">
+                <a16:creationId xmlns:a16="http://schemas.microsoft.com/office/drawing/2014/main" id="{7938211E-55F8-A6CB-2493-015D77A60567}"/>
+              </a:ext>
+            </a:extLst>
+          </p:cNvPr>
+          <p:cNvSpPr/>
+          <p:nvPr/>
+        </p:nvSpPr>
+        <p:spPr>
+          <a:xfrm>
+            <a:off x="3621741" y="4758011"/>
+            <a:ext cx="1190065" cy="275665"/>
+          </a:xfrm>
+          <a:prstGeom prst="ellipse">
+            <a:avLst/>
+          </a:prstGeom>
+          <a:solidFill>
+            <a:schemeClr val="bg1"/>
+          </a:solidFill>
+          <a:ln w="9525"/>
+        </p:spPr>
+        <p:style>
+          <a:lnRef idx="2">
+            <a:schemeClr val="accent1">
+              <a:shade val="15000"/>
+            </a:schemeClr>
+          </a:lnRef>
+          <a:fillRef idx="1">
+            <a:schemeClr val="accent1"/>
+          </a:fillRef>
+          <a:effectRef idx="0">
+            <a:schemeClr val="accent1"/>
+          </a:effectRef>
+          <a:fontRef idx="minor">
+            <a:schemeClr val="lt1"/>
+          </a:fontRef>
+        </p:style>
+        <p:txBody>
+          <a:bodyPr rtlCol="0" anchor="ctr"/>
+          <a:lstStyle/>
+          <a:p>
+            <a:pPr algn="ctr"/>
+            <a:r>
+              <a:rPr lang="en-US" sz="800" dirty="0" err="1">
                 <a:solidFill>
                   <a:schemeClr val="tx1"/>
                 </a:solidFill>
-              </a:endParaRPr>
-            </a:p>
-          </p:txBody>
-        </p:sp>
-        <p:sp>
-          <p:nvSpPr>
-            <p:cNvPr id="10" name="Oval 9">
-              <a:extLst>
-                <a:ext uri="{FF2B5EF4-FFF2-40B4-BE49-F238E27FC236}">
-                  <a16:creationId xmlns:a16="http://schemas.microsoft.com/office/drawing/2014/main" id="{37DA0249-5303-32FC-DEB5-FCA10C7B790F}"/>
-                </a:ext>
-              </a:extLst>
-            </p:cNvPr>
-            <p:cNvSpPr/>
-            <p:nvPr/>
-          </p:nvSpPr>
-          <p:spPr>
-            <a:xfrm>
-              <a:off x="3978085" y="5154702"/>
-              <a:ext cx="1190065" cy="275665"/>
-            </a:xfrm>
-            <a:prstGeom prst="ellipse">
-              <a:avLst/>
-            </a:prstGeom>
-            <a:solidFill>
-              <a:schemeClr val="bg1"/>
-            </a:solidFill>
-            <a:ln w="9525"/>
-          </p:spPr>
-          <p:style>
-            <a:lnRef idx="2">
-              <a:schemeClr val="accent1">
-                <a:shade val="15000"/>
-              </a:schemeClr>
-            </a:lnRef>
-            <a:fillRef idx="1">
-              <a:schemeClr val="accent1"/>
-            </a:fillRef>
-            <a:effectRef idx="0">
-              <a:schemeClr val="accent1"/>
-            </a:effectRef>
-            <a:fontRef idx="minor">
-              <a:schemeClr val="lt1"/>
-            </a:fontRef>
-          </p:style>
-          <p:txBody>
-            <a:bodyPr rtlCol="0" anchor="ctr"/>
-            <a:lstStyle/>
-            <a:p>
-              <a:pPr algn="ctr"/>
-              <a:r>
-                <a:rPr lang="en-US" sz="800" dirty="0" err="1">
-                  <a:solidFill>
-                    <a:schemeClr val="tx1"/>
-                  </a:solidFill>
-                </a:rPr>
-                <a:t>CaseStep_ID</a:t>
-              </a:r>
-              <a:endParaRPr lang="en-DK" sz="800" dirty="0">
+              </a:rPr>
+              <a:t>Type_ID</a:t>
+            </a:r>
+            <a:endParaRPr lang="en-DK" sz="800" dirty="0">
+              <a:solidFill>
+                <a:schemeClr val="tx1"/>
+              </a:solidFill>
+            </a:endParaRPr>
+          </a:p>
+        </p:txBody>
+      </p:sp>
+      <p:sp>
+        <p:nvSpPr>
+          <p:cNvPr id="10" name="Oval 9">
+            <a:extLst>
+              <a:ext uri="{FF2B5EF4-FFF2-40B4-BE49-F238E27FC236}">
+                <a16:creationId xmlns:a16="http://schemas.microsoft.com/office/drawing/2014/main" id="{37DA0249-5303-32FC-DEB5-FCA10C7B790F}"/>
+              </a:ext>
+            </a:extLst>
+          </p:cNvPr>
+          <p:cNvSpPr/>
+          <p:nvPr/>
+        </p:nvSpPr>
+        <p:spPr>
+          <a:xfrm>
+            <a:off x="2935938" y="5195043"/>
+            <a:ext cx="1190065" cy="275665"/>
+          </a:xfrm>
+          <a:prstGeom prst="ellipse">
+            <a:avLst/>
+          </a:prstGeom>
+          <a:solidFill>
+            <a:schemeClr val="bg1"/>
+          </a:solidFill>
+          <a:ln w="9525"/>
+        </p:spPr>
+        <p:style>
+          <a:lnRef idx="2">
+            <a:schemeClr val="accent1">
+              <a:shade val="15000"/>
+            </a:schemeClr>
+          </a:lnRef>
+          <a:fillRef idx="1">
+            <a:schemeClr val="accent1"/>
+          </a:fillRef>
+          <a:effectRef idx="0">
+            <a:schemeClr val="accent1"/>
+          </a:effectRef>
+          <a:fontRef idx="minor">
+            <a:schemeClr val="lt1"/>
+          </a:fontRef>
+        </p:style>
+        <p:txBody>
+          <a:bodyPr rtlCol="0" anchor="ctr"/>
+          <a:lstStyle/>
+          <a:p>
+            <a:pPr algn="ctr"/>
+            <a:r>
+              <a:rPr lang="en-US" sz="800" dirty="0" err="1">
                 <a:solidFill>
                   <a:schemeClr val="tx1"/>
                 </a:solidFill>
-              </a:endParaRPr>
-            </a:p>
-          </p:txBody>
-        </p:sp>
-        <p:sp>
-          <p:nvSpPr>
-            <p:cNvPr id="11" name="Oval 10">
-              <a:extLst>
-                <a:ext uri="{FF2B5EF4-FFF2-40B4-BE49-F238E27FC236}">
-                  <a16:creationId xmlns:a16="http://schemas.microsoft.com/office/drawing/2014/main" id="{9A470374-7191-6AA7-F452-F3063F5B87D2}"/>
-                </a:ext>
-              </a:extLst>
-            </p:cNvPr>
-            <p:cNvSpPr/>
-            <p:nvPr/>
-          </p:nvSpPr>
-          <p:spPr>
-            <a:xfrm>
-              <a:off x="2581834" y="5154702"/>
-              <a:ext cx="1190065" cy="275665"/>
-            </a:xfrm>
-            <a:prstGeom prst="ellipse">
-              <a:avLst/>
-            </a:prstGeom>
-            <a:solidFill>
-              <a:schemeClr val="bg1"/>
-            </a:solidFill>
-            <a:ln w="9525"/>
-          </p:spPr>
-          <p:style>
-            <a:lnRef idx="2">
-              <a:schemeClr val="accent1">
-                <a:shade val="15000"/>
-              </a:schemeClr>
-            </a:lnRef>
-            <a:fillRef idx="1">
-              <a:schemeClr val="accent1"/>
-            </a:fillRef>
-            <a:effectRef idx="0">
-              <a:schemeClr val="accent1"/>
-            </a:effectRef>
-            <a:fontRef idx="minor">
-              <a:schemeClr val="lt1"/>
-            </a:fontRef>
-          </p:style>
-          <p:txBody>
-            <a:bodyPr rtlCol="0" anchor="ctr"/>
-            <a:lstStyle/>
-            <a:p>
-              <a:pPr algn="ctr"/>
-              <a:r>
-                <a:rPr lang="en-US" sz="800" u="sng" dirty="0" err="1">
-                  <a:solidFill>
-                    <a:schemeClr val="tx1"/>
-                  </a:solidFill>
-                </a:rPr>
-                <a:t>Vote_ID</a:t>
-              </a:r>
-              <a:endParaRPr lang="en-DK" sz="800" u="sng" dirty="0">
+              </a:rPr>
+              <a:t>CaseStep_ID</a:t>
+            </a:r>
+            <a:endParaRPr lang="en-DK" sz="800" dirty="0">
+              <a:solidFill>
+                <a:schemeClr val="tx1"/>
+              </a:solidFill>
+            </a:endParaRPr>
+          </a:p>
+        </p:txBody>
+      </p:sp>
+      <p:sp>
+        <p:nvSpPr>
+          <p:cNvPr id="11" name="Oval 10">
+            <a:extLst>
+              <a:ext uri="{FF2B5EF4-FFF2-40B4-BE49-F238E27FC236}">
+                <a16:creationId xmlns:a16="http://schemas.microsoft.com/office/drawing/2014/main" id="{9A470374-7191-6AA7-F452-F3063F5B87D2}"/>
+              </a:ext>
+            </a:extLst>
+          </p:cNvPr>
+          <p:cNvSpPr/>
+          <p:nvPr/>
+        </p:nvSpPr>
+        <p:spPr>
+          <a:xfrm>
+            <a:off x="1539687" y="5195043"/>
+            <a:ext cx="1190065" cy="275665"/>
+          </a:xfrm>
+          <a:prstGeom prst="ellipse">
+            <a:avLst/>
+          </a:prstGeom>
+          <a:solidFill>
+            <a:schemeClr val="bg1"/>
+          </a:solidFill>
+          <a:ln w="9525"/>
+        </p:spPr>
+        <p:style>
+          <a:lnRef idx="2">
+            <a:schemeClr val="accent1">
+              <a:shade val="15000"/>
+            </a:schemeClr>
+          </a:lnRef>
+          <a:fillRef idx="1">
+            <a:schemeClr val="accent1"/>
+          </a:fillRef>
+          <a:effectRef idx="0">
+            <a:schemeClr val="accent1"/>
+          </a:effectRef>
+          <a:fontRef idx="minor">
+            <a:schemeClr val="lt1"/>
+          </a:fontRef>
+        </p:style>
+        <p:txBody>
+          <a:bodyPr rtlCol="0" anchor="ctr"/>
+          <a:lstStyle/>
+          <a:p>
+            <a:pPr algn="ctr"/>
+            <a:r>
+              <a:rPr lang="en-US" sz="800" u="sng" dirty="0" err="1">
                 <a:solidFill>
                   <a:schemeClr val="tx1"/>
                 </a:solidFill>
-              </a:endParaRPr>
-            </a:p>
-          </p:txBody>
-        </p:sp>
-        <p:sp>
-          <p:nvSpPr>
-            <p:cNvPr id="13" name="Rectangle 12">
-              <a:extLst>
-                <a:ext uri="{FF2B5EF4-FFF2-40B4-BE49-F238E27FC236}">
-                  <a16:creationId xmlns:a16="http://schemas.microsoft.com/office/drawing/2014/main" id="{5842C47D-EFF9-39BB-8687-C5007114B669}"/>
-                </a:ext>
-              </a:extLst>
-            </p:cNvPr>
-            <p:cNvSpPr/>
-            <p:nvPr/>
-          </p:nvSpPr>
-          <p:spPr>
-            <a:xfrm>
-              <a:off x="3065929" y="4267199"/>
-              <a:ext cx="2391896" cy="275665"/>
-            </a:xfrm>
-            <a:prstGeom prst="rect">
-              <a:avLst/>
-            </a:prstGeom>
-            <a:solidFill>
-              <a:schemeClr val="bg1"/>
-            </a:solidFill>
-            <a:ln w="9525"/>
-          </p:spPr>
-          <p:style>
-            <a:lnRef idx="2">
-              <a:schemeClr val="accent1">
-                <a:shade val="15000"/>
-              </a:schemeClr>
-            </a:lnRef>
-            <a:fillRef idx="1">
-              <a:schemeClr val="accent1"/>
-            </a:fillRef>
-            <a:effectRef idx="0">
-              <a:schemeClr val="accent1"/>
-            </a:effectRef>
-            <a:fontRef idx="minor">
-              <a:schemeClr val="lt1"/>
-            </a:fontRef>
-          </p:style>
-          <p:txBody>
-            <a:bodyPr rtlCol="0" anchor="ctr"/>
-            <a:lstStyle/>
-            <a:p>
-              <a:pPr algn="ctr"/>
-              <a:r>
-                <a:rPr lang="en-US" sz="800" dirty="0">
-                  <a:solidFill>
-                    <a:sysClr val="windowText" lastClr="000000"/>
-                  </a:solidFill>
-                </a:rPr>
-                <a:t>Vote</a:t>
-              </a:r>
-              <a:endParaRPr lang="en-DK" sz="800" dirty="0">
+              </a:rPr>
+              <a:t>Vote_ID</a:t>
+            </a:r>
+            <a:endParaRPr lang="en-DK" sz="800" u="sng" dirty="0">
+              <a:solidFill>
+                <a:schemeClr val="tx1"/>
+              </a:solidFill>
+            </a:endParaRPr>
+          </a:p>
+        </p:txBody>
+      </p:sp>
+      <p:sp>
+        <p:nvSpPr>
+          <p:cNvPr id="13" name="Rectangle 12">
+            <a:extLst>
+              <a:ext uri="{FF2B5EF4-FFF2-40B4-BE49-F238E27FC236}">
+                <a16:creationId xmlns:a16="http://schemas.microsoft.com/office/drawing/2014/main" id="{5842C47D-EFF9-39BB-8687-C5007114B669}"/>
+              </a:ext>
+            </a:extLst>
+          </p:cNvPr>
+          <p:cNvSpPr/>
+          <p:nvPr/>
+        </p:nvSpPr>
+        <p:spPr>
+          <a:xfrm>
+            <a:off x="2023782" y="4307540"/>
+            <a:ext cx="2391896" cy="275665"/>
+          </a:xfrm>
+          <a:prstGeom prst="rect">
+            <a:avLst/>
+          </a:prstGeom>
+          <a:solidFill>
+            <a:schemeClr val="bg1"/>
+          </a:solidFill>
+          <a:ln w="9525"/>
+        </p:spPr>
+        <p:style>
+          <a:lnRef idx="2">
+            <a:schemeClr val="accent1">
+              <a:shade val="15000"/>
+            </a:schemeClr>
+          </a:lnRef>
+          <a:fillRef idx="1">
+            <a:schemeClr val="accent1"/>
+          </a:fillRef>
+          <a:effectRef idx="0">
+            <a:schemeClr val="accent1"/>
+          </a:effectRef>
+          <a:fontRef idx="minor">
+            <a:schemeClr val="lt1"/>
+          </a:fontRef>
+        </p:style>
+        <p:txBody>
+          <a:bodyPr rtlCol="0" anchor="ctr"/>
+          <a:lstStyle/>
+          <a:p>
+            <a:pPr algn="ctr"/>
+            <a:r>
+              <a:rPr lang="en-US" sz="800" dirty="0">
                 <a:solidFill>
                   <a:sysClr val="windowText" lastClr="000000"/>
                 </a:solidFill>
-              </a:endParaRPr>
-            </a:p>
-          </p:txBody>
-        </p:sp>
-        <p:cxnSp>
-          <p:nvCxnSpPr>
-            <p:cNvPr id="15" name="Straight Connector 14">
-              <a:extLst>
-                <a:ext uri="{FF2B5EF4-FFF2-40B4-BE49-F238E27FC236}">
-                  <a16:creationId xmlns:a16="http://schemas.microsoft.com/office/drawing/2014/main" id="{1ABDE529-6F68-24DA-A011-03020CB22B28}"/>
-                </a:ext>
-              </a:extLst>
-            </p:cNvPr>
-            <p:cNvCxnSpPr>
-              <a:cxnSpLocks/>
-            </p:cNvCxnSpPr>
-            <p:nvPr/>
-          </p:nvCxnSpPr>
-          <p:spPr>
-            <a:xfrm>
-              <a:off x="3176866" y="3691774"/>
-              <a:ext cx="0" cy="575425"/>
-            </a:xfrm>
-            <a:prstGeom prst="line">
-              <a:avLst/>
-            </a:prstGeom>
-            <a:ln w="9525"/>
-          </p:spPr>
-          <p:style>
-            <a:lnRef idx="2">
-              <a:schemeClr val="accent1"/>
-            </a:lnRef>
-            <a:fillRef idx="0">
-              <a:schemeClr val="accent1"/>
-            </a:fillRef>
-            <a:effectRef idx="1">
-              <a:schemeClr val="accent1"/>
-            </a:effectRef>
-            <a:fontRef idx="minor">
+              </a:rPr>
+              <a:t>Vote</a:t>
+            </a:r>
+            <a:endParaRPr lang="en-DK" sz="800" dirty="0">
+              <a:solidFill>
+                <a:sysClr val="windowText" lastClr="000000"/>
+              </a:solidFill>
+            </a:endParaRPr>
+          </a:p>
+        </p:txBody>
+      </p:sp>
+      <p:cxnSp>
+        <p:nvCxnSpPr>
+          <p:cNvPr id="15" name="Straight Connector 14">
+            <a:extLst>
+              <a:ext uri="{FF2B5EF4-FFF2-40B4-BE49-F238E27FC236}">
+                <a16:creationId xmlns:a16="http://schemas.microsoft.com/office/drawing/2014/main" id="{1ABDE529-6F68-24DA-A011-03020CB22B28}"/>
+              </a:ext>
+            </a:extLst>
+          </p:cNvPr>
+          <p:cNvCxnSpPr>
+            <a:cxnSpLocks/>
+          </p:cNvCxnSpPr>
+          <p:nvPr/>
+        </p:nvCxnSpPr>
+        <p:spPr>
+          <a:xfrm>
+            <a:off x="2134719" y="3732115"/>
+            <a:ext cx="0" cy="575425"/>
+          </a:xfrm>
+          <a:prstGeom prst="line">
+            <a:avLst/>
+          </a:prstGeom>
+          <a:ln w="9525"/>
+        </p:spPr>
+        <p:style>
+          <a:lnRef idx="2">
+            <a:schemeClr val="accent1"/>
+          </a:lnRef>
+          <a:fillRef idx="0">
+            <a:schemeClr val="accent1"/>
+          </a:fillRef>
+          <a:effectRef idx="1">
+            <a:schemeClr val="accent1"/>
+          </a:effectRef>
+          <a:fontRef idx="minor">
+            <a:schemeClr val="tx1"/>
+          </a:fontRef>
+        </p:style>
+      </p:cxnSp>
+      <p:cxnSp>
+        <p:nvCxnSpPr>
+          <p:cNvPr id="17" name="Straight Connector 16">
+            <a:extLst>
+              <a:ext uri="{FF2B5EF4-FFF2-40B4-BE49-F238E27FC236}">
+                <a16:creationId xmlns:a16="http://schemas.microsoft.com/office/drawing/2014/main" id="{DFE884A7-AF72-C7FD-12EC-2856602C8CF3}"/>
+              </a:ext>
+            </a:extLst>
+          </p:cNvPr>
+          <p:cNvCxnSpPr>
+            <a:cxnSpLocks/>
+          </p:cNvCxnSpPr>
+          <p:nvPr/>
+        </p:nvCxnSpPr>
+        <p:spPr>
+          <a:xfrm>
+            <a:off x="3525369" y="3722871"/>
+            <a:ext cx="0" cy="575425"/>
+          </a:xfrm>
+          <a:prstGeom prst="line">
+            <a:avLst/>
+          </a:prstGeom>
+          <a:ln w="9525"/>
+        </p:spPr>
+        <p:style>
+          <a:lnRef idx="2">
+            <a:schemeClr val="accent1"/>
+          </a:lnRef>
+          <a:fillRef idx="0">
+            <a:schemeClr val="accent1"/>
+          </a:fillRef>
+          <a:effectRef idx="1">
+            <a:schemeClr val="accent1"/>
+          </a:effectRef>
+          <a:fontRef idx="minor">
+            <a:schemeClr val="tx1"/>
+          </a:fontRef>
+        </p:style>
+      </p:cxnSp>
+      <p:cxnSp>
+        <p:nvCxnSpPr>
+          <p:cNvPr id="18" name="Straight Connector 17">
+            <a:extLst>
+              <a:ext uri="{FF2B5EF4-FFF2-40B4-BE49-F238E27FC236}">
+                <a16:creationId xmlns:a16="http://schemas.microsoft.com/office/drawing/2014/main" id="{BAC0F3D4-BCB1-A462-B66D-3859D947D978}"/>
+              </a:ext>
+            </a:extLst>
+          </p:cNvPr>
+          <p:cNvCxnSpPr>
+            <a:cxnSpLocks/>
+            <a:endCxn id="11" idx="0"/>
+          </p:cNvCxnSpPr>
+          <p:nvPr/>
+        </p:nvCxnSpPr>
+        <p:spPr>
+          <a:xfrm>
+            <a:off x="2134719" y="4592721"/>
+            <a:ext cx="1" cy="602322"/>
+          </a:xfrm>
+          <a:prstGeom prst="line">
+            <a:avLst/>
+          </a:prstGeom>
+          <a:ln w="9525"/>
+        </p:spPr>
+        <p:style>
+          <a:lnRef idx="2">
+            <a:schemeClr val="accent1"/>
+          </a:lnRef>
+          <a:fillRef idx="0">
+            <a:schemeClr val="accent1"/>
+          </a:fillRef>
+          <a:effectRef idx="1">
+            <a:schemeClr val="accent1"/>
+          </a:effectRef>
+          <a:fontRef idx="minor">
+            <a:schemeClr val="tx1"/>
+          </a:fontRef>
+        </p:style>
+      </p:cxnSp>
+      <p:cxnSp>
+        <p:nvCxnSpPr>
+          <p:cNvPr id="19" name="Straight Connector 18">
+            <a:extLst>
+              <a:ext uri="{FF2B5EF4-FFF2-40B4-BE49-F238E27FC236}">
+                <a16:creationId xmlns:a16="http://schemas.microsoft.com/office/drawing/2014/main" id="{FF2249A8-1077-D783-5BF0-FB51E98E4CE4}"/>
+              </a:ext>
+            </a:extLst>
+          </p:cNvPr>
+          <p:cNvCxnSpPr>
+            <a:cxnSpLocks/>
+            <a:endCxn id="10" idx="0"/>
+          </p:cNvCxnSpPr>
+          <p:nvPr/>
+        </p:nvCxnSpPr>
+        <p:spPr>
+          <a:xfrm>
+            <a:off x="3530971" y="4592449"/>
+            <a:ext cx="0" cy="602594"/>
+          </a:xfrm>
+          <a:prstGeom prst="line">
+            <a:avLst/>
+          </a:prstGeom>
+          <a:ln w="9525"/>
+        </p:spPr>
+        <p:style>
+          <a:lnRef idx="2">
+            <a:schemeClr val="accent1"/>
+          </a:lnRef>
+          <a:fillRef idx="0">
+            <a:schemeClr val="accent1"/>
+          </a:fillRef>
+          <a:effectRef idx="1">
+            <a:schemeClr val="accent1"/>
+          </a:effectRef>
+          <a:fontRef idx="minor">
+            <a:schemeClr val="tx1"/>
+          </a:fontRef>
+        </p:style>
+      </p:cxnSp>
+      <p:cxnSp>
+        <p:nvCxnSpPr>
+          <p:cNvPr id="21" name="Straight Connector 20">
+            <a:extLst>
+              <a:ext uri="{FF2B5EF4-FFF2-40B4-BE49-F238E27FC236}">
+                <a16:creationId xmlns:a16="http://schemas.microsoft.com/office/drawing/2014/main" id="{008520BA-391D-53FC-880F-590778C293E8}"/>
+              </a:ext>
+            </a:extLst>
+          </p:cNvPr>
+          <p:cNvCxnSpPr>
+            <a:cxnSpLocks/>
+            <a:stCxn id="4" idx="4"/>
+          </p:cNvCxnSpPr>
+          <p:nvPr/>
+        </p:nvCxnSpPr>
+        <p:spPr>
+          <a:xfrm>
+            <a:off x="2820521" y="4148417"/>
+            <a:ext cx="0" cy="169204"/>
+          </a:xfrm>
+          <a:prstGeom prst="line">
+            <a:avLst/>
+          </a:prstGeom>
+          <a:ln w="9525"/>
+        </p:spPr>
+        <p:style>
+          <a:lnRef idx="2">
+            <a:schemeClr val="accent1"/>
+          </a:lnRef>
+          <a:fillRef idx="0">
+            <a:schemeClr val="accent1"/>
+          </a:fillRef>
+          <a:effectRef idx="1">
+            <a:schemeClr val="accent1"/>
+          </a:effectRef>
+          <a:fontRef idx="minor">
+            <a:schemeClr val="tx1"/>
+          </a:fontRef>
+        </p:style>
+      </p:cxnSp>
+      <p:cxnSp>
+        <p:nvCxnSpPr>
+          <p:cNvPr id="23" name="Straight Connector 22">
+            <a:extLst>
+              <a:ext uri="{FF2B5EF4-FFF2-40B4-BE49-F238E27FC236}">
+                <a16:creationId xmlns:a16="http://schemas.microsoft.com/office/drawing/2014/main" id="{6590E04F-5E30-999C-5D75-A337E03380F5}"/>
+              </a:ext>
+            </a:extLst>
+          </p:cNvPr>
+          <p:cNvCxnSpPr>
+            <a:cxnSpLocks/>
+          </p:cNvCxnSpPr>
+          <p:nvPr/>
+        </p:nvCxnSpPr>
+        <p:spPr>
+          <a:xfrm>
+            <a:off x="4216773" y="4148417"/>
+            <a:ext cx="0" cy="169204"/>
+          </a:xfrm>
+          <a:prstGeom prst="line">
+            <a:avLst/>
+          </a:prstGeom>
+          <a:ln w="9525"/>
+        </p:spPr>
+        <p:style>
+          <a:lnRef idx="2">
+            <a:schemeClr val="accent1"/>
+          </a:lnRef>
+          <a:fillRef idx="0">
+            <a:schemeClr val="accent1"/>
+          </a:fillRef>
+          <a:effectRef idx="1">
+            <a:schemeClr val="accent1"/>
+          </a:effectRef>
+          <a:fontRef idx="minor">
+            <a:schemeClr val="tx1"/>
+          </a:fontRef>
+        </p:style>
+      </p:cxnSp>
+      <p:cxnSp>
+        <p:nvCxnSpPr>
+          <p:cNvPr id="24" name="Straight Connector 23">
+            <a:extLst>
+              <a:ext uri="{FF2B5EF4-FFF2-40B4-BE49-F238E27FC236}">
+                <a16:creationId xmlns:a16="http://schemas.microsoft.com/office/drawing/2014/main" id="{FF867FAF-9632-7AD5-877F-EAE9757A9393}"/>
+              </a:ext>
+            </a:extLst>
+          </p:cNvPr>
+          <p:cNvCxnSpPr>
+            <a:cxnSpLocks/>
+          </p:cNvCxnSpPr>
+          <p:nvPr/>
+        </p:nvCxnSpPr>
+        <p:spPr>
+          <a:xfrm>
+            <a:off x="2824999" y="4576482"/>
+            <a:ext cx="0" cy="169204"/>
+          </a:xfrm>
+          <a:prstGeom prst="line">
+            <a:avLst/>
+          </a:prstGeom>
+          <a:ln w="9525"/>
+        </p:spPr>
+        <p:style>
+          <a:lnRef idx="2">
+            <a:schemeClr val="accent1"/>
+          </a:lnRef>
+          <a:fillRef idx="0">
+            <a:schemeClr val="accent1"/>
+          </a:fillRef>
+          <a:effectRef idx="1">
+            <a:schemeClr val="accent1"/>
+          </a:effectRef>
+          <a:fontRef idx="minor">
+            <a:schemeClr val="tx1"/>
+          </a:fontRef>
+        </p:style>
+      </p:cxnSp>
+      <p:cxnSp>
+        <p:nvCxnSpPr>
+          <p:cNvPr id="25" name="Straight Connector 24">
+            <a:extLst>
+              <a:ext uri="{FF2B5EF4-FFF2-40B4-BE49-F238E27FC236}">
+                <a16:creationId xmlns:a16="http://schemas.microsoft.com/office/drawing/2014/main" id="{B7B6CCB3-D13D-5FC2-15C4-7EC28FC7BBB3}"/>
+              </a:ext>
+            </a:extLst>
+          </p:cNvPr>
+          <p:cNvCxnSpPr>
+            <a:cxnSpLocks/>
+          </p:cNvCxnSpPr>
+          <p:nvPr/>
+        </p:nvCxnSpPr>
+        <p:spPr>
+          <a:xfrm>
+            <a:off x="4221251" y="4576482"/>
+            <a:ext cx="0" cy="169204"/>
+          </a:xfrm>
+          <a:prstGeom prst="line">
+            <a:avLst/>
+          </a:prstGeom>
+          <a:ln w="9525"/>
+        </p:spPr>
+        <p:style>
+          <a:lnRef idx="2">
+            <a:schemeClr val="accent1"/>
+          </a:lnRef>
+          <a:fillRef idx="0">
+            <a:schemeClr val="accent1"/>
+          </a:fillRef>
+          <a:effectRef idx="1">
+            <a:schemeClr val="accent1"/>
+          </a:effectRef>
+          <a:fontRef idx="minor">
+            <a:schemeClr val="tx1"/>
+          </a:fontRef>
+        </p:style>
+      </p:cxnSp>
+      <p:sp>
+        <p:nvSpPr>
+          <p:cNvPr id="35" name="Diamond 34">
+            <a:extLst>
+              <a:ext uri="{FF2B5EF4-FFF2-40B4-BE49-F238E27FC236}">
+                <a16:creationId xmlns:a16="http://schemas.microsoft.com/office/drawing/2014/main" id="{4A7353DA-AFB9-9C5A-15F8-1FA76D3216F4}"/>
+              </a:ext>
+            </a:extLst>
+          </p:cNvPr>
+          <p:cNvSpPr/>
+          <p:nvPr/>
+        </p:nvSpPr>
+        <p:spPr>
+          <a:xfrm>
+            <a:off x="5101479" y="3540221"/>
+            <a:ext cx="632012" cy="602594"/>
+          </a:xfrm>
+          <a:prstGeom prst="diamond">
+            <a:avLst/>
+          </a:prstGeom>
+          <a:solidFill>
+            <a:schemeClr val="bg1"/>
+          </a:solidFill>
+          <a:ln w="9525">
+            <a:solidFill>
               <a:schemeClr val="tx1"/>
-            </a:fontRef>
-          </p:style>
-        </p:cxnSp>
-        <p:cxnSp>
-          <p:nvCxnSpPr>
-            <p:cNvPr id="17" name="Straight Connector 16">
-              <a:extLst>
-                <a:ext uri="{FF2B5EF4-FFF2-40B4-BE49-F238E27FC236}">
-                  <a16:creationId xmlns:a16="http://schemas.microsoft.com/office/drawing/2014/main" id="{DFE884A7-AF72-C7FD-12EC-2856602C8CF3}"/>
-                </a:ext>
-              </a:extLst>
-            </p:cNvPr>
-            <p:cNvCxnSpPr>
-              <a:cxnSpLocks/>
-            </p:cNvCxnSpPr>
-            <p:nvPr/>
-          </p:nvCxnSpPr>
-          <p:spPr>
-            <a:xfrm>
-              <a:off x="4567516" y="3682530"/>
-              <a:ext cx="0" cy="575425"/>
-            </a:xfrm>
-            <a:prstGeom prst="line">
-              <a:avLst/>
-            </a:prstGeom>
-            <a:ln w="9525"/>
-          </p:spPr>
-          <p:style>
-            <a:lnRef idx="2">
-              <a:schemeClr val="accent1"/>
-            </a:lnRef>
-            <a:fillRef idx="0">
-              <a:schemeClr val="accent1"/>
-            </a:fillRef>
-            <a:effectRef idx="1">
-              <a:schemeClr val="accent1"/>
-            </a:effectRef>
-            <a:fontRef idx="minor">
+            </a:solidFill>
+          </a:ln>
+        </p:spPr>
+        <p:style>
+          <a:lnRef idx="2">
+            <a:schemeClr val="accent1">
+              <a:shade val="15000"/>
+            </a:schemeClr>
+          </a:lnRef>
+          <a:fillRef idx="1">
+            <a:schemeClr val="accent1"/>
+          </a:fillRef>
+          <a:effectRef idx="0">
+            <a:schemeClr val="accent1"/>
+          </a:effectRef>
+          <a:fontRef idx="minor">
+            <a:schemeClr val="lt1"/>
+          </a:fontRef>
+        </p:style>
+        <p:txBody>
+          <a:bodyPr wrap="none" lIns="0" rIns="0" rtlCol="0" anchor="ctr"/>
+          <a:lstStyle/>
+          <a:p>
+            <a:pPr algn="ctr"/>
+            <a:r>
+              <a:rPr lang="en-US" sz="800" dirty="0">
+                <a:solidFill>
+                  <a:schemeClr val="tx1"/>
+                </a:solidFill>
+              </a:rPr>
+              <a:t>At</a:t>
+            </a:r>
+            <a:endParaRPr lang="en-DK" sz="800" dirty="0"/>
+          </a:p>
+        </p:txBody>
+      </p:sp>
+      <p:sp>
+        <p:nvSpPr>
+          <p:cNvPr id="36" name="Rectangle 35">
+            <a:extLst>
+              <a:ext uri="{FF2B5EF4-FFF2-40B4-BE49-F238E27FC236}">
+                <a16:creationId xmlns:a16="http://schemas.microsoft.com/office/drawing/2014/main" id="{166F6D6B-719F-EBDC-2F20-BA1D8AA5FAB8}"/>
+              </a:ext>
+            </a:extLst>
+          </p:cNvPr>
+          <p:cNvSpPr/>
+          <p:nvPr/>
+        </p:nvSpPr>
+        <p:spPr>
+          <a:xfrm>
+            <a:off x="6292665" y="3703686"/>
+            <a:ext cx="2391896" cy="275665"/>
+          </a:xfrm>
+          <a:prstGeom prst="rect">
+            <a:avLst/>
+          </a:prstGeom>
+          <a:solidFill>
+            <a:schemeClr val="bg1"/>
+          </a:solidFill>
+          <a:ln w="9525"/>
+        </p:spPr>
+        <p:style>
+          <a:lnRef idx="2">
+            <a:schemeClr val="accent1">
+              <a:shade val="15000"/>
+            </a:schemeClr>
+          </a:lnRef>
+          <a:fillRef idx="1">
+            <a:schemeClr val="accent1"/>
+          </a:fillRef>
+          <a:effectRef idx="0">
+            <a:schemeClr val="accent1"/>
+          </a:effectRef>
+          <a:fontRef idx="minor">
+            <a:schemeClr val="lt1"/>
+          </a:fontRef>
+        </p:style>
+        <p:txBody>
+          <a:bodyPr rtlCol="0" anchor="ctr"/>
+          <a:lstStyle/>
+          <a:p>
+            <a:pPr algn="ctr"/>
+            <a:r>
+              <a:rPr lang="en-US" sz="800" dirty="0" err="1">
+                <a:solidFill>
+                  <a:sysClr val="windowText" lastClr="000000"/>
+                </a:solidFill>
+              </a:rPr>
+              <a:t>CaseStep</a:t>
+            </a:r>
+            <a:endParaRPr lang="en-DK" sz="800" dirty="0">
+              <a:solidFill>
+                <a:sysClr val="windowText" lastClr="000000"/>
+              </a:solidFill>
+            </a:endParaRPr>
+          </a:p>
+        </p:txBody>
+      </p:sp>
+      <p:cxnSp>
+        <p:nvCxnSpPr>
+          <p:cNvPr id="38" name="Connector: Elbow 37">
+            <a:extLst>
+              <a:ext uri="{FF2B5EF4-FFF2-40B4-BE49-F238E27FC236}">
+                <a16:creationId xmlns:a16="http://schemas.microsoft.com/office/drawing/2014/main" id="{53DF8B26-B773-FBCE-44D9-6723E9013552}"/>
+              </a:ext>
+            </a:extLst>
+          </p:cNvPr>
+          <p:cNvCxnSpPr>
+            <a:cxnSpLocks/>
+            <a:stCxn id="35" idx="2"/>
+          </p:cNvCxnSpPr>
+          <p:nvPr/>
+        </p:nvCxnSpPr>
+        <p:spPr>
+          <a:xfrm rot="5400000">
+            <a:off x="4804769" y="3753727"/>
+            <a:ext cx="223629" cy="1001804"/>
+          </a:xfrm>
+          <a:prstGeom prst="bentConnector2">
+            <a:avLst/>
+          </a:prstGeom>
+          <a:ln w="9525">
+            <a:solidFill>
               <a:schemeClr val="tx1"/>
-            </a:fontRef>
-          </p:style>
-        </p:cxnSp>
-        <p:cxnSp>
-          <p:nvCxnSpPr>
-            <p:cNvPr id="18" name="Straight Connector 17">
-              <a:extLst>
-                <a:ext uri="{FF2B5EF4-FFF2-40B4-BE49-F238E27FC236}">
-                  <a16:creationId xmlns:a16="http://schemas.microsoft.com/office/drawing/2014/main" id="{BAC0F3D4-BCB1-A462-B66D-3859D947D978}"/>
-                </a:ext>
-              </a:extLst>
-            </p:cNvPr>
-            <p:cNvCxnSpPr>
-              <a:cxnSpLocks/>
-              <a:endCxn id="11" idx="0"/>
-            </p:cNvCxnSpPr>
-            <p:nvPr/>
-          </p:nvCxnSpPr>
-          <p:spPr>
-            <a:xfrm>
-              <a:off x="3176866" y="4552380"/>
-              <a:ext cx="1" cy="602322"/>
-            </a:xfrm>
-            <a:prstGeom prst="line">
-              <a:avLst/>
-            </a:prstGeom>
-            <a:ln w="9525"/>
-          </p:spPr>
-          <p:style>
-            <a:lnRef idx="2">
-              <a:schemeClr val="accent1"/>
-            </a:lnRef>
-            <a:fillRef idx="0">
-              <a:schemeClr val="accent1"/>
-            </a:fillRef>
-            <a:effectRef idx="1">
-              <a:schemeClr val="accent1"/>
-            </a:effectRef>
-            <a:fontRef idx="minor">
+            </a:solidFill>
+          </a:ln>
+        </p:spPr>
+        <p:style>
+          <a:lnRef idx="2">
+            <a:schemeClr val="accent1"/>
+          </a:lnRef>
+          <a:fillRef idx="0">
+            <a:schemeClr val="accent1"/>
+          </a:fillRef>
+          <a:effectRef idx="1">
+            <a:schemeClr val="accent1"/>
+          </a:effectRef>
+          <a:fontRef idx="minor">
+            <a:schemeClr val="tx1"/>
+          </a:fontRef>
+        </p:style>
+      </p:cxnSp>
+      <p:cxnSp>
+        <p:nvCxnSpPr>
+          <p:cNvPr id="41" name="Straight Connector 40">
+            <a:extLst>
+              <a:ext uri="{FF2B5EF4-FFF2-40B4-BE49-F238E27FC236}">
+                <a16:creationId xmlns:a16="http://schemas.microsoft.com/office/drawing/2014/main" id="{DADE58CF-6BD2-FD58-F946-5A004639550C}"/>
+              </a:ext>
+            </a:extLst>
+          </p:cNvPr>
+          <p:cNvCxnSpPr>
+            <a:stCxn id="35" idx="3"/>
+            <a:endCxn id="36" idx="1"/>
+          </p:cNvCxnSpPr>
+          <p:nvPr/>
+        </p:nvCxnSpPr>
+        <p:spPr>
+          <a:xfrm>
+            <a:off x="5733491" y="3841518"/>
+            <a:ext cx="559174" cy="1"/>
+          </a:xfrm>
+          <a:prstGeom prst="line">
+            <a:avLst/>
+          </a:prstGeom>
+          <a:ln w="9525">
+            <a:solidFill>
               <a:schemeClr val="tx1"/>
-            </a:fontRef>
-          </p:style>
-        </p:cxnSp>
-        <p:cxnSp>
-          <p:nvCxnSpPr>
-            <p:cNvPr id="19" name="Straight Connector 18">
-              <a:extLst>
-                <a:ext uri="{FF2B5EF4-FFF2-40B4-BE49-F238E27FC236}">
-                  <a16:creationId xmlns:a16="http://schemas.microsoft.com/office/drawing/2014/main" id="{FF2249A8-1077-D783-5BF0-FB51E98E4CE4}"/>
-                </a:ext>
-              </a:extLst>
-            </p:cNvPr>
-            <p:cNvCxnSpPr>
-              <a:cxnSpLocks/>
-              <a:endCxn id="10" idx="0"/>
-            </p:cNvCxnSpPr>
-            <p:nvPr/>
-          </p:nvCxnSpPr>
-          <p:spPr>
-            <a:xfrm>
-              <a:off x="4573118" y="4552108"/>
-              <a:ext cx="0" cy="602594"/>
-            </a:xfrm>
-            <a:prstGeom prst="line">
-              <a:avLst/>
-            </a:prstGeom>
-            <a:ln w="9525"/>
-          </p:spPr>
-          <p:style>
-            <a:lnRef idx="2">
-              <a:schemeClr val="accent1"/>
-            </a:lnRef>
-            <a:fillRef idx="0">
-              <a:schemeClr val="accent1"/>
-            </a:fillRef>
-            <a:effectRef idx="1">
-              <a:schemeClr val="accent1"/>
-            </a:effectRef>
-            <a:fontRef idx="minor">
-              <a:schemeClr val="tx1"/>
-            </a:fontRef>
-          </p:style>
-        </p:cxnSp>
-        <p:cxnSp>
-          <p:nvCxnSpPr>
-            <p:cNvPr id="21" name="Straight Connector 20">
-              <a:extLst>
-                <a:ext uri="{FF2B5EF4-FFF2-40B4-BE49-F238E27FC236}">
-                  <a16:creationId xmlns:a16="http://schemas.microsoft.com/office/drawing/2014/main" id="{008520BA-391D-53FC-880F-590778C293E8}"/>
-                </a:ext>
-              </a:extLst>
-            </p:cNvPr>
-            <p:cNvCxnSpPr>
-              <a:cxnSpLocks/>
-              <a:stCxn id="4" idx="4"/>
-            </p:cNvCxnSpPr>
-            <p:nvPr/>
-          </p:nvCxnSpPr>
-          <p:spPr>
-            <a:xfrm>
-              <a:off x="3862668" y="4108076"/>
-              <a:ext cx="0" cy="169204"/>
-            </a:xfrm>
-            <a:prstGeom prst="line">
-              <a:avLst/>
-            </a:prstGeom>
-            <a:ln w="9525"/>
-          </p:spPr>
-          <p:style>
-            <a:lnRef idx="2">
-              <a:schemeClr val="accent1"/>
-            </a:lnRef>
-            <a:fillRef idx="0">
-              <a:schemeClr val="accent1"/>
-            </a:fillRef>
-            <a:effectRef idx="1">
-              <a:schemeClr val="accent1"/>
-            </a:effectRef>
-            <a:fontRef idx="minor">
-              <a:schemeClr val="tx1"/>
-            </a:fontRef>
-          </p:style>
-        </p:cxnSp>
-        <p:cxnSp>
-          <p:nvCxnSpPr>
-            <p:cNvPr id="23" name="Straight Connector 22">
-              <a:extLst>
-                <a:ext uri="{FF2B5EF4-FFF2-40B4-BE49-F238E27FC236}">
-                  <a16:creationId xmlns:a16="http://schemas.microsoft.com/office/drawing/2014/main" id="{6590E04F-5E30-999C-5D75-A337E03380F5}"/>
-                </a:ext>
-              </a:extLst>
-            </p:cNvPr>
-            <p:cNvCxnSpPr>
-              <a:cxnSpLocks/>
-            </p:cNvCxnSpPr>
-            <p:nvPr/>
-          </p:nvCxnSpPr>
-          <p:spPr>
-            <a:xfrm>
-              <a:off x="5258920" y="4108076"/>
-              <a:ext cx="0" cy="169204"/>
-            </a:xfrm>
-            <a:prstGeom prst="line">
-              <a:avLst/>
-            </a:prstGeom>
-            <a:ln w="9525"/>
-          </p:spPr>
-          <p:style>
-            <a:lnRef idx="2">
-              <a:schemeClr val="accent1"/>
-            </a:lnRef>
-            <a:fillRef idx="0">
-              <a:schemeClr val="accent1"/>
-            </a:fillRef>
-            <a:effectRef idx="1">
-              <a:schemeClr val="accent1"/>
-            </a:effectRef>
-            <a:fontRef idx="minor">
-              <a:schemeClr val="tx1"/>
-            </a:fontRef>
-          </p:style>
-        </p:cxnSp>
-        <p:cxnSp>
-          <p:nvCxnSpPr>
-            <p:cNvPr id="24" name="Straight Connector 23">
-              <a:extLst>
-                <a:ext uri="{FF2B5EF4-FFF2-40B4-BE49-F238E27FC236}">
-                  <a16:creationId xmlns:a16="http://schemas.microsoft.com/office/drawing/2014/main" id="{FF867FAF-9632-7AD5-877F-EAE9757A9393}"/>
-                </a:ext>
-              </a:extLst>
-            </p:cNvPr>
-            <p:cNvCxnSpPr>
-              <a:cxnSpLocks/>
-            </p:cNvCxnSpPr>
-            <p:nvPr/>
-          </p:nvCxnSpPr>
-          <p:spPr>
-            <a:xfrm>
-              <a:off x="3867146" y="4536141"/>
-              <a:ext cx="0" cy="169204"/>
-            </a:xfrm>
-            <a:prstGeom prst="line">
-              <a:avLst/>
-            </a:prstGeom>
-            <a:ln w="9525"/>
-          </p:spPr>
-          <p:style>
-            <a:lnRef idx="2">
-              <a:schemeClr val="accent1"/>
-            </a:lnRef>
-            <a:fillRef idx="0">
-              <a:schemeClr val="accent1"/>
-            </a:fillRef>
-            <a:effectRef idx="1">
-              <a:schemeClr val="accent1"/>
-            </a:effectRef>
-            <a:fontRef idx="minor">
-              <a:schemeClr val="tx1"/>
-            </a:fontRef>
-          </p:style>
-        </p:cxnSp>
-        <p:cxnSp>
-          <p:nvCxnSpPr>
-            <p:cNvPr id="25" name="Straight Connector 24">
-              <a:extLst>
-                <a:ext uri="{FF2B5EF4-FFF2-40B4-BE49-F238E27FC236}">
-                  <a16:creationId xmlns:a16="http://schemas.microsoft.com/office/drawing/2014/main" id="{B7B6CCB3-D13D-5FC2-15C4-7EC28FC7BBB3}"/>
-                </a:ext>
-              </a:extLst>
-            </p:cNvPr>
-            <p:cNvCxnSpPr>
-              <a:cxnSpLocks/>
-            </p:cNvCxnSpPr>
-            <p:nvPr/>
-          </p:nvCxnSpPr>
-          <p:spPr>
-            <a:xfrm>
-              <a:off x="5263398" y="4536141"/>
-              <a:ext cx="0" cy="169204"/>
-            </a:xfrm>
-            <a:prstGeom prst="line">
-              <a:avLst/>
-            </a:prstGeom>
-            <a:ln w="9525"/>
-          </p:spPr>
-          <p:style>
-            <a:lnRef idx="2">
-              <a:schemeClr val="accent1"/>
-            </a:lnRef>
-            <a:fillRef idx="0">
-              <a:schemeClr val="accent1"/>
-            </a:fillRef>
-            <a:effectRef idx="1">
-              <a:schemeClr val="accent1"/>
-            </a:effectRef>
-            <a:fontRef idx="minor">
-              <a:schemeClr val="tx1"/>
-            </a:fontRef>
-          </p:style>
-        </p:cxnSp>
-        <p:sp>
-          <p:nvSpPr>
-            <p:cNvPr id="35" name="Diamond 34">
-              <a:extLst>
-                <a:ext uri="{FF2B5EF4-FFF2-40B4-BE49-F238E27FC236}">
-                  <a16:creationId xmlns:a16="http://schemas.microsoft.com/office/drawing/2014/main" id="{4A7353DA-AFB9-9C5A-15F8-1FA76D3216F4}"/>
-                </a:ext>
-              </a:extLst>
-            </p:cNvPr>
-            <p:cNvSpPr/>
-            <p:nvPr/>
-          </p:nvSpPr>
-          <p:spPr>
-            <a:xfrm>
-              <a:off x="6143626" y="3499880"/>
-              <a:ext cx="632012" cy="602594"/>
-            </a:xfrm>
-            <a:prstGeom prst="diamond">
-              <a:avLst/>
-            </a:prstGeom>
-            <a:solidFill>
-              <a:schemeClr val="bg1"/>
             </a:solidFill>
-            <a:ln w="9525">
+          </a:ln>
+        </p:spPr>
+        <p:style>
+          <a:lnRef idx="2">
+            <a:schemeClr val="accent1"/>
+          </a:lnRef>
+          <a:fillRef idx="0">
+            <a:schemeClr val="accent1"/>
+          </a:fillRef>
+          <a:effectRef idx="1">
+            <a:schemeClr val="accent1"/>
+          </a:effectRef>
+          <a:fontRef idx="minor">
+            <a:schemeClr val="tx1"/>
+          </a:fontRef>
+        </p:style>
+      </p:cxnSp>
+      <p:sp>
+        <p:nvSpPr>
+          <p:cNvPr id="42" name="Oval 41">
+            <a:extLst>
+              <a:ext uri="{FF2B5EF4-FFF2-40B4-BE49-F238E27FC236}">
+                <a16:creationId xmlns:a16="http://schemas.microsoft.com/office/drawing/2014/main" id="{7C75F03E-593E-00F0-89F3-8DFD62602AF5}"/>
+              </a:ext>
+            </a:extLst>
+          </p:cNvPr>
+          <p:cNvSpPr/>
+          <p:nvPr/>
+        </p:nvSpPr>
+        <p:spPr>
+          <a:xfrm>
+            <a:off x="6207779" y="4148417"/>
+            <a:ext cx="1190065" cy="275665"/>
+          </a:xfrm>
+          <a:prstGeom prst="ellipse">
+            <a:avLst/>
+          </a:prstGeom>
+          <a:solidFill>
+            <a:schemeClr val="bg1"/>
+          </a:solidFill>
+          <a:ln w="9525"/>
+        </p:spPr>
+        <p:style>
+          <a:lnRef idx="2">
+            <a:schemeClr val="accent1">
+              <a:shade val="15000"/>
+            </a:schemeClr>
+          </a:lnRef>
+          <a:fillRef idx="1">
+            <a:schemeClr val="accent1"/>
+          </a:fillRef>
+          <a:effectRef idx="0">
+            <a:schemeClr val="accent1"/>
+          </a:effectRef>
+          <a:fontRef idx="minor">
+            <a:schemeClr val="lt1"/>
+          </a:fontRef>
+        </p:style>
+        <p:txBody>
+          <a:bodyPr rtlCol="0" anchor="ctr"/>
+          <a:lstStyle/>
+          <a:p>
+            <a:pPr algn="ctr"/>
+            <a:r>
+              <a:rPr lang="en-US" sz="800" u="sng" dirty="0" err="1">
+                <a:solidFill>
+                  <a:schemeClr val="tx1"/>
+                </a:solidFill>
+              </a:rPr>
+              <a:t>CaseStep_ID</a:t>
+            </a:r>
+            <a:endParaRPr lang="en-DK" sz="800" u="sng" dirty="0">
               <a:solidFill>
                 <a:schemeClr val="tx1"/>
               </a:solidFill>
-            </a:ln>
-          </p:spPr>
-          <p:style>
-            <a:lnRef idx="2">
-              <a:schemeClr val="accent1">
-                <a:shade val="15000"/>
-              </a:schemeClr>
-            </a:lnRef>
-            <a:fillRef idx="1">
-              <a:schemeClr val="accent1"/>
-            </a:fillRef>
-            <a:effectRef idx="0">
-              <a:schemeClr val="accent1"/>
-            </a:effectRef>
-            <a:fontRef idx="minor">
-              <a:schemeClr val="lt1"/>
-            </a:fontRef>
-          </p:style>
-          <p:txBody>
-            <a:bodyPr wrap="none" lIns="0" rIns="0" rtlCol="0" anchor="ctr"/>
-            <a:lstStyle/>
-            <a:p>
-              <a:pPr algn="ctr"/>
-              <a:r>
-                <a:rPr lang="en-US" sz="800" dirty="0">
-                  <a:solidFill>
-                    <a:schemeClr val="tx1"/>
-                  </a:solidFill>
-                </a:rPr>
-                <a:t>At</a:t>
-              </a:r>
-              <a:endParaRPr lang="en-DK" sz="800" dirty="0"/>
-            </a:p>
-          </p:txBody>
-        </p:sp>
-        <p:sp>
-          <p:nvSpPr>
-            <p:cNvPr id="36" name="Rectangle 35">
-              <a:extLst>
-                <a:ext uri="{FF2B5EF4-FFF2-40B4-BE49-F238E27FC236}">
-                  <a16:creationId xmlns:a16="http://schemas.microsoft.com/office/drawing/2014/main" id="{166F6D6B-719F-EBDC-2F20-BA1D8AA5FAB8}"/>
-                </a:ext>
-              </a:extLst>
-            </p:cNvPr>
-            <p:cNvSpPr/>
-            <p:nvPr/>
-          </p:nvSpPr>
-          <p:spPr>
-            <a:xfrm>
-              <a:off x="7334812" y="3663345"/>
-              <a:ext cx="2391896" cy="275665"/>
-            </a:xfrm>
-            <a:prstGeom prst="rect">
-              <a:avLst/>
-            </a:prstGeom>
+            </a:endParaRPr>
+          </a:p>
+        </p:txBody>
+      </p:sp>
+      <p:cxnSp>
+        <p:nvCxnSpPr>
+          <p:cNvPr id="43" name="Straight Connector 42">
+            <a:extLst>
+              <a:ext uri="{FF2B5EF4-FFF2-40B4-BE49-F238E27FC236}">
+                <a16:creationId xmlns:a16="http://schemas.microsoft.com/office/drawing/2014/main" id="{64A774CC-126F-F2AC-99B5-0CE4519E004C}"/>
+              </a:ext>
+            </a:extLst>
+          </p:cNvPr>
+          <p:cNvCxnSpPr>
+            <a:cxnSpLocks/>
+            <a:endCxn id="42" idx="0"/>
+          </p:cNvCxnSpPr>
+          <p:nvPr/>
+        </p:nvCxnSpPr>
+        <p:spPr>
+          <a:xfrm>
+            <a:off x="6802812" y="3979351"/>
+            <a:ext cx="0" cy="169066"/>
+          </a:xfrm>
+          <a:prstGeom prst="line">
+            <a:avLst/>
+          </a:prstGeom>
+          <a:ln w="9525">
             <a:solidFill>
-              <a:schemeClr val="bg1"/>
+              <a:schemeClr val="tx1"/>
             </a:solidFill>
-            <a:ln w="9525"/>
-          </p:spPr>
-          <p:style>
-            <a:lnRef idx="2">
-              <a:schemeClr val="accent1">
-                <a:shade val="15000"/>
-              </a:schemeClr>
-            </a:lnRef>
-            <a:fillRef idx="1">
-              <a:schemeClr val="accent1"/>
-            </a:fillRef>
-            <a:effectRef idx="0">
-              <a:schemeClr val="accent1"/>
-            </a:effectRef>
-            <a:fontRef idx="minor">
-              <a:schemeClr val="lt1"/>
-            </a:fontRef>
-          </p:style>
-          <p:txBody>
-            <a:bodyPr rtlCol="0" anchor="ctr"/>
-            <a:lstStyle/>
-            <a:p>
-              <a:pPr algn="ctr"/>
-              <a:r>
-                <a:rPr lang="en-US" sz="800" dirty="0" err="1">
-                  <a:solidFill>
-                    <a:sysClr val="windowText" lastClr="000000"/>
-                  </a:solidFill>
-                </a:rPr>
-                <a:t>CaseStep</a:t>
-              </a:r>
-              <a:endParaRPr lang="en-DK" sz="800" dirty="0">
+          </a:ln>
+        </p:spPr>
+        <p:style>
+          <a:lnRef idx="2">
+            <a:schemeClr val="accent1"/>
+          </a:lnRef>
+          <a:fillRef idx="0">
+            <a:schemeClr val="accent1"/>
+          </a:fillRef>
+          <a:effectRef idx="1">
+            <a:schemeClr val="accent1"/>
+          </a:effectRef>
+          <a:fontRef idx="minor">
+            <a:schemeClr val="tx1"/>
+          </a:fontRef>
+        </p:style>
+      </p:cxnSp>
+      <p:sp>
+        <p:nvSpPr>
+          <p:cNvPr id="46" name="Diamond 45">
+            <a:extLst>
+              <a:ext uri="{FF2B5EF4-FFF2-40B4-BE49-F238E27FC236}">
+                <a16:creationId xmlns:a16="http://schemas.microsoft.com/office/drawing/2014/main" id="{8364BAD9-9FE7-370C-309E-6A6B442BAA88}"/>
+              </a:ext>
+            </a:extLst>
+          </p:cNvPr>
+          <p:cNvSpPr/>
+          <p:nvPr/>
+        </p:nvSpPr>
+        <p:spPr>
+          <a:xfrm>
+            <a:off x="7172606" y="2900159"/>
+            <a:ext cx="632012" cy="602594"/>
+          </a:xfrm>
+          <a:prstGeom prst="diamond">
+            <a:avLst/>
+          </a:prstGeom>
+          <a:solidFill>
+            <a:schemeClr val="bg1"/>
+          </a:solidFill>
+          <a:ln w="9525">
+            <a:solidFill>
+              <a:schemeClr val="tx1"/>
+            </a:solidFill>
+          </a:ln>
+        </p:spPr>
+        <p:style>
+          <a:lnRef idx="2">
+            <a:schemeClr val="accent1">
+              <a:shade val="15000"/>
+            </a:schemeClr>
+          </a:lnRef>
+          <a:fillRef idx="1">
+            <a:schemeClr val="accent1"/>
+          </a:fillRef>
+          <a:effectRef idx="0">
+            <a:schemeClr val="accent1"/>
+          </a:effectRef>
+          <a:fontRef idx="minor">
+            <a:schemeClr val="lt1"/>
+          </a:fontRef>
+        </p:style>
+        <p:txBody>
+          <a:bodyPr wrap="none" lIns="0" rIns="0" rtlCol="0" anchor="ctr"/>
+          <a:lstStyle/>
+          <a:p>
+            <a:pPr algn="ctr"/>
+            <a:r>
+              <a:rPr lang="en-US" sz="800" dirty="0">
+                <a:solidFill>
+                  <a:schemeClr val="tx1"/>
+                </a:solidFill>
+              </a:rPr>
+              <a:t>Part of</a:t>
+            </a:r>
+            <a:endParaRPr lang="en-DK" sz="800" dirty="0"/>
+          </a:p>
+        </p:txBody>
+      </p:sp>
+      <p:cxnSp>
+        <p:nvCxnSpPr>
+          <p:cNvPr id="47" name="Straight Connector 46">
+            <a:extLst>
+              <a:ext uri="{FF2B5EF4-FFF2-40B4-BE49-F238E27FC236}">
+                <a16:creationId xmlns:a16="http://schemas.microsoft.com/office/drawing/2014/main" id="{5C5D6557-AE33-3451-A323-073EB1344388}"/>
+              </a:ext>
+            </a:extLst>
+          </p:cNvPr>
+          <p:cNvCxnSpPr>
+            <a:cxnSpLocks/>
+            <a:stCxn id="46" idx="2"/>
+            <a:endCxn id="36" idx="0"/>
+          </p:cNvCxnSpPr>
+          <p:nvPr/>
+        </p:nvCxnSpPr>
+        <p:spPr>
+          <a:xfrm>
+            <a:off x="7488612" y="3502753"/>
+            <a:ext cx="1" cy="200933"/>
+          </a:xfrm>
+          <a:prstGeom prst="line">
+            <a:avLst/>
+          </a:prstGeom>
+          <a:ln w="9525">
+            <a:solidFill>
+              <a:schemeClr val="tx1"/>
+            </a:solidFill>
+          </a:ln>
+        </p:spPr>
+        <p:style>
+          <a:lnRef idx="2">
+            <a:schemeClr val="accent1"/>
+          </a:lnRef>
+          <a:fillRef idx="0">
+            <a:schemeClr val="accent1"/>
+          </a:fillRef>
+          <a:effectRef idx="1">
+            <a:schemeClr val="accent1"/>
+          </a:effectRef>
+          <a:fontRef idx="minor">
+            <a:schemeClr val="tx1"/>
+          </a:fontRef>
+        </p:style>
+      </p:cxnSp>
+      <p:sp>
+        <p:nvSpPr>
+          <p:cNvPr id="51" name="Rectangle 50">
+            <a:extLst>
+              <a:ext uri="{FF2B5EF4-FFF2-40B4-BE49-F238E27FC236}">
+                <a16:creationId xmlns:a16="http://schemas.microsoft.com/office/drawing/2014/main" id="{16D014A1-B5D0-AED3-B407-47C74C253385}"/>
+              </a:ext>
+            </a:extLst>
+          </p:cNvPr>
+          <p:cNvSpPr/>
+          <p:nvPr/>
+        </p:nvSpPr>
+        <p:spPr>
+          <a:xfrm>
+            <a:off x="6292665" y="2473354"/>
+            <a:ext cx="2391896" cy="275665"/>
+          </a:xfrm>
+          <a:prstGeom prst="rect">
+            <a:avLst/>
+          </a:prstGeom>
+          <a:solidFill>
+            <a:schemeClr val="bg1"/>
+          </a:solidFill>
+          <a:ln w="9525"/>
+        </p:spPr>
+        <p:style>
+          <a:lnRef idx="2">
+            <a:schemeClr val="accent1">
+              <a:shade val="15000"/>
+            </a:schemeClr>
+          </a:lnRef>
+          <a:fillRef idx="1">
+            <a:schemeClr val="accent1"/>
+          </a:fillRef>
+          <a:effectRef idx="0">
+            <a:schemeClr val="accent1"/>
+          </a:effectRef>
+          <a:fontRef idx="minor">
+            <a:schemeClr val="lt1"/>
+          </a:fontRef>
+        </p:style>
+        <p:txBody>
+          <a:bodyPr rtlCol="0" anchor="ctr"/>
+          <a:lstStyle/>
+          <a:p>
+            <a:pPr algn="ctr"/>
+            <a:r>
+              <a:rPr lang="en-US" sz="800" dirty="0">
                 <a:solidFill>
                   <a:sysClr val="windowText" lastClr="000000"/>
                 </a:solidFill>
-              </a:endParaRPr>
-            </a:p>
-          </p:txBody>
-        </p:sp>
-        <p:cxnSp>
-          <p:nvCxnSpPr>
-            <p:cNvPr id="38" name="Connector: Elbow 37">
-              <a:extLst>
-                <a:ext uri="{FF2B5EF4-FFF2-40B4-BE49-F238E27FC236}">
-                  <a16:creationId xmlns:a16="http://schemas.microsoft.com/office/drawing/2014/main" id="{53DF8B26-B773-FBCE-44D9-6723E9013552}"/>
-                </a:ext>
-              </a:extLst>
-            </p:cNvPr>
-            <p:cNvCxnSpPr>
-              <a:cxnSpLocks/>
-              <a:stCxn id="35" idx="2"/>
-            </p:cNvCxnSpPr>
-            <p:nvPr/>
-          </p:nvCxnSpPr>
-          <p:spPr>
-            <a:xfrm rot="5400000">
-              <a:off x="5846916" y="3713386"/>
-              <a:ext cx="223629" cy="1001804"/>
-            </a:xfrm>
-            <a:prstGeom prst="bentConnector2">
-              <a:avLst/>
-            </a:prstGeom>
-            <a:ln w="9525">
+              </a:rPr>
+              <a:t>Case</a:t>
+            </a:r>
+            <a:endParaRPr lang="en-DK" sz="800" dirty="0">
+              <a:solidFill>
+                <a:sysClr val="windowText" lastClr="000000"/>
+              </a:solidFill>
+            </a:endParaRPr>
+          </a:p>
+        </p:txBody>
+      </p:sp>
+      <p:cxnSp>
+        <p:nvCxnSpPr>
+          <p:cNvPr id="52" name="Straight Connector 51">
+            <a:extLst>
+              <a:ext uri="{FF2B5EF4-FFF2-40B4-BE49-F238E27FC236}">
+                <a16:creationId xmlns:a16="http://schemas.microsoft.com/office/drawing/2014/main" id="{10EA8CD6-CD1E-3543-8973-FC4A76E2D281}"/>
+              </a:ext>
+            </a:extLst>
+          </p:cNvPr>
+          <p:cNvCxnSpPr>
+            <a:cxnSpLocks/>
+            <a:stCxn id="51" idx="2"/>
+          </p:cNvCxnSpPr>
+          <p:nvPr/>
+        </p:nvCxnSpPr>
+        <p:spPr>
+          <a:xfrm>
+            <a:off x="7488613" y="2749019"/>
+            <a:ext cx="0" cy="169066"/>
+          </a:xfrm>
+          <a:prstGeom prst="line">
+            <a:avLst/>
+          </a:prstGeom>
+          <a:ln w="9525">
+            <a:solidFill>
+              <a:schemeClr val="tx1"/>
+            </a:solidFill>
+          </a:ln>
+        </p:spPr>
+        <p:style>
+          <a:lnRef idx="2">
+            <a:schemeClr val="accent1"/>
+          </a:lnRef>
+          <a:fillRef idx="0">
+            <a:schemeClr val="accent1"/>
+          </a:fillRef>
+          <a:effectRef idx="1">
+            <a:schemeClr val="accent1"/>
+          </a:effectRef>
+          <a:fontRef idx="minor">
+            <a:schemeClr val="tx1"/>
+          </a:fontRef>
+        </p:style>
+      </p:cxnSp>
+      <p:sp>
+        <p:nvSpPr>
+          <p:cNvPr id="53" name="Oval 52">
+            <a:extLst>
+              <a:ext uri="{FF2B5EF4-FFF2-40B4-BE49-F238E27FC236}">
+                <a16:creationId xmlns:a16="http://schemas.microsoft.com/office/drawing/2014/main" id="{F6DE0C02-3508-E3C8-A5F1-164CA6AD917D}"/>
+              </a:ext>
+            </a:extLst>
+          </p:cNvPr>
+          <p:cNvSpPr/>
+          <p:nvPr/>
+        </p:nvSpPr>
+        <p:spPr>
+          <a:xfrm>
+            <a:off x="6191803" y="2044981"/>
+            <a:ext cx="1190065" cy="275665"/>
+          </a:xfrm>
+          <a:prstGeom prst="ellipse">
+            <a:avLst/>
+          </a:prstGeom>
+          <a:solidFill>
+            <a:schemeClr val="bg1"/>
+          </a:solidFill>
+          <a:ln w="9525"/>
+        </p:spPr>
+        <p:style>
+          <a:lnRef idx="2">
+            <a:schemeClr val="accent1">
+              <a:shade val="15000"/>
+            </a:schemeClr>
+          </a:lnRef>
+          <a:fillRef idx="1">
+            <a:schemeClr val="accent1"/>
+          </a:fillRef>
+          <a:effectRef idx="0">
+            <a:schemeClr val="accent1"/>
+          </a:effectRef>
+          <a:fontRef idx="minor">
+            <a:schemeClr val="lt1"/>
+          </a:fontRef>
+        </p:style>
+        <p:txBody>
+          <a:bodyPr rtlCol="0" anchor="ctr"/>
+          <a:lstStyle/>
+          <a:p>
+            <a:pPr algn="ctr"/>
+            <a:r>
+              <a:rPr lang="en-US" sz="800" dirty="0" err="1">
+                <a:solidFill>
+                  <a:schemeClr val="tx1"/>
+                </a:solidFill>
+              </a:rPr>
+              <a:t>Case_ID</a:t>
+            </a:r>
+            <a:endParaRPr lang="en-DK" sz="800" dirty="0">
               <a:solidFill>
                 <a:schemeClr val="tx1"/>
               </a:solidFill>
-            </a:ln>
-          </p:spPr>
-          <p:style>
-            <a:lnRef idx="2">
-              <a:schemeClr val="accent1"/>
-            </a:lnRef>
-            <a:fillRef idx="0">
-              <a:schemeClr val="accent1"/>
-            </a:fillRef>
-            <a:effectRef idx="1">
-              <a:schemeClr val="accent1"/>
-            </a:effectRef>
-            <a:fontRef idx="minor">
-              <a:schemeClr val="tx1"/>
-            </a:fontRef>
-          </p:style>
-        </p:cxnSp>
-        <p:cxnSp>
-          <p:nvCxnSpPr>
-            <p:cNvPr id="41" name="Straight Connector 40">
-              <a:extLst>
-                <a:ext uri="{FF2B5EF4-FFF2-40B4-BE49-F238E27FC236}">
-                  <a16:creationId xmlns:a16="http://schemas.microsoft.com/office/drawing/2014/main" id="{DADE58CF-6BD2-FD58-F946-5A004639550C}"/>
-                </a:ext>
-              </a:extLst>
-            </p:cNvPr>
-            <p:cNvCxnSpPr>
-              <a:stCxn id="35" idx="3"/>
-              <a:endCxn id="36" idx="1"/>
-            </p:cNvCxnSpPr>
-            <p:nvPr/>
-          </p:nvCxnSpPr>
-          <p:spPr>
-            <a:xfrm>
-              <a:off x="6775638" y="3801177"/>
-              <a:ext cx="559174" cy="1"/>
-            </a:xfrm>
-            <a:prstGeom prst="line">
-              <a:avLst/>
-            </a:prstGeom>
-            <a:ln w="9525">
+            </a:endParaRPr>
+          </a:p>
+        </p:txBody>
+      </p:sp>
+      <p:sp>
+        <p:nvSpPr>
+          <p:cNvPr id="54" name="Oval 53">
+            <a:extLst>
+              <a:ext uri="{FF2B5EF4-FFF2-40B4-BE49-F238E27FC236}">
+                <a16:creationId xmlns:a16="http://schemas.microsoft.com/office/drawing/2014/main" id="{960B4634-E8D8-92D8-74F4-708392B96864}"/>
+              </a:ext>
+            </a:extLst>
+          </p:cNvPr>
+          <p:cNvSpPr/>
+          <p:nvPr/>
+        </p:nvSpPr>
+        <p:spPr>
+          <a:xfrm>
+            <a:off x="7588056" y="2050583"/>
+            <a:ext cx="1190065" cy="275665"/>
+          </a:xfrm>
+          <a:prstGeom prst="ellipse">
+            <a:avLst/>
+          </a:prstGeom>
+          <a:solidFill>
+            <a:schemeClr val="bg1"/>
+          </a:solidFill>
+          <a:ln w="9525"/>
+        </p:spPr>
+        <p:style>
+          <a:lnRef idx="2">
+            <a:schemeClr val="accent1">
+              <a:shade val="15000"/>
+            </a:schemeClr>
+          </a:lnRef>
+          <a:fillRef idx="1">
+            <a:schemeClr val="accent1"/>
+          </a:fillRef>
+          <a:effectRef idx="0">
+            <a:schemeClr val="accent1"/>
+          </a:effectRef>
+          <a:fontRef idx="minor">
+            <a:schemeClr val="lt1"/>
+          </a:fontRef>
+        </p:style>
+        <p:txBody>
+          <a:bodyPr rtlCol="0" anchor="ctr"/>
+          <a:lstStyle/>
+          <a:p>
+            <a:pPr algn="ctr"/>
+            <a:r>
+              <a:rPr lang="en-US" sz="800" dirty="0" err="1">
+                <a:solidFill>
+                  <a:schemeClr val="tx1"/>
+                </a:solidFill>
+              </a:rPr>
+              <a:t>Case_Type</a:t>
+            </a:r>
+            <a:endParaRPr lang="en-DK" sz="800" dirty="0">
               <a:solidFill>
                 <a:schemeClr val="tx1"/>
               </a:solidFill>
-            </a:ln>
-          </p:spPr>
-          <p:style>
-            <a:lnRef idx="2">
-              <a:schemeClr val="accent1"/>
-            </a:lnRef>
-            <a:fillRef idx="0">
-              <a:schemeClr val="accent1"/>
-            </a:fillRef>
-            <a:effectRef idx="1">
-              <a:schemeClr val="accent1"/>
-            </a:effectRef>
-            <a:fontRef idx="minor">
-              <a:schemeClr val="tx1"/>
-            </a:fontRef>
-          </p:style>
-        </p:cxnSp>
-        <p:sp>
-          <p:nvSpPr>
-            <p:cNvPr id="42" name="Oval 41">
-              <a:extLst>
-                <a:ext uri="{FF2B5EF4-FFF2-40B4-BE49-F238E27FC236}">
-                  <a16:creationId xmlns:a16="http://schemas.microsoft.com/office/drawing/2014/main" id="{7C75F03E-593E-00F0-89F3-8DFD62602AF5}"/>
-                </a:ext>
-              </a:extLst>
-            </p:cNvPr>
-            <p:cNvSpPr/>
-            <p:nvPr/>
-          </p:nvSpPr>
-          <p:spPr>
-            <a:xfrm>
-              <a:off x="7935727" y="4108076"/>
-              <a:ext cx="1190065" cy="275665"/>
-            </a:xfrm>
-            <a:prstGeom prst="ellipse">
-              <a:avLst/>
-            </a:prstGeom>
-            <a:solidFill>
-              <a:schemeClr val="bg1"/>
-            </a:solidFill>
-            <a:ln w="9525"/>
-          </p:spPr>
-          <p:style>
-            <a:lnRef idx="2">
-              <a:schemeClr val="accent1">
-                <a:shade val="15000"/>
-              </a:schemeClr>
-            </a:lnRef>
-            <a:fillRef idx="1">
-              <a:schemeClr val="accent1"/>
-            </a:fillRef>
-            <a:effectRef idx="0">
-              <a:schemeClr val="accent1"/>
-            </a:effectRef>
-            <a:fontRef idx="minor">
-              <a:schemeClr val="lt1"/>
-            </a:fontRef>
-          </p:style>
-          <p:txBody>
-            <a:bodyPr rtlCol="0" anchor="ctr"/>
-            <a:lstStyle/>
-            <a:p>
-              <a:pPr algn="ctr"/>
-              <a:r>
-                <a:rPr lang="en-US" sz="800" u="sng" dirty="0" err="1">
-                  <a:solidFill>
-                    <a:schemeClr val="tx1"/>
-                  </a:solidFill>
-                </a:rPr>
-                <a:t>CaseStep_ID</a:t>
-              </a:r>
-              <a:endParaRPr lang="en-DK" sz="800" u="sng" dirty="0">
+            </a:endParaRPr>
+          </a:p>
+        </p:txBody>
+      </p:sp>
+      <p:sp>
+        <p:nvSpPr>
+          <p:cNvPr id="55" name="Oval 54">
+            <a:extLst>
+              <a:ext uri="{FF2B5EF4-FFF2-40B4-BE49-F238E27FC236}">
+                <a16:creationId xmlns:a16="http://schemas.microsoft.com/office/drawing/2014/main" id="{49971E0F-CAD1-0EEF-BD43-3F16962F6EC4}"/>
+              </a:ext>
+            </a:extLst>
+          </p:cNvPr>
+          <p:cNvSpPr/>
+          <p:nvPr/>
+        </p:nvSpPr>
+        <p:spPr>
+          <a:xfrm>
+            <a:off x="6902256" y="1621397"/>
+            <a:ext cx="1190065" cy="275665"/>
+          </a:xfrm>
+          <a:prstGeom prst="ellipse">
+            <a:avLst/>
+          </a:prstGeom>
+          <a:solidFill>
+            <a:schemeClr val="tx2">
+              <a:lumMod val="25000"/>
+              <a:lumOff val="75000"/>
+            </a:schemeClr>
+          </a:solidFill>
+          <a:ln w="9525"/>
+        </p:spPr>
+        <p:style>
+          <a:lnRef idx="2">
+            <a:schemeClr val="accent1">
+              <a:shade val="15000"/>
+            </a:schemeClr>
+          </a:lnRef>
+          <a:fillRef idx="1">
+            <a:schemeClr val="accent1"/>
+          </a:fillRef>
+          <a:effectRef idx="0">
+            <a:schemeClr val="accent1"/>
+          </a:effectRef>
+          <a:fontRef idx="minor">
+            <a:schemeClr val="lt1"/>
+          </a:fontRef>
+        </p:style>
+        <p:txBody>
+          <a:bodyPr rtlCol="0" anchor="ctr"/>
+          <a:lstStyle/>
+          <a:p>
+            <a:pPr algn="ctr"/>
+            <a:r>
+              <a:rPr lang="en-US" sz="800" dirty="0" err="1">
                 <a:solidFill>
                   <a:schemeClr val="tx1"/>
                 </a:solidFill>
-              </a:endParaRPr>
-            </a:p>
-          </p:txBody>
-        </p:sp>
-        <p:cxnSp>
-          <p:nvCxnSpPr>
-            <p:cNvPr id="43" name="Straight Connector 42">
-              <a:extLst>
-                <a:ext uri="{FF2B5EF4-FFF2-40B4-BE49-F238E27FC236}">
-                  <a16:creationId xmlns:a16="http://schemas.microsoft.com/office/drawing/2014/main" id="{64A774CC-126F-F2AC-99B5-0CE4519E004C}"/>
-                </a:ext>
-              </a:extLst>
-            </p:cNvPr>
-            <p:cNvCxnSpPr>
-              <a:cxnSpLocks/>
-              <a:stCxn id="36" idx="2"/>
-              <a:endCxn id="42" idx="0"/>
-            </p:cNvCxnSpPr>
-            <p:nvPr/>
-          </p:nvCxnSpPr>
-          <p:spPr>
-            <a:xfrm>
-              <a:off x="8530760" y="3939010"/>
-              <a:ext cx="0" cy="169066"/>
-            </a:xfrm>
-            <a:prstGeom prst="line">
-              <a:avLst/>
-            </a:prstGeom>
-            <a:ln w="9525">
+              </a:rPr>
+              <a:t>Title_Short</a:t>
+            </a:r>
+            <a:endParaRPr lang="en-DK" sz="800" dirty="0">
               <a:solidFill>
                 <a:schemeClr val="tx1"/>
               </a:solidFill>
-            </a:ln>
-          </p:spPr>
-          <p:style>
-            <a:lnRef idx="2">
-              <a:schemeClr val="accent1"/>
-            </a:lnRef>
-            <a:fillRef idx="0">
-              <a:schemeClr val="accent1"/>
-            </a:fillRef>
-            <a:effectRef idx="1">
-              <a:schemeClr val="accent1"/>
-            </a:effectRef>
-            <a:fontRef idx="minor">
+            </a:endParaRPr>
+          </a:p>
+        </p:txBody>
+      </p:sp>
+      <p:cxnSp>
+        <p:nvCxnSpPr>
+          <p:cNvPr id="56" name="Straight Connector 55">
+            <a:extLst>
+              <a:ext uri="{FF2B5EF4-FFF2-40B4-BE49-F238E27FC236}">
+                <a16:creationId xmlns:a16="http://schemas.microsoft.com/office/drawing/2014/main" id="{F1DE6A74-F2ED-326D-0B5F-6E7F9D32CE96}"/>
+              </a:ext>
+            </a:extLst>
+          </p:cNvPr>
+          <p:cNvCxnSpPr>
+            <a:cxnSpLocks/>
+          </p:cNvCxnSpPr>
+          <p:nvPr/>
+        </p:nvCxnSpPr>
+        <p:spPr>
+          <a:xfrm>
+            <a:off x="7491684" y="1895100"/>
+            <a:ext cx="0" cy="575425"/>
+          </a:xfrm>
+          <a:prstGeom prst="line">
+            <a:avLst/>
+          </a:prstGeom>
+          <a:ln w="9525"/>
+        </p:spPr>
+        <p:style>
+          <a:lnRef idx="2">
+            <a:schemeClr val="accent1"/>
+          </a:lnRef>
+          <a:fillRef idx="0">
+            <a:schemeClr val="accent1"/>
+          </a:fillRef>
+          <a:effectRef idx="1">
+            <a:schemeClr val="accent1"/>
+          </a:effectRef>
+          <a:fontRef idx="minor">
+            <a:schemeClr val="tx1"/>
+          </a:fontRef>
+        </p:style>
+      </p:cxnSp>
+      <p:cxnSp>
+        <p:nvCxnSpPr>
+          <p:cNvPr id="57" name="Straight Connector 56">
+            <a:extLst>
+              <a:ext uri="{FF2B5EF4-FFF2-40B4-BE49-F238E27FC236}">
+                <a16:creationId xmlns:a16="http://schemas.microsoft.com/office/drawing/2014/main" id="{C8F2E149-9695-12EE-97FB-C1B16356CE46}"/>
+              </a:ext>
+            </a:extLst>
+          </p:cNvPr>
+          <p:cNvCxnSpPr>
+            <a:cxnSpLocks/>
+            <a:stCxn id="53" idx="4"/>
+          </p:cNvCxnSpPr>
+          <p:nvPr/>
+        </p:nvCxnSpPr>
+        <p:spPr>
+          <a:xfrm>
+            <a:off x="6786836" y="2320646"/>
+            <a:ext cx="0" cy="149879"/>
+          </a:xfrm>
+          <a:prstGeom prst="line">
+            <a:avLst/>
+          </a:prstGeom>
+          <a:ln w="9525"/>
+        </p:spPr>
+        <p:style>
+          <a:lnRef idx="2">
+            <a:schemeClr val="accent1"/>
+          </a:lnRef>
+          <a:fillRef idx="0">
+            <a:schemeClr val="accent1"/>
+          </a:fillRef>
+          <a:effectRef idx="1">
+            <a:schemeClr val="accent1"/>
+          </a:effectRef>
+          <a:fontRef idx="minor">
+            <a:schemeClr val="tx1"/>
+          </a:fontRef>
+        </p:style>
+      </p:cxnSp>
+      <p:cxnSp>
+        <p:nvCxnSpPr>
+          <p:cNvPr id="58" name="Straight Connector 57">
+            <a:extLst>
+              <a:ext uri="{FF2B5EF4-FFF2-40B4-BE49-F238E27FC236}">
+                <a16:creationId xmlns:a16="http://schemas.microsoft.com/office/drawing/2014/main" id="{518879B1-8EAC-85AB-8840-F79CC902ADD1}"/>
+              </a:ext>
+            </a:extLst>
+          </p:cNvPr>
+          <p:cNvCxnSpPr>
+            <a:cxnSpLocks/>
+          </p:cNvCxnSpPr>
+          <p:nvPr/>
+        </p:nvCxnSpPr>
+        <p:spPr>
+          <a:xfrm>
+            <a:off x="8183088" y="2320646"/>
+            <a:ext cx="0" cy="149879"/>
+          </a:xfrm>
+          <a:prstGeom prst="line">
+            <a:avLst/>
+          </a:prstGeom>
+          <a:ln w="9525"/>
+        </p:spPr>
+        <p:style>
+          <a:lnRef idx="2">
+            <a:schemeClr val="accent1"/>
+          </a:lnRef>
+          <a:fillRef idx="0">
+            <a:schemeClr val="accent1"/>
+          </a:fillRef>
+          <a:effectRef idx="1">
+            <a:schemeClr val="accent1"/>
+          </a:effectRef>
+          <a:fontRef idx="minor">
+            <a:schemeClr val="tx1"/>
+          </a:fontRef>
+        </p:style>
+      </p:cxnSp>
+      <p:cxnSp>
+        <p:nvCxnSpPr>
+          <p:cNvPr id="71" name="Connector: Elbow 70">
+            <a:extLst>
+              <a:ext uri="{FF2B5EF4-FFF2-40B4-BE49-F238E27FC236}">
+                <a16:creationId xmlns:a16="http://schemas.microsoft.com/office/drawing/2014/main" id="{AC936C1A-9CA5-D86E-53B7-795640BF6B35}"/>
+              </a:ext>
+            </a:extLst>
+          </p:cNvPr>
+          <p:cNvCxnSpPr>
+            <a:cxnSpLocks/>
+            <a:stCxn id="72" idx="0"/>
+          </p:cNvCxnSpPr>
+          <p:nvPr/>
+        </p:nvCxnSpPr>
+        <p:spPr>
+          <a:xfrm rot="16200000" flipV="1">
+            <a:off x="4840104" y="4045587"/>
+            <a:ext cx="151276" cy="1000126"/>
+          </a:xfrm>
+          <a:prstGeom prst="bentConnector2">
+            <a:avLst/>
+          </a:prstGeom>
+          <a:ln w="9525">
+            <a:solidFill>
               <a:schemeClr val="tx1"/>
-            </a:fontRef>
-          </p:style>
-        </p:cxnSp>
-        <p:sp>
-          <p:nvSpPr>
-            <p:cNvPr id="46" name="Diamond 45">
-              <a:extLst>
-                <a:ext uri="{FF2B5EF4-FFF2-40B4-BE49-F238E27FC236}">
-                  <a16:creationId xmlns:a16="http://schemas.microsoft.com/office/drawing/2014/main" id="{8364BAD9-9FE7-370C-309E-6A6B442BAA88}"/>
-                </a:ext>
-              </a:extLst>
-            </p:cNvPr>
-            <p:cNvSpPr/>
-            <p:nvPr/>
-          </p:nvSpPr>
-          <p:spPr>
-            <a:xfrm>
-              <a:off x="8214753" y="2859818"/>
-              <a:ext cx="632012" cy="602594"/>
-            </a:xfrm>
-            <a:prstGeom prst="diamond">
-              <a:avLst/>
-            </a:prstGeom>
+            </a:solidFill>
+          </a:ln>
+        </p:spPr>
+        <p:style>
+          <a:lnRef idx="2">
+            <a:schemeClr val="accent1"/>
+          </a:lnRef>
+          <a:fillRef idx="0">
+            <a:schemeClr val="accent1"/>
+          </a:fillRef>
+          <a:effectRef idx="1">
+            <a:schemeClr val="accent1"/>
+          </a:effectRef>
+          <a:fontRef idx="minor">
+            <a:schemeClr val="tx1"/>
+          </a:fontRef>
+        </p:style>
+      </p:cxnSp>
+      <p:sp>
+        <p:nvSpPr>
+          <p:cNvPr id="72" name="Diamond 71">
+            <a:extLst>
+              <a:ext uri="{FF2B5EF4-FFF2-40B4-BE49-F238E27FC236}">
+                <a16:creationId xmlns:a16="http://schemas.microsoft.com/office/drawing/2014/main" id="{FB7A5C8F-491C-07C7-394D-0B9D8F422CE6}"/>
+              </a:ext>
+            </a:extLst>
+          </p:cNvPr>
+          <p:cNvSpPr/>
+          <p:nvPr/>
+        </p:nvSpPr>
+        <p:spPr>
+          <a:xfrm>
+            <a:off x="5099799" y="4621288"/>
+            <a:ext cx="632012" cy="602594"/>
+          </a:xfrm>
+          <a:prstGeom prst="diamond">
+            <a:avLst/>
+          </a:prstGeom>
+          <a:solidFill>
+            <a:schemeClr val="bg1"/>
+          </a:solidFill>
+          <a:ln w="9525">
             <a:solidFill>
-              <a:schemeClr val="bg1"/>
+              <a:schemeClr val="tx1"/>
             </a:solidFill>
-            <a:ln w="9525">
+          </a:ln>
+        </p:spPr>
+        <p:style>
+          <a:lnRef idx="2">
+            <a:schemeClr val="accent1">
+              <a:shade val="15000"/>
+            </a:schemeClr>
+          </a:lnRef>
+          <a:fillRef idx="1">
+            <a:schemeClr val="accent1"/>
+          </a:fillRef>
+          <a:effectRef idx="0">
+            <a:schemeClr val="accent1"/>
+          </a:effectRef>
+          <a:fontRef idx="minor">
+            <a:schemeClr val="lt1"/>
+          </a:fontRef>
+        </p:style>
+        <p:txBody>
+          <a:bodyPr wrap="none" lIns="0" rIns="0" rtlCol="0" anchor="ctr"/>
+          <a:lstStyle/>
+          <a:p>
+            <a:pPr algn="ctr"/>
+            <a:r>
+              <a:rPr lang="en-US" sz="800" dirty="0">
+                <a:solidFill>
+                  <a:schemeClr val="tx1"/>
+                </a:solidFill>
+              </a:rPr>
+              <a:t>At</a:t>
+            </a:r>
+            <a:endParaRPr lang="en-DK" sz="800" dirty="0"/>
+          </a:p>
+        </p:txBody>
+      </p:sp>
+      <p:sp>
+        <p:nvSpPr>
+          <p:cNvPr id="73" name="Rectangle 72">
+            <a:extLst>
+              <a:ext uri="{FF2B5EF4-FFF2-40B4-BE49-F238E27FC236}">
+                <a16:creationId xmlns:a16="http://schemas.microsoft.com/office/drawing/2014/main" id="{AEA18950-08F8-22C1-6AED-6452A33FDACB}"/>
+              </a:ext>
+            </a:extLst>
+          </p:cNvPr>
+          <p:cNvSpPr/>
+          <p:nvPr/>
+        </p:nvSpPr>
+        <p:spPr>
+          <a:xfrm>
+            <a:off x="6290985" y="4784751"/>
+            <a:ext cx="2391896" cy="275665"/>
+          </a:xfrm>
+          <a:prstGeom prst="rect">
+            <a:avLst/>
+          </a:prstGeom>
+          <a:solidFill>
+            <a:schemeClr val="bg1"/>
+          </a:solidFill>
+          <a:ln w="9525"/>
+        </p:spPr>
+        <p:style>
+          <a:lnRef idx="2">
+            <a:schemeClr val="accent1">
+              <a:shade val="15000"/>
+            </a:schemeClr>
+          </a:lnRef>
+          <a:fillRef idx="1">
+            <a:schemeClr val="accent1"/>
+          </a:fillRef>
+          <a:effectRef idx="0">
+            <a:schemeClr val="accent1"/>
+          </a:effectRef>
+          <a:fontRef idx="minor">
+            <a:schemeClr val="lt1"/>
+          </a:fontRef>
+        </p:style>
+        <p:txBody>
+          <a:bodyPr rtlCol="0" anchor="ctr"/>
+          <a:lstStyle/>
+          <a:p>
+            <a:pPr algn="ctr"/>
+            <a:r>
+              <a:rPr lang="en-US" sz="800" dirty="0">
+                <a:solidFill>
+                  <a:sysClr val="windowText" lastClr="000000"/>
+                </a:solidFill>
+              </a:rPr>
+              <a:t>Meeting</a:t>
+            </a:r>
+            <a:endParaRPr lang="en-DK" sz="800" dirty="0">
+              <a:solidFill>
+                <a:sysClr val="windowText" lastClr="000000"/>
+              </a:solidFill>
+            </a:endParaRPr>
+          </a:p>
+        </p:txBody>
+      </p:sp>
+      <p:cxnSp>
+        <p:nvCxnSpPr>
+          <p:cNvPr id="74" name="Straight Connector 73">
+            <a:extLst>
+              <a:ext uri="{FF2B5EF4-FFF2-40B4-BE49-F238E27FC236}">
+                <a16:creationId xmlns:a16="http://schemas.microsoft.com/office/drawing/2014/main" id="{C0DA2D47-8D59-8553-249A-91C6923FEC9B}"/>
+              </a:ext>
+            </a:extLst>
+          </p:cNvPr>
+          <p:cNvCxnSpPr>
+            <a:endCxn id="73" idx="1"/>
+          </p:cNvCxnSpPr>
+          <p:nvPr/>
+        </p:nvCxnSpPr>
+        <p:spPr>
+          <a:xfrm>
+            <a:off x="5731811" y="4922583"/>
+            <a:ext cx="559174" cy="1"/>
+          </a:xfrm>
+          <a:prstGeom prst="line">
+            <a:avLst/>
+          </a:prstGeom>
+          <a:ln w="9525">
+            <a:solidFill>
+              <a:schemeClr val="tx1"/>
+            </a:solidFill>
+          </a:ln>
+        </p:spPr>
+        <p:style>
+          <a:lnRef idx="2">
+            <a:schemeClr val="accent1"/>
+          </a:lnRef>
+          <a:fillRef idx="0">
+            <a:schemeClr val="accent1"/>
+          </a:fillRef>
+          <a:effectRef idx="1">
+            <a:schemeClr val="accent1"/>
+          </a:effectRef>
+          <a:fontRef idx="minor">
+            <a:schemeClr val="tx1"/>
+          </a:fontRef>
+        </p:style>
+      </p:cxnSp>
+      <p:sp>
+        <p:nvSpPr>
+          <p:cNvPr id="77" name="Oval 76">
+            <a:extLst>
+              <a:ext uri="{FF2B5EF4-FFF2-40B4-BE49-F238E27FC236}">
+                <a16:creationId xmlns:a16="http://schemas.microsoft.com/office/drawing/2014/main" id="{FB00BABB-7E99-46FE-34BB-CF49EAD61A65}"/>
+              </a:ext>
+            </a:extLst>
+          </p:cNvPr>
+          <p:cNvSpPr/>
+          <p:nvPr/>
+        </p:nvSpPr>
+        <p:spPr>
+          <a:xfrm>
+            <a:off x="6140817" y="5223435"/>
+            <a:ext cx="1190065" cy="275665"/>
+          </a:xfrm>
+          <a:prstGeom prst="ellipse">
+            <a:avLst/>
+          </a:prstGeom>
+          <a:solidFill>
+            <a:schemeClr val="bg1"/>
+          </a:solidFill>
+          <a:ln w="9525"/>
+        </p:spPr>
+        <p:style>
+          <a:lnRef idx="2">
+            <a:schemeClr val="accent1">
+              <a:shade val="15000"/>
+            </a:schemeClr>
+          </a:lnRef>
+          <a:fillRef idx="1">
+            <a:schemeClr val="accent1"/>
+          </a:fillRef>
+          <a:effectRef idx="0">
+            <a:schemeClr val="accent1"/>
+          </a:effectRef>
+          <a:fontRef idx="minor">
+            <a:schemeClr val="lt1"/>
+          </a:fontRef>
+        </p:style>
+        <p:txBody>
+          <a:bodyPr rtlCol="0" anchor="ctr"/>
+          <a:lstStyle/>
+          <a:p>
+            <a:pPr algn="ctr"/>
+            <a:r>
+              <a:rPr lang="en-US" sz="800" dirty="0" err="1">
+                <a:solidFill>
+                  <a:schemeClr val="tx1"/>
+                </a:solidFill>
+              </a:rPr>
+              <a:t>Meeting_ID</a:t>
+            </a:r>
+            <a:endParaRPr lang="en-DK" sz="800" dirty="0">
               <a:solidFill>
                 <a:schemeClr val="tx1"/>
               </a:solidFill>
-            </a:ln>
-          </p:spPr>
-          <p:style>
-            <a:lnRef idx="2">
-              <a:schemeClr val="accent1">
-                <a:shade val="15000"/>
-              </a:schemeClr>
-            </a:lnRef>
-            <a:fillRef idx="1">
-              <a:schemeClr val="accent1"/>
-            </a:fillRef>
-            <a:effectRef idx="0">
-              <a:schemeClr val="accent1"/>
-            </a:effectRef>
-            <a:fontRef idx="minor">
-              <a:schemeClr val="lt1"/>
-            </a:fontRef>
-          </p:style>
-          <p:txBody>
-            <a:bodyPr wrap="none" lIns="0" rIns="0" rtlCol="0" anchor="ctr"/>
-            <a:lstStyle/>
-            <a:p>
-              <a:pPr algn="ctr"/>
-              <a:r>
-                <a:rPr lang="en-US" sz="800" dirty="0">
-                  <a:solidFill>
-                    <a:schemeClr val="tx1"/>
-                  </a:solidFill>
-                </a:rPr>
-                <a:t>Part of</a:t>
-              </a:r>
-              <a:endParaRPr lang="en-DK" sz="800" dirty="0"/>
-            </a:p>
-          </p:txBody>
-        </p:sp>
-        <p:cxnSp>
-          <p:nvCxnSpPr>
-            <p:cNvPr id="47" name="Straight Connector 46">
-              <a:extLst>
-                <a:ext uri="{FF2B5EF4-FFF2-40B4-BE49-F238E27FC236}">
-                  <a16:creationId xmlns:a16="http://schemas.microsoft.com/office/drawing/2014/main" id="{5C5D6557-AE33-3451-A323-073EB1344388}"/>
-                </a:ext>
-              </a:extLst>
-            </p:cNvPr>
-            <p:cNvCxnSpPr>
-              <a:cxnSpLocks/>
-              <a:stCxn id="46" idx="2"/>
-              <a:endCxn id="36" idx="0"/>
-            </p:cNvCxnSpPr>
-            <p:nvPr/>
-          </p:nvCxnSpPr>
-          <p:spPr>
-            <a:xfrm>
-              <a:off x="8530759" y="3462412"/>
-              <a:ext cx="1" cy="200933"/>
-            </a:xfrm>
-            <a:prstGeom prst="line">
-              <a:avLst/>
-            </a:prstGeom>
-            <a:ln w="9525">
+            </a:endParaRPr>
+          </a:p>
+        </p:txBody>
+      </p:sp>
+      <p:sp>
+        <p:nvSpPr>
+          <p:cNvPr id="78" name="Oval 77">
+            <a:extLst>
+              <a:ext uri="{FF2B5EF4-FFF2-40B4-BE49-F238E27FC236}">
+                <a16:creationId xmlns:a16="http://schemas.microsoft.com/office/drawing/2014/main" id="{D7FF61CE-3113-1EBE-3305-FEF1ED7D9540}"/>
+              </a:ext>
+            </a:extLst>
+          </p:cNvPr>
+          <p:cNvSpPr/>
+          <p:nvPr/>
+        </p:nvSpPr>
+        <p:spPr>
+          <a:xfrm>
+            <a:off x="7537070" y="5229037"/>
+            <a:ext cx="1190065" cy="275665"/>
+          </a:xfrm>
+          <a:prstGeom prst="ellipse">
+            <a:avLst/>
+          </a:prstGeom>
+          <a:solidFill>
+            <a:schemeClr val="tx2">
+              <a:lumMod val="25000"/>
+              <a:lumOff val="75000"/>
+            </a:schemeClr>
+          </a:solidFill>
+          <a:ln w="9525"/>
+        </p:spPr>
+        <p:style>
+          <a:lnRef idx="2">
+            <a:schemeClr val="accent1">
+              <a:shade val="15000"/>
+            </a:schemeClr>
+          </a:lnRef>
+          <a:fillRef idx="1">
+            <a:schemeClr val="accent1"/>
+          </a:fillRef>
+          <a:effectRef idx="0">
+            <a:schemeClr val="accent1"/>
+          </a:effectRef>
+          <a:fontRef idx="minor">
+            <a:schemeClr val="lt1"/>
+          </a:fontRef>
+        </p:style>
+        <p:txBody>
+          <a:bodyPr rtlCol="0" anchor="ctr"/>
+          <a:lstStyle/>
+          <a:p>
+            <a:pPr algn="ctr"/>
+            <a:r>
+              <a:rPr lang="en-US" sz="800" dirty="0" err="1">
+                <a:solidFill>
+                  <a:schemeClr val="tx1"/>
+                </a:solidFill>
+              </a:rPr>
+              <a:t>Meeting_Date</a:t>
+            </a:r>
+            <a:endParaRPr lang="en-DK" sz="800" dirty="0">
               <a:solidFill>
                 <a:schemeClr val="tx1"/>
               </a:solidFill>
-            </a:ln>
-          </p:spPr>
-          <p:style>
-            <a:lnRef idx="2">
-              <a:schemeClr val="accent1"/>
-            </a:lnRef>
-            <a:fillRef idx="0">
-              <a:schemeClr val="accent1"/>
-            </a:fillRef>
-            <a:effectRef idx="1">
-              <a:schemeClr val="accent1"/>
-            </a:effectRef>
-            <a:fontRef idx="minor">
-              <a:schemeClr val="tx1"/>
-            </a:fontRef>
-          </p:style>
-        </p:cxnSp>
-        <p:sp>
-          <p:nvSpPr>
-            <p:cNvPr id="51" name="Rectangle 50">
-              <a:extLst>
-                <a:ext uri="{FF2B5EF4-FFF2-40B4-BE49-F238E27FC236}">
-                  <a16:creationId xmlns:a16="http://schemas.microsoft.com/office/drawing/2014/main" id="{16D014A1-B5D0-AED3-B407-47C74C253385}"/>
-                </a:ext>
-              </a:extLst>
-            </p:cNvPr>
-            <p:cNvSpPr/>
-            <p:nvPr/>
-          </p:nvSpPr>
-          <p:spPr>
-            <a:xfrm>
-              <a:off x="7334812" y="2433013"/>
-              <a:ext cx="2391896" cy="275665"/>
-            </a:xfrm>
-            <a:prstGeom prst="rect">
-              <a:avLst/>
-            </a:prstGeom>
-            <a:solidFill>
-              <a:schemeClr val="bg1"/>
-            </a:solidFill>
-            <a:ln w="9525"/>
-          </p:spPr>
-          <p:style>
-            <a:lnRef idx="2">
-              <a:schemeClr val="accent1">
-                <a:shade val="15000"/>
-              </a:schemeClr>
-            </a:lnRef>
-            <a:fillRef idx="1">
-              <a:schemeClr val="accent1"/>
-            </a:fillRef>
-            <a:effectRef idx="0">
-              <a:schemeClr val="accent1"/>
-            </a:effectRef>
-            <a:fontRef idx="minor">
-              <a:schemeClr val="lt1"/>
-            </a:fontRef>
-          </p:style>
-          <p:txBody>
-            <a:bodyPr rtlCol="0" anchor="ctr"/>
-            <a:lstStyle/>
-            <a:p>
-              <a:pPr algn="ctr"/>
-              <a:r>
-                <a:rPr lang="en-US" sz="800" dirty="0">
-                  <a:solidFill>
-                    <a:sysClr val="windowText" lastClr="000000"/>
-                  </a:solidFill>
-                </a:rPr>
-                <a:t>Case</a:t>
-              </a:r>
-              <a:endParaRPr lang="en-DK" sz="800" dirty="0">
+            </a:endParaRPr>
+          </a:p>
+        </p:txBody>
+      </p:sp>
+      <p:cxnSp>
+        <p:nvCxnSpPr>
+          <p:cNvPr id="79" name="Straight Connector 78">
+            <a:extLst>
+              <a:ext uri="{FF2B5EF4-FFF2-40B4-BE49-F238E27FC236}">
+                <a16:creationId xmlns:a16="http://schemas.microsoft.com/office/drawing/2014/main" id="{A7970DFA-5CCE-39B5-CE79-B053549B1800}"/>
+              </a:ext>
+            </a:extLst>
+          </p:cNvPr>
+          <p:cNvCxnSpPr>
+            <a:cxnSpLocks/>
+          </p:cNvCxnSpPr>
+          <p:nvPr/>
+        </p:nvCxnSpPr>
+        <p:spPr>
+          <a:xfrm>
+            <a:off x="6716799" y="5067140"/>
+            <a:ext cx="0" cy="149879"/>
+          </a:xfrm>
+          <a:prstGeom prst="line">
+            <a:avLst/>
+          </a:prstGeom>
+          <a:ln w="9525"/>
+        </p:spPr>
+        <p:style>
+          <a:lnRef idx="2">
+            <a:schemeClr val="accent1"/>
+          </a:lnRef>
+          <a:fillRef idx="0">
+            <a:schemeClr val="accent1"/>
+          </a:fillRef>
+          <a:effectRef idx="1">
+            <a:schemeClr val="accent1"/>
+          </a:effectRef>
+          <a:fontRef idx="minor">
+            <a:schemeClr val="tx1"/>
+          </a:fontRef>
+        </p:style>
+      </p:cxnSp>
+      <p:cxnSp>
+        <p:nvCxnSpPr>
+          <p:cNvPr id="80" name="Straight Connector 79">
+            <a:extLst>
+              <a:ext uri="{FF2B5EF4-FFF2-40B4-BE49-F238E27FC236}">
+                <a16:creationId xmlns:a16="http://schemas.microsoft.com/office/drawing/2014/main" id="{8CBB3EEC-8389-4CD5-640C-4B2343975BCE}"/>
+              </a:ext>
+            </a:extLst>
+          </p:cNvPr>
+          <p:cNvCxnSpPr>
+            <a:cxnSpLocks/>
+          </p:cNvCxnSpPr>
+          <p:nvPr/>
+        </p:nvCxnSpPr>
+        <p:spPr>
+          <a:xfrm>
+            <a:off x="8125368" y="5067140"/>
+            <a:ext cx="0" cy="156295"/>
+          </a:xfrm>
+          <a:prstGeom prst="line">
+            <a:avLst/>
+          </a:prstGeom>
+          <a:ln w="9525"/>
+        </p:spPr>
+        <p:style>
+          <a:lnRef idx="2">
+            <a:schemeClr val="accent1"/>
+          </a:lnRef>
+          <a:fillRef idx="0">
+            <a:schemeClr val="accent1"/>
+          </a:fillRef>
+          <a:effectRef idx="1">
+            <a:schemeClr val="accent1"/>
+          </a:effectRef>
+          <a:fontRef idx="minor">
+            <a:schemeClr val="tx1"/>
+          </a:fontRef>
+        </p:style>
+      </p:cxnSp>
+      <p:sp>
+        <p:nvSpPr>
+          <p:cNvPr id="85" name="Rectangle 84">
+            <a:extLst>
+              <a:ext uri="{FF2B5EF4-FFF2-40B4-BE49-F238E27FC236}">
+                <a16:creationId xmlns:a16="http://schemas.microsoft.com/office/drawing/2014/main" id="{4C6C6098-F015-ED9E-0036-8FF2E7AB523D}"/>
+              </a:ext>
+            </a:extLst>
+          </p:cNvPr>
+          <p:cNvSpPr/>
+          <p:nvPr/>
+        </p:nvSpPr>
+        <p:spPr>
+          <a:xfrm>
+            <a:off x="2023782" y="2554038"/>
+            <a:ext cx="2391896" cy="275665"/>
+          </a:xfrm>
+          <a:prstGeom prst="rect">
+            <a:avLst/>
+          </a:prstGeom>
+          <a:solidFill>
+            <a:schemeClr val="bg1"/>
+          </a:solidFill>
+          <a:ln w="19050"/>
+        </p:spPr>
+        <p:style>
+          <a:lnRef idx="2">
+            <a:schemeClr val="accent1">
+              <a:shade val="15000"/>
+            </a:schemeClr>
+          </a:lnRef>
+          <a:fillRef idx="1">
+            <a:schemeClr val="accent1"/>
+          </a:fillRef>
+          <a:effectRef idx="0">
+            <a:schemeClr val="accent1"/>
+          </a:effectRef>
+          <a:fontRef idx="minor">
+            <a:schemeClr val="lt1"/>
+          </a:fontRef>
+        </p:style>
+        <p:txBody>
+          <a:bodyPr rtlCol="0" anchor="ctr"/>
+          <a:lstStyle/>
+          <a:p>
+            <a:pPr algn="ctr"/>
+            <a:r>
+              <a:rPr lang="en-US" sz="800" dirty="0" err="1">
                 <a:solidFill>
                   <a:sysClr val="windowText" lastClr="000000"/>
                 </a:solidFill>
-              </a:endParaRPr>
-            </a:p>
-          </p:txBody>
-        </p:sp>
-        <p:cxnSp>
-          <p:nvCxnSpPr>
-            <p:cNvPr id="52" name="Straight Connector 51">
-              <a:extLst>
-                <a:ext uri="{FF2B5EF4-FFF2-40B4-BE49-F238E27FC236}">
-                  <a16:creationId xmlns:a16="http://schemas.microsoft.com/office/drawing/2014/main" id="{10EA8CD6-CD1E-3543-8973-FC4A76E2D281}"/>
-                </a:ext>
-              </a:extLst>
-            </p:cNvPr>
-            <p:cNvCxnSpPr>
-              <a:cxnSpLocks/>
-              <a:stCxn id="51" idx="2"/>
-            </p:cNvCxnSpPr>
-            <p:nvPr/>
-          </p:nvCxnSpPr>
-          <p:spPr>
-            <a:xfrm>
-              <a:off x="8530760" y="2708678"/>
-              <a:ext cx="0" cy="169066"/>
-            </a:xfrm>
-            <a:prstGeom prst="line">
-              <a:avLst/>
-            </a:prstGeom>
-            <a:ln w="9525">
+              </a:rPr>
+              <a:t>Party_Votes</a:t>
+            </a:r>
+            <a:endParaRPr lang="en-DK" sz="800" dirty="0">
+              <a:solidFill>
+                <a:sysClr val="windowText" lastClr="000000"/>
+              </a:solidFill>
+            </a:endParaRPr>
+          </a:p>
+        </p:txBody>
+      </p:sp>
+      <p:sp>
+        <p:nvSpPr>
+          <p:cNvPr id="86" name="Oval 85">
+            <a:extLst>
+              <a:ext uri="{FF2B5EF4-FFF2-40B4-BE49-F238E27FC236}">
+                <a16:creationId xmlns:a16="http://schemas.microsoft.com/office/drawing/2014/main" id="{DEFA0861-93C9-210B-375E-F31A5C723DF4}"/>
+              </a:ext>
+            </a:extLst>
+          </p:cNvPr>
+          <p:cNvSpPr/>
+          <p:nvPr/>
+        </p:nvSpPr>
+        <p:spPr>
+          <a:xfrm>
+            <a:off x="1959903" y="2130453"/>
+            <a:ext cx="1190065" cy="275665"/>
+          </a:xfrm>
+          <a:prstGeom prst="ellipse">
+            <a:avLst/>
+          </a:prstGeom>
+          <a:solidFill>
+            <a:schemeClr val="tx2">
+              <a:lumMod val="25000"/>
+              <a:lumOff val="75000"/>
+            </a:schemeClr>
+          </a:solidFill>
+          <a:ln w="9525"/>
+        </p:spPr>
+        <p:style>
+          <a:lnRef idx="2">
+            <a:schemeClr val="accent1">
+              <a:shade val="15000"/>
+            </a:schemeClr>
+          </a:lnRef>
+          <a:fillRef idx="1">
+            <a:schemeClr val="accent1"/>
+          </a:fillRef>
+          <a:effectRef idx="0">
+            <a:schemeClr val="accent1"/>
+          </a:effectRef>
+          <a:fontRef idx="minor">
+            <a:schemeClr val="lt1"/>
+          </a:fontRef>
+        </p:style>
+        <p:txBody>
+          <a:bodyPr rtlCol="0" anchor="ctr"/>
+          <a:lstStyle/>
+          <a:p>
+            <a:pPr algn="ctr"/>
+            <a:r>
+              <a:rPr lang="en-US" sz="800" dirty="0">
+                <a:solidFill>
+                  <a:schemeClr val="tx1"/>
+                </a:solidFill>
+              </a:rPr>
+              <a:t>Party</a:t>
+            </a:r>
+            <a:endParaRPr lang="en-DK" sz="800" dirty="0">
               <a:solidFill>
                 <a:schemeClr val="tx1"/>
               </a:solidFill>
-            </a:ln>
-          </p:spPr>
-          <p:style>
-            <a:lnRef idx="2">
-              <a:schemeClr val="accent1"/>
-            </a:lnRef>
-            <a:fillRef idx="0">
-              <a:schemeClr val="accent1"/>
-            </a:fillRef>
-            <a:effectRef idx="1">
-              <a:schemeClr val="accent1"/>
-            </a:effectRef>
-            <a:fontRef idx="minor">
-              <a:schemeClr val="tx1"/>
-            </a:fontRef>
-          </p:style>
-        </p:cxnSp>
-        <p:sp>
-          <p:nvSpPr>
-            <p:cNvPr id="53" name="Oval 52">
-              <a:extLst>
-                <a:ext uri="{FF2B5EF4-FFF2-40B4-BE49-F238E27FC236}">
-                  <a16:creationId xmlns:a16="http://schemas.microsoft.com/office/drawing/2014/main" id="{F6DE0C02-3508-E3C8-A5F1-164CA6AD917D}"/>
-                </a:ext>
-              </a:extLst>
-            </p:cNvPr>
-            <p:cNvSpPr/>
-            <p:nvPr/>
-          </p:nvSpPr>
-          <p:spPr>
-            <a:xfrm>
-              <a:off x="7233950" y="2004640"/>
-              <a:ext cx="1190065" cy="275665"/>
-            </a:xfrm>
-            <a:prstGeom prst="ellipse">
-              <a:avLst/>
-            </a:prstGeom>
-            <a:solidFill>
-              <a:schemeClr val="bg1"/>
-            </a:solidFill>
-            <a:ln w="9525"/>
-          </p:spPr>
-          <p:style>
-            <a:lnRef idx="2">
-              <a:schemeClr val="accent1">
-                <a:shade val="15000"/>
-              </a:schemeClr>
-            </a:lnRef>
-            <a:fillRef idx="1">
-              <a:schemeClr val="accent1"/>
-            </a:fillRef>
-            <a:effectRef idx="0">
-              <a:schemeClr val="accent1"/>
-            </a:effectRef>
-            <a:fontRef idx="minor">
-              <a:schemeClr val="lt1"/>
-            </a:fontRef>
-          </p:style>
-          <p:txBody>
-            <a:bodyPr rtlCol="0" anchor="ctr"/>
-            <a:lstStyle/>
-            <a:p>
-              <a:pPr algn="ctr"/>
-              <a:r>
-                <a:rPr lang="en-US" sz="800" dirty="0" err="1">
-                  <a:solidFill>
-                    <a:schemeClr val="tx1"/>
-                  </a:solidFill>
-                </a:rPr>
-                <a:t>Case_ID</a:t>
-              </a:r>
-              <a:endParaRPr lang="en-DK" sz="800" dirty="0">
+            </a:endParaRPr>
+          </a:p>
+        </p:txBody>
+      </p:sp>
+      <p:sp>
+        <p:nvSpPr>
+          <p:cNvPr id="87" name="Oval 86">
+            <a:extLst>
+              <a:ext uri="{FF2B5EF4-FFF2-40B4-BE49-F238E27FC236}">
+                <a16:creationId xmlns:a16="http://schemas.microsoft.com/office/drawing/2014/main" id="{47929640-2A1C-0186-4901-EAF2D992E463}"/>
+              </a:ext>
+            </a:extLst>
+          </p:cNvPr>
+          <p:cNvSpPr/>
+          <p:nvPr/>
+        </p:nvSpPr>
+        <p:spPr>
+          <a:xfrm>
+            <a:off x="3356156" y="2136055"/>
+            <a:ext cx="1190065" cy="275665"/>
+          </a:xfrm>
+          <a:prstGeom prst="ellipse">
+            <a:avLst/>
+          </a:prstGeom>
+          <a:solidFill>
+            <a:schemeClr val="tx2">
+              <a:lumMod val="25000"/>
+              <a:lumOff val="75000"/>
+            </a:schemeClr>
+          </a:solidFill>
+          <a:ln w="9525"/>
+        </p:spPr>
+        <p:style>
+          <a:lnRef idx="2">
+            <a:schemeClr val="accent1">
+              <a:shade val="15000"/>
+            </a:schemeClr>
+          </a:lnRef>
+          <a:fillRef idx="1">
+            <a:schemeClr val="accent1"/>
+          </a:fillRef>
+          <a:effectRef idx="0">
+            <a:schemeClr val="accent1"/>
+          </a:effectRef>
+          <a:fontRef idx="minor">
+            <a:schemeClr val="lt1"/>
+          </a:fontRef>
+        </p:style>
+        <p:txBody>
+          <a:bodyPr rtlCol="0" anchor="ctr"/>
+          <a:lstStyle/>
+          <a:p>
+            <a:pPr algn="ctr"/>
+            <a:r>
+              <a:rPr lang="en-US" sz="800" dirty="0" err="1">
                 <a:solidFill>
                   <a:schemeClr val="tx1"/>
                 </a:solidFill>
-              </a:endParaRPr>
-            </a:p>
-          </p:txBody>
-        </p:sp>
-        <p:sp>
-          <p:nvSpPr>
-            <p:cNvPr id="54" name="Oval 53">
-              <a:extLst>
-                <a:ext uri="{FF2B5EF4-FFF2-40B4-BE49-F238E27FC236}">
-                  <a16:creationId xmlns:a16="http://schemas.microsoft.com/office/drawing/2014/main" id="{960B4634-E8D8-92D8-74F4-708392B96864}"/>
-                </a:ext>
-              </a:extLst>
-            </p:cNvPr>
-            <p:cNvSpPr/>
-            <p:nvPr/>
-          </p:nvSpPr>
-          <p:spPr>
-            <a:xfrm>
-              <a:off x="8630203" y="2010242"/>
-              <a:ext cx="1190065" cy="275665"/>
-            </a:xfrm>
-            <a:prstGeom prst="ellipse">
-              <a:avLst/>
-            </a:prstGeom>
+              </a:rPr>
+              <a:t>VoteCast</a:t>
+            </a:r>
+            <a:endParaRPr lang="en-DK" sz="800" dirty="0">
+              <a:solidFill>
+                <a:schemeClr val="tx1"/>
+              </a:solidFill>
+            </a:endParaRPr>
+          </a:p>
+        </p:txBody>
+      </p:sp>
+      <p:cxnSp>
+        <p:nvCxnSpPr>
+          <p:cNvPr id="89" name="Straight Connector 88">
+            <a:extLst>
+              <a:ext uri="{FF2B5EF4-FFF2-40B4-BE49-F238E27FC236}">
+                <a16:creationId xmlns:a16="http://schemas.microsoft.com/office/drawing/2014/main" id="{C91F283C-CCEC-85BF-474B-7F8295F50F3A}"/>
+              </a:ext>
+            </a:extLst>
+          </p:cNvPr>
+          <p:cNvCxnSpPr>
+            <a:cxnSpLocks/>
+            <a:stCxn id="86" idx="4"/>
+          </p:cNvCxnSpPr>
+          <p:nvPr/>
+        </p:nvCxnSpPr>
+        <p:spPr>
+          <a:xfrm>
+            <a:off x="2554936" y="2406118"/>
+            <a:ext cx="0" cy="149879"/>
+          </a:xfrm>
+          <a:prstGeom prst="line">
+            <a:avLst/>
+          </a:prstGeom>
+          <a:ln w="9525"/>
+        </p:spPr>
+        <p:style>
+          <a:lnRef idx="2">
+            <a:schemeClr val="accent1"/>
+          </a:lnRef>
+          <a:fillRef idx="0">
+            <a:schemeClr val="accent1"/>
+          </a:fillRef>
+          <a:effectRef idx="1">
+            <a:schemeClr val="accent1"/>
+          </a:effectRef>
+          <a:fontRef idx="minor">
+            <a:schemeClr val="tx1"/>
+          </a:fontRef>
+        </p:style>
+      </p:cxnSp>
+      <p:cxnSp>
+        <p:nvCxnSpPr>
+          <p:cNvPr id="90" name="Straight Connector 89">
+            <a:extLst>
+              <a:ext uri="{FF2B5EF4-FFF2-40B4-BE49-F238E27FC236}">
+                <a16:creationId xmlns:a16="http://schemas.microsoft.com/office/drawing/2014/main" id="{02B3D957-B40B-A010-1CFB-AC771DD34C3D}"/>
+              </a:ext>
+            </a:extLst>
+          </p:cNvPr>
+          <p:cNvCxnSpPr>
+            <a:cxnSpLocks/>
+          </p:cNvCxnSpPr>
+          <p:nvPr/>
+        </p:nvCxnSpPr>
+        <p:spPr>
+          <a:xfrm>
+            <a:off x="3951188" y="2406118"/>
+            <a:ext cx="0" cy="149879"/>
+          </a:xfrm>
+          <a:prstGeom prst="line">
+            <a:avLst/>
+          </a:prstGeom>
+          <a:ln w="9525"/>
+        </p:spPr>
+        <p:style>
+          <a:lnRef idx="2">
+            <a:schemeClr val="accent1"/>
+          </a:lnRef>
+          <a:fillRef idx="0">
+            <a:schemeClr val="accent1"/>
+          </a:fillRef>
+          <a:effectRef idx="1">
+            <a:schemeClr val="accent1"/>
+          </a:effectRef>
+          <a:fontRef idx="minor">
+            <a:schemeClr val="tx1"/>
+          </a:fontRef>
+        </p:style>
+      </p:cxnSp>
+      <p:sp>
+        <p:nvSpPr>
+          <p:cNvPr id="92" name="Diamond 91">
+            <a:extLst>
+              <a:ext uri="{FF2B5EF4-FFF2-40B4-BE49-F238E27FC236}">
+                <a16:creationId xmlns:a16="http://schemas.microsoft.com/office/drawing/2014/main" id="{E6787559-29A1-9144-F95C-84D6197CE0AD}"/>
+              </a:ext>
+            </a:extLst>
+          </p:cNvPr>
+          <p:cNvSpPr/>
+          <p:nvPr/>
+        </p:nvSpPr>
+        <p:spPr>
+          <a:xfrm>
+            <a:off x="791134" y="2395379"/>
+            <a:ext cx="632012" cy="602594"/>
+          </a:xfrm>
+          <a:prstGeom prst="diamond">
+            <a:avLst/>
+          </a:prstGeom>
+          <a:solidFill>
+            <a:schemeClr val="bg1"/>
+          </a:solidFill>
+          <a:ln w="19050" cmpd="dbl">
             <a:solidFill>
-              <a:schemeClr val="bg1"/>
+              <a:schemeClr val="tx1"/>
             </a:solidFill>
-            <a:ln w="9525"/>
-          </p:spPr>
-          <p:style>
-            <a:lnRef idx="2">
-              <a:schemeClr val="accent1">
-                <a:shade val="15000"/>
-              </a:schemeClr>
-            </a:lnRef>
-            <a:fillRef idx="1">
-              <a:schemeClr val="accent1"/>
-            </a:fillRef>
-            <a:effectRef idx="0">
-              <a:schemeClr val="accent1"/>
-            </a:effectRef>
-            <a:fontRef idx="minor">
-              <a:schemeClr val="lt1"/>
-            </a:fontRef>
-          </p:style>
-          <p:txBody>
-            <a:bodyPr rtlCol="0" anchor="ctr"/>
-            <a:lstStyle/>
-            <a:p>
-              <a:pPr algn="ctr"/>
-              <a:r>
-                <a:rPr lang="en-US" sz="800" dirty="0" err="1">
-                  <a:solidFill>
-                    <a:schemeClr val="tx1"/>
-                  </a:solidFill>
-                </a:rPr>
-                <a:t>Case_Type</a:t>
-              </a:r>
-              <a:endParaRPr lang="en-DK" sz="800" dirty="0">
+          </a:ln>
+        </p:spPr>
+        <p:style>
+          <a:lnRef idx="2">
+            <a:schemeClr val="accent1">
+              <a:shade val="15000"/>
+            </a:schemeClr>
+          </a:lnRef>
+          <a:fillRef idx="1">
+            <a:schemeClr val="accent1"/>
+          </a:fillRef>
+          <a:effectRef idx="0">
+            <a:schemeClr val="accent1"/>
+          </a:effectRef>
+          <a:fontRef idx="minor">
+            <a:schemeClr val="lt1"/>
+          </a:fontRef>
+        </p:style>
+        <p:txBody>
+          <a:bodyPr wrap="none" lIns="0" rIns="0" rtlCol="0" anchor="ctr"/>
+          <a:lstStyle/>
+          <a:p>
+            <a:pPr algn="ctr"/>
+            <a:r>
+              <a:rPr lang="en-US" sz="800" dirty="0">
                 <a:solidFill>
                   <a:schemeClr val="tx1"/>
                 </a:solidFill>
-              </a:endParaRPr>
-            </a:p>
-          </p:txBody>
-        </p:sp>
-        <p:sp>
-          <p:nvSpPr>
-            <p:cNvPr id="55" name="Oval 54">
-              <a:extLst>
-                <a:ext uri="{FF2B5EF4-FFF2-40B4-BE49-F238E27FC236}">
-                  <a16:creationId xmlns:a16="http://schemas.microsoft.com/office/drawing/2014/main" id="{49971E0F-CAD1-0EEF-BD43-3F16962F6EC4}"/>
-                </a:ext>
-              </a:extLst>
-            </p:cNvPr>
-            <p:cNvSpPr/>
-            <p:nvPr/>
-          </p:nvSpPr>
-          <p:spPr>
-            <a:xfrm>
-              <a:off x="7944403" y="1581056"/>
-              <a:ext cx="1190065" cy="275665"/>
-            </a:xfrm>
-            <a:prstGeom prst="ellipse">
-              <a:avLst/>
-            </a:prstGeom>
+              </a:rPr>
+              <a:t>Cast at</a:t>
+            </a:r>
+            <a:endParaRPr lang="en-DK" sz="800" dirty="0"/>
+          </a:p>
+        </p:txBody>
+      </p:sp>
+      <p:cxnSp>
+        <p:nvCxnSpPr>
+          <p:cNvPr id="94" name="Straight Connector 93">
+            <a:extLst>
+              <a:ext uri="{FF2B5EF4-FFF2-40B4-BE49-F238E27FC236}">
+                <a16:creationId xmlns:a16="http://schemas.microsoft.com/office/drawing/2014/main" id="{C317E31D-D3A4-59D0-63BF-63B1BD93EC39}"/>
+              </a:ext>
+            </a:extLst>
+          </p:cNvPr>
+          <p:cNvCxnSpPr>
+            <a:stCxn id="92" idx="3"/>
+            <a:endCxn id="85" idx="1"/>
+          </p:cNvCxnSpPr>
+          <p:nvPr/>
+        </p:nvCxnSpPr>
+        <p:spPr>
+          <a:xfrm flipV="1">
+            <a:off x="1423146" y="2691871"/>
+            <a:ext cx="600636" cy="4805"/>
+          </a:xfrm>
+          <a:prstGeom prst="line">
+            <a:avLst/>
+          </a:prstGeom>
+          <a:ln>
             <a:solidFill>
-              <a:schemeClr val="bg1"/>
+              <a:schemeClr val="tx1"/>
             </a:solidFill>
-            <a:ln w="9525"/>
-          </p:spPr>
-          <p:style>
-            <a:lnRef idx="2">
-              <a:schemeClr val="accent1">
-                <a:shade val="15000"/>
-              </a:schemeClr>
-            </a:lnRef>
-            <a:fillRef idx="1">
-              <a:schemeClr val="accent1"/>
-            </a:fillRef>
-            <a:effectRef idx="0">
-              <a:schemeClr val="accent1"/>
-            </a:effectRef>
-            <a:fontRef idx="minor">
-              <a:schemeClr val="lt1"/>
-            </a:fontRef>
-          </p:style>
-          <p:txBody>
-            <a:bodyPr rtlCol="0" anchor="ctr"/>
-            <a:lstStyle/>
-            <a:p>
-              <a:pPr algn="ctr"/>
-              <a:r>
-                <a:rPr lang="en-US" sz="800" dirty="0" err="1">
-                  <a:solidFill>
-                    <a:schemeClr val="tx1"/>
-                  </a:solidFill>
-                </a:rPr>
-                <a:t>Title_Short</a:t>
-              </a:r>
-              <a:endParaRPr lang="en-DK" sz="800" dirty="0">
-                <a:solidFill>
-                  <a:schemeClr val="tx1"/>
-                </a:solidFill>
-              </a:endParaRPr>
-            </a:p>
-          </p:txBody>
-        </p:sp>
-        <p:cxnSp>
-          <p:nvCxnSpPr>
-            <p:cNvPr id="56" name="Straight Connector 55">
-              <a:extLst>
-                <a:ext uri="{FF2B5EF4-FFF2-40B4-BE49-F238E27FC236}">
-                  <a16:creationId xmlns:a16="http://schemas.microsoft.com/office/drawing/2014/main" id="{F1DE6A74-F2ED-326D-0B5F-6E7F9D32CE96}"/>
-                </a:ext>
-              </a:extLst>
-            </p:cNvPr>
-            <p:cNvCxnSpPr>
-              <a:cxnSpLocks/>
-            </p:cNvCxnSpPr>
-            <p:nvPr/>
-          </p:nvCxnSpPr>
-          <p:spPr>
-            <a:xfrm>
-              <a:off x="8533831" y="1854759"/>
-              <a:ext cx="0" cy="575425"/>
-            </a:xfrm>
-            <a:prstGeom prst="line">
-              <a:avLst/>
-            </a:prstGeom>
-            <a:ln w="9525"/>
-          </p:spPr>
-          <p:style>
-            <a:lnRef idx="2">
-              <a:schemeClr val="accent1"/>
-            </a:lnRef>
-            <a:fillRef idx="0">
-              <a:schemeClr val="accent1"/>
-            </a:fillRef>
-            <a:effectRef idx="1">
-              <a:schemeClr val="accent1"/>
-            </a:effectRef>
-            <a:fontRef idx="minor">
+          </a:ln>
+        </p:spPr>
+        <p:style>
+          <a:lnRef idx="2">
+            <a:schemeClr val="accent1"/>
+          </a:lnRef>
+          <a:fillRef idx="0">
+            <a:schemeClr val="accent1"/>
+          </a:fillRef>
+          <a:effectRef idx="1">
+            <a:schemeClr val="accent1"/>
+          </a:effectRef>
+          <a:fontRef idx="minor">
+            <a:schemeClr val="tx1"/>
+          </a:fontRef>
+        </p:style>
+      </p:cxnSp>
+      <p:cxnSp>
+        <p:nvCxnSpPr>
+          <p:cNvPr id="99" name="Connector: Elbow 98">
+            <a:extLst>
+              <a:ext uri="{FF2B5EF4-FFF2-40B4-BE49-F238E27FC236}">
+                <a16:creationId xmlns:a16="http://schemas.microsoft.com/office/drawing/2014/main" id="{8EC5EE78-B2BF-EDB6-69BA-E4E41037132D}"/>
+              </a:ext>
+            </a:extLst>
+          </p:cNvPr>
+          <p:cNvCxnSpPr>
+            <a:stCxn id="92" idx="2"/>
+            <a:endCxn id="13" idx="1"/>
+          </p:cNvCxnSpPr>
+          <p:nvPr/>
+        </p:nvCxnSpPr>
+        <p:spPr>
+          <a:xfrm rot="16200000" flipH="1">
+            <a:off x="841761" y="3263352"/>
+            <a:ext cx="1447400" cy="916642"/>
+          </a:xfrm>
+          <a:prstGeom prst="bentConnector2">
+            <a:avLst/>
+          </a:prstGeom>
+          <a:ln>
+            <a:solidFill>
               <a:schemeClr val="tx1"/>
-            </a:fontRef>
-          </p:style>
-        </p:cxnSp>
-        <p:cxnSp>
-          <p:nvCxnSpPr>
-            <p:cNvPr id="57" name="Straight Connector 56">
-              <a:extLst>
-                <a:ext uri="{FF2B5EF4-FFF2-40B4-BE49-F238E27FC236}">
-                  <a16:creationId xmlns:a16="http://schemas.microsoft.com/office/drawing/2014/main" id="{C8F2E149-9695-12EE-97FB-C1B16356CE46}"/>
-                </a:ext>
-              </a:extLst>
-            </p:cNvPr>
-            <p:cNvCxnSpPr>
-              <a:cxnSpLocks/>
-              <a:stCxn id="53" idx="4"/>
-            </p:cNvCxnSpPr>
-            <p:nvPr/>
-          </p:nvCxnSpPr>
-          <p:spPr>
-            <a:xfrm>
-              <a:off x="7828983" y="2280305"/>
-              <a:ext cx="0" cy="149879"/>
-            </a:xfrm>
-            <a:prstGeom prst="line">
-              <a:avLst/>
-            </a:prstGeom>
-            <a:ln w="9525"/>
-          </p:spPr>
-          <p:style>
-            <a:lnRef idx="2">
-              <a:schemeClr val="accent1"/>
-            </a:lnRef>
-            <a:fillRef idx="0">
-              <a:schemeClr val="accent1"/>
-            </a:fillRef>
-            <a:effectRef idx="1">
-              <a:schemeClr val="accent1"/>
-            </a:effectRef>
-            <a:fontRef idx="minor">
-              <a:schemeClr val="tx1"/>
-            </a:fontRef>
-          </p:style>
-        </p:cxnSp>
-        <p:cxnSp>
-          <p:nvCxnSpPr>
-            <p:cNvPr id="58" name="Straight Connector 57">
-              <a:extLst>
-                <a:ext uri="{FF2B5EF4-FFF2-40B4-BE49-F238E27FC236}">
-                  <a16:creationId xmlns:a16="http://schemas.microsoft.com/office/drawing/2014/main" id="{518879B1-8EAC-85AB-8840-F79CC902ADD1}"/>
-                </a:ext>
-              </a:extLst>
-            </p:cNvPr>
-            <p:cNvCxnSpPr>
-              <a:cxnSpLocks/>
-            </p:cNvCxnSpPr>
-            <p:nvPr/>
-          </p:nvCxnSpPr>
-          <p:spPr>
-            <a:xfrm>
-              <a:off x="9225235" y="2280305"/>
-              <a:ext cx="0" cy="149879"/>
-            </a:xfrm>
-            <a:prstGeom prst="line">
-              <a:avLst/>
-            </a:prstGeom>
-            <a:ln w="9525"/>
-          </p:spPr>
-          <p:style>
-            <a:lnRef idx="2">
-              <a:schemeClr val="accent1"/>
-            </a:lnRef>
-            <a:fillRef idx="0">
-              <a:schemeClr val="accent1"/>
-            </a:fillRef>
-            <a:effectRef idx="1">
-              <a:schemeClr val="accent1"/>
-            </a:effectRef>
-            <a:fontRef idx="minor">
-              <a:schemeClr val="tx1"/>
-            </a:fontRef>
-          </p:style>
-        </p:cxnSp>
-        <p:cxnSp>
-          <p:nvCxnSpPr>
-            <p:cNvPr id="71" name="Connector: Elbow 70">
-              <a:extLst>
-                <a:ext uri="{FF2B5EF4-FFF2-40B4-BE49-F238E27FC236}">
-                  <a16:creationId xmlns:a16="http://schemas.microsoft.com/office/drawing/2014/main" id="{AC936C1A-9CA5-D86E-53B7-795640BF6B35}"/>
-                </a:ext>
-              </a:extLst>
-            </p:cNvPr>
-            <p:cNvCxnSpPr>
-              <a:cxnSpLocks/>
-              <a:stCxn id="72" idx="0"/>
-            </p:cNvCxnSpPr>
-            <p:nvPr/>
-          </p:nvCxnSpPr>
-          <p:spPr>
-            <a:xfrm rot="16200000" flipV="1">
-              <a:off x="5882251" y="4005246"/>
-              <a:ext cx="151276" cy="1000126"/>
-            </a:xfrm>
-            <a:prstGeom prst="bentConnector2">
-              <a:avLst/>
-            </a:prstGeom>
-            <a:ln w="9525">
-              <a:solidFill>
-                <a:schemeClr val="tx1"/>
-              </a:solidFill>
-            </a:ln>
-          </p:spPr>
-          <p:style>
-            <a:lnRef idx="2">
-              <a:schemeClr val="accent1"/>
-            </a:lnRef>
-            <a:fillRef idx="0">
-              <a:schemeClr val="accent1"/>
-            </a:fillRef>
-            <a:effectRef idx="1">
-              <a:schemeClr val="accent1"/>
-            </a:effectRef>
-            <a:fontRef idx="minor">
-              <a:schemeClr val="tx1"/>
-            </a:fontRef>
-          </p:style>
-        </p:cxnSp>
-        <p:sp>
-          <p:nvSpPr>
-            <p:cNvPr id="72" name="Diamond 71">
-              <a:extLst>
-                <a:ext uri="{FF2B5EF4-FFF2-40B4-BE49-F238E27FC236}">
-                  <a16:creationId xmlns:a16="http://schemas.microsoft.com/office/drawing/2014/main" id="{FB7A5C8F-491C-07C7-394D-0B9D8F422CE6}"/>
-                </a:ext>
-              </a:extLst>
-            </p:cNvPr>
-            <p:cNvSpPr/>
-            <p:nvPr/>
-          </p:nvSpPr>
-          <p:spPr>
-            <a:xfrm>
-              <a:off x="6141946" y="4580947"/>
-              <a:ext cx="632012" cy="602594"/>
-            </a:xfrm>
-            <a:prstGeom prst="diamond">
-              <a:avLst/>
-            </a:prstGeom>
-            <a:solidFill>
-              <a:schemeClr val="bg1"/>
             </a:solidFill>
-            <a:ln w="9525">
-              <a:solidFill>
-                <a:schemeClr val="tx1"/>
-              </a:solidFill>
-            </a:ln>
-          </p:spPr>
-          <p:style>
-            <a:lnRef idx="2">
-              <a:schemeClr val="accent1">
-                <a:shade val="15000"/>
-              </a:schemeClr>
-            </a:lnRef>
-            <a:fillRef idx="1">
-              <a:schemeClr val="accent1"/>
-            </a:fillRef>
-            <a:effectRef idx="0">
-              <a:schemeClr val="accent1"/>
-            </a:effectRef>
-            <a:fontRef idx="minor">
-              <a:schemeClr val="lt1"/>
-            </a:fontRef>
-          </p:style>
-          <p:txBody>
-            <a:bodyPr wrap="none" lIns="0" rIns="0" rtlCol="0" anchor="ctr"/>
-            <a:lstStyle/>
-            <a:p>
-              <a:pPr algn="ctr"/>
-              <a:r>
-                <a:rPr lang="en-US" sz="800" dirty="0">
-                  <a:solidFill>
-                    <a:schemeClr val="tx1"/>
-                  </a:solidFill>
-                </a:rPr>
-                <a:t>At</a:t>
-              </a:r>
-              <a:endParaRPr lang="en-DK" sz="800" dirty="0"/>
-            </a:p>
-          </p:txBody>
-        </p:sp>
-        <p:sp>
-          <p:nvSpPr>
-            <p:cNvPr id="73" name="Rectangle 72">
-              <a:extLst>
-                <a:ext uri="{FF2B5EF4-FFF2-40B4-BE49-F238E27FC236}">
-                  <a16:creationId xmlns:a16="http://schemas.microsoft.com/office/drawing/2014/main" id="{AEA18950-08F8-22C1-6AED-6452A33FDACB}"/>
-                </a:ext>
-              </a:extLst>
-            </p:cNvPr>
-            <p:cNvSpPr/>
-            <p:nvPr/>
-          </p:nvSpPr>
-          <p:spPr>
-            <a:xfrm>
-              <a:off x="7333132" y="4744410"/>
-              <a:ext cx="2391896" cy="275665"/>
-            </a:xfrm>
-            <a:prstGeom prst="rect">
-              <a:avLst/>
-            </a:prstGeom>
-            <a:solidFill>
-              <a:schemeClr val="bg1"/>
-            </a:solidFill>
-            <a:ln w="9525"/>
-          </p:spPr>
-          <p:style>
-            <a:lnRef idx="2">
-              <a:schemeClr val="accent1">
-                <a:shade val="15000"/>
-              </a:schemeClr>
-            </a:lnRef>
-            <a:fillRef idx="1">
-              <a:schemeClr val="accent1"/>
-            </a:fillRef>
-            <a:effectRef idx="0">
-              <a:schemeClr val="accent1"/>
-            </a:effectRef>
-            <a:fontRef idx="minor">
-              <a:schemeClr val="lt1"/>
-            </a:fontRef>
-          </p:style>
-          <p:txBody>
-            <a:bodyPr rtlCol="0" anchor="ctr"/>
-            <a:lstStyle/>
-            <a:p>
-              <a:pPr algn="ctr"/>
-              <a:r>
-                <a:rPr lang="en-US" sz="800" dirty="0">
-                  <a:solidFill>
-                    <a:sysClr val="windowText" lastClr="000000"/>
-                  </a:solidFill>
-                </a:rPr>
-                <a:t>Meeting</a:t>
-              </a:r>
-              <a:endParaRPr lang="en-DK" sz="800" dirty="0">
-                <a:solidFill>
-                  <a:sysClr val="windowText" lastClr="000000"/>
-                </a:solidFill>
-              </a:endParaRPr>
-            </a:p>
-          </p:txBody>
-        </p:sp>
-        <p:cxnSp>
-          <p:nvCxnSpPr>
-            <p:cNvPr id="74" name="Straight Connector 73">
-              <a:extLst>
-                <a:ext uri="{FF2B5EF4-FFF2-40B4-BE49-F238E27FC236}">
-                  <a16:creationId xmlns:a16="http://schemas.microsoft.com/office/drawing/2014/main" id="{C0DA2D47-8D59-8553-249A-91C6923FEC9B}"/>
-                </a:ext>
-              </a:extLst>
-            </p:cNvPr>
-            <p:cNvCxnSpPr>
-              <a:endCxn id="73" idx="1"/>
-            </p:cNvCxnSpPr>
-            <p:nvPr/>
-          </p:nvCxnSpPr>
-          <p:spPr>
-            <a:xfrm>
-              <a:off x="6773958" y="4882242"/>
-              <a:ext cx="559174" cy="1"/>
-            </a:xfrm>
-            <a:prstGeom prst="line">
-              <a:avLst/>
-            </a:prstGeom>
-            <a:ln w="9525">
-              <a:solidFill>
-                <a:schemeClr val="tx1"/>
-              </a:solidFill>
-            </a:ln>
-          </p:spPr>
-          <p:style>
-            <a:lnRef idx="2">
-              <a:schemeClr val="accent1"/>
-            </a:lnRef>
-            <a:fillRef idx="0">
-              <a:schemeClr val="accent1"/>
-            </a:fillRef>
-            <a:effectRef idx="1">
-              <a:schemeClr val="accent1"/>
-            </a:effectRef>
-            <a:fontRef idx="minor">
-              <a:schemeClr val="tx1"/>
-            </a:fontRef>
-          </p:style>
-        </p:cxnSp>
-        <p:sp>
-          <p:nvSpPr>
-            <p:cNvPr id="77" name="Oval 76">
-              <a:extLst>
-                <a:ext uri="{FF2B5EF4-FFF2-40B4-BE49-F238E27FC236}">
-                  <a16:creationId xmlns:a16="http://schemas.microsoft.com/office/drawing/2014/main" id="{FB00BABB-7E99-46FE-34BB-CF49EAD61A65}"/>
-                </a:ext>
-              </a:extLst>
-            </p:cNvPr>
-            <p:cNvSpPr/>
-            <p:nvPr/>
-          </p:nvSpPr>
-          <p:spPr>
-            <a:xfrm>
-              <a:off x="7182964" y="5183094"/>
-              <a:ext cx="1190065" cy="275665"/>
-            </a:xfrm>
-            <a:prstGeom prst="ellipse">
-              <a:avLst/>
-            </a:prstGeom>
-            <a:solidFill>
-              <a:schemeClr val="bg1"/>
-            </a:solidFill>
-            <a:ln w="9525"/>
-          </p:spPr>
-          <p:style>
-            <a:lnRef idx="2">
-              <a:schemeClr val="accent1">
-                <a:shade val="15000"/>
-              </a:schemeClr>
-            </a:lnRef>
-            <a:fillRef idx="1">
-              <a:schemeClr val="accent1"/>
-            </a:fillRef>
-            <a:effectRef idx="0">
-              <a:schemeClr val="accent1"/>
-            </a:effectRef>
-            <a:fontRef idx="minor">
-              <a:schemeClr val="lt1"/>
-            </a:fontRef>
-          </p:style>
-          <p:txBody>
-            <a:bodyPr rtlCol="0" anchor="ctr"/>
-            <a:lstStyle/>
-            <a:p>
-              <a:pPr algn="ctr"/>
-              <a:r>
-                <a:rPr lang="en-US" sz="800" dirty="0" err="1">
-                  <a:solidFill>
-                    <a:schemeClr val="tx1"/>
-                  </a:solidFill>
-                </a:rPr>
-                <a:t>Meeting_ID</a:t>
-              </a:r>
-              <a:endParaRPr lang="en-DK" sz="800" dirty="0">
-                <a:solidFill>
-                  <a:schemeClr val="tx1"/>
-                </a:solidFill>
-              </a:endParaRPr>
-            </a:p>
-          </p:txBody>
-        </p:sp>
-        <p:sp>
-          <p:nvSpPr>
-            <p:cNvPr id="78" name="Oval 77">
-              <a:extLst>
-                <a:ext uri="{FF2B5EF4-FFF2-40B4-BE49-F238E27FC236}">
-                  <a16:creationId xmlns:a16="http://schemas.microsoft.com/office/drawing/2014/main" id="{D7FF61CE-3113-1EBE-3305-FEF1ED7D9540}"/>
-                </a:ext>
-              </a:extLst>
-            </p:cNvPr>
-            <p:cNvSpPr/>
-            <p:nvPr/>
-          </p:nvSpPr>
-          <p:spPr>
-            <a:xfrm>
-              <a:off x="8579217" y="5188696"/>
-              <a:ext cx="1190065" cy="275665"/>
-            </a:xfrm>
-            <a:prstGeom prst="ellipse">
-              <a:avLst/>
-            </a:prstGeom>
-            <a:solidFill>
-              <a:schemeClr val="bg1"/>
-            </a:solidFill>
-            <a:ln w="9525"/>
-          </p:spPr>
-          <p:style>
-            <a:lnRef idx="2">
-              <a:schemeClr val="accent1">
-                <a:shade val="15000"/>
-              </a:schemeClr>
-            </a:lnRef>
-            <a:fillRef idx="1">
-              <a:schemeClr val="accent1"/>
-            </a:fillRef>
-            <a:effectRef idx="0">
-              <a:schemeClr val="accent1"/>
-            </a:effectRef>
-            <a:fontRef idx="minor">
-              <a:schemeClr val="lt1"/>
-            </a:fontRef>
-          </p:style>
-          <p:txBody>
-            <a:bodyPr rtlCol="0" anchor="ctr"/>
-            <a:lstStyle/>
-            <a:p>
-              <a:pPr algn="ctr"/>
-              <a:r>
-                <a:rPr lang="en-US" sz="800" dirty="0" err="1">
-                  <a:solidFill>
-                    <a:schemeClr val="tx1"/>
-                  </a:solidFill>
-                </a:rPr>
-                <a:t>Meeting_Date</a:t>
-              </a:r>
-              <a:endParaRPr lang="en-DK" sz="800" dirty="0">
-                <a:solidFill>
-                  <a:schemeClr val="tx1"/>
-                </a:solidFill>
-              </a:endParaRPr>
-            </a:p>
-          </p:txBody>
-        </p:sp>
-        <p:cxnSp>
-          <p:nvCxnSpPr>
-            <p:cNvPr id="79" name="Straight Connector 78">
-              <a:extLst>
-                <a:ext uri="{FF2B5EF4-FFF2-40B4-BE49-F238E27FC236}">
-                  <a16:creationId xmlns:a16="http://schemas.microsoft.com/office/drawing/2014/main" id="{A7970DFA-5CCE-39B5-CE79-B053549B1800}"/>
-                </a:ext>
-              </a:extLst>
-            </p:cNvPr>
-            <p:cNvCxnSpPr>
-              <a:cxnSpLocks/>
-            </p:cNvCxnSpPr>
-            <p:nvPr/>
-          </p:nvCxnSpPr>
-          <p:spPr>
-            <a:xfrm>
-              <a:off x="7758946" y="5026799"/>
-              <a:ext cx="0" cy="149879"/>
-            </a:xfrm>
-            <a:prstGeom prst="line">
-              <a:avLst/>
-            </a:prstGeom>
-            <a:ln w="9525"/>
-          </p:spPr>
-          <p:style>
-            <a:lnRef idx="2">
-              <a:schemeClr val="accent1"/>
-            </a:lnRef>
-            <a:fillRef idx="0">
-              <a:schemeClr val="accent1"/>
-            </a:fillRef>
-            <a:effectRef idx="1">
-              <a:schemeClr val="accent1"/>
-            </a:effectRef>
-            <a:fontRef idx="minor">
-              <a:schemeClr val="tx1"/>
-            </a:fontRef>
-          </p:style>
-        </p:cxnSp>
-        <p:cxnSp>
-          <p:nvCxnSpPr>
-            <p:cNvPr id="80" name="Straight Connector 79">
-              <a:extLst>
-                <a:ext uri="{FF2B5EF4-FFF2-40B4-BE49-F238E27FC236}">
-                  <a16:creationId xmlns:a16="http://schemas.microsoft.com/office/drawing/2014/main" id="{8CBB3EEC-8389-4CD5-640C-4B2343975BCE}"/>
-                </a:ext>
-              </a:extLst>
-            </p:cNvPr>
-            <p:cNvCxnSpPr>
-              <a:cxnSpLocks/>
-            </p:cNvCxnSpPr>
-            <p:nvPr/>
-          </p:nvCxnSpPr>
-          <p:spPr>
-            <a:xfrm>
-              <a:off x="9167515" y="5026799"/>
-              <a:ext cx="0" cy="156295"/>
-            </a:xfrm>
-            <a:prstGeom prst="line">
-              <a:avLst/>
-            </a:prstGeom>
-            <a:ln w="9525"/>
-          </p:spPr>
-          <p:style>
-            <a:lnRef idx="2">
-              <a:schemeClr val="accent1"/>
-            </a:lnRef>
-            <a:fillRef idx="0">
-              <a:schemeClr val="accent1"/>
-            </a:fillRef>
-            <a:effectRef idx="1">
-              <a:schemeClr val="accent1"/>
-            </a:effectRef>
-            <a:fontRef idx="minor">
-              <a:schemeClr val="tx1"/>
-            </a:fontRef>
-          </p:style>
-        </p:cxnSp>
-        <p:sp>
-          <p:nvSpPr>
-            <p:cNvPr id="85" name="Rectangle 84">
-              <a:extLst>
-                <a:ext uri="{FF2B5EF4-FFF2-40B4-BE49-F238E27FC236}">
-                  <a16:creationId xmlns:a16="http://schemas.microsoft.com/office/drawing/2014/main" id="{4C6C6098-F015-ED9E-0036-8FF2E7AB523D}"/>
-                </a:ext>
-              </a:extLst>
-            </p:cNvPr>
-            <p:cNvSpPr/>
-            <p:nvPr/>
-          </p:nvSpPr>
-          <p:spPr>
-            <a:xfrm>
-              <a:off x="3065929" y="2513697"/>
-              <a:ext cx="2391896" cy="275665"/>
-            </a:xfrm>
-            <a:prstGeom prst="rect">
-              <a:avLst/>
-            </a:prstGeom>
-            <a:solidFill>
-              <a:schemeClr val="bg1"/>
-            </a:solidFill>
-            <a:ln w="19050"/>
-          </p:spPr>
-          <p:style>
-            <a:lnRef idx="2">
-              <a:schemeClr val="accent1">
-                <a:shade val="15000"/>
-              </a:schemeClr>
-            </a:lnRef>
-            <a:fillRef idx="1">
-              <a:schemeClr val="accent1"/>
-            </a:fillRef>
-            <a:effectRef idx="0">
-              <a:schemeClr val="accent1"/>
-            </a:effectRef>
-            <a:fontRef idx="minor">
-              <a:schemeClr val="lt1"/>
-            </a:fontRef>
-          </p:style>
-          <p:txBody>
-            <a:bodyPr rtlCol="0" anchor="ctr"/>
-            <a:lstStyle/>
-            <a:p>
-              <a:pPr algn="ctr"/>
-              <a:r>
-                <a:rPr lang="en-US" sz="800" dirty="0" err="1">
-                  <a:solidFill>
-                    <a:sysClr val="windowText" lastClr="000000"/>
-                  </a:solidFill>
-                </a:rPr>
-                <a:t>Party_Votes</a:t>
-              </a:r>
-              <a:endParaRPr lang="en-DK" sz="800" dirty="0">
-                <a:solidFill>
-                  <a:sysClr val="windowText" lastClr="000000"/>
-                </a:solidFill>
-              </a:endParaRPr>
-            </a:p>
-          </p:txBody>
-        </p:sp>
-        <p:sp>
-          <p:nvSpPr>
-            <p:cNvPr id="86" name="Oval 85">
-              <a:extLst>
-                <a:ext uri="{FF2B5EF4-FFF2-40B4-BE49-F238E27FC236}">
-                  <a16:creationId xmlns:a16="http://schemas.microsoft.com/office/drawing/2014/main" id="{DEFA0861-93C9-210B-375E-F31A5C723DF4}"/>
-                </a:ext>
-              </a:extLst>
-            </p:cNvPr>
-            <p:cNvSpPr/>
-            <p:nvPr/>
-          </p:nvSpPr>
-          <p:spPr>
-            <a:xfrm>
-              <a:off x="3002050" y="2090112"/>
-              <a:ext cx="1190065" cy="275665"/>
-            </a:xfrm>
-            <a:prstGeom prst="ellipse">
-              <a:avLst/>
-            </a:prstGeom>
-            <a:solidFill>
-              <a:schemeClr val="bg1"/>
-            </a:solidFill>
-            <a:ln w="9525"/>
-          </p:spPr>
-          <p:style>
-            <a:lnRef idx="2">
-              <a:schemeClr val="accent1">
-                <a:shade val="15000"/>
-              </a:schemeClr>
-            </a:lnRef>
-            <a:fillRef idx="1">
-              <a:schemeClr val="accent1"/>
-            </a:fillRef>
-            <a:effectRef idx="0">
-              <a:schemeClr val="accent1"/>
-            </a:effectRef>
-            <a:fontRef idx="minor">
-              <a:schemeClr val="lt1"/>
-            </a:fontRef>
-          </p:style>
-          <p:txBody>
-            <a:bodyPr rtlCol="0" anchor="ctr"/>
-            <a:lstStyle/>
-            <a:p>
-              <a:pPr algn="ctr"/>
-              <a:r>
-                <a:rPr lang="en-US" sz="800" dirty="0">
-                  <a:solidFill>
-                    <a:schemeClr val="tx1"/>
-                  </a:solidFill>
-                </a:rPr>
-                <a:t>Party</a:t>
-              </a:r>
-              <a:endParaRPr lang="en-DK" sz="800" dirty="0">
-                <a:solidFill>
-                  <a:schemeClr val="tx1"/>
-                </a:solidFill>
-              </a:endParaRPr>
-            </a:p>
-          </p:txBody>
-        </p:sp>
-        <p:sp>
-          <p:nvSpPr>
-            <p:cNvPr id="87" name="Oval 86">
-              <a:extLst>
-                <a:ext uri="{FF2B5EF4-FFF2-40B4-BE49-F238E27FC236}">
-                  <a16:creationId xmlns:a16="http://schemas.microsoft.com/office/drawing/2014/main" id="{47929640-2A1C-0186-4901-EAF2D992E463}"/>
-                </a:ext>
-              </a:extLst>
-            </p:cNvPr>
-            <p:cNvSpPr/>
-            <p:nvPr/>
-          </p:nvSpPr>
-          <p:spPr>
-            <a:xfrm>
-              <a:off x="4398303" y="2095714"/>
-              <a:ext cx="1190065" cy="275665"/>
-            </a:xfrm>
-            <a:prstGeom prst="ellipse">
-              <a:avLst/>
-            </a:prstGeom>
-            <a:solidFill>
-              <a:schemeClr val="bg1"/>
-            </a:solidFill>
-            <a:ln w="9525"/>
-          </p:spPr>
-          <p:style>
-            <a:lnRef idx="2">
-              <a:schemeClr val="accent1">
-                <a:shade val="15000"/>
-              </a:schemeClr>
-            </a:lnRef>
-            <a:fillRef idx="1">
-              <a:schemeClr val="accent1"/>
-            </a:fillRef>
-            <a:effectRef idx="0">
-              <a:schemeClr val="accent1"/>
-            </a:effectRef>
-            <a:fontRef idx="minor">
-              <a:schemeClr val="lt1"/>
-            </a:fontRef>
-          </p:style>
-          <p:txBody>
-            <a:bodyPr rtlCol="0" anchor="ctr"/>
-            <a:lstStyle/>
-            <a:p>
-              <a:pPr algn="ctr"/>
-              <a:r>
-                <a:rPr lang="en-US" sz="800" dirty="0" err="1">
-                  <a:solidFill>
-                    <a:schemeClr val="tx1"/>
-                  </a:solidFill>
-                </a:rPr>
-                <a:t>VoteCast</a:t>
-              </a:r>
-              <a:endParaRPr lang="en-DK" sz="800" dirty="0">
-                <a:solidFill>
-                  <a:schemeClr val="tx1"/>
-                </a:solidFill>
-              </a:endParaRPr>
-            </a:p>
-          </p:txBody>
-        </p:sp>
-        <p:cxnSp>
-          <p:nvCxnSpPr>
-            <p:cNvPr id="89" name="Straight Connector 88">
-              <a:extLst>
-                <a:ext uri="{FF2B5EF4-FFF2-40B4-BE49-F238E27FC236}">
-                  <a16:creationId xmlns:a16="http://schemas.microsoft.com/office/drawing/2014/main" id="{C91F283C-CCEC-85BF-474B-7F8295F50F3A}"/>
-                </a:ext>
-              </a:extLst>
-            </p:cNvPr>
-            <p:cNvCxnSpPr>
-              <a:cxnSpLocks/>
-              <a:stCxn id="86" idx="4"/>
-            </p:cNvCxnSpPr>
-            <p:nvPr/>
-          </p:nvCxnSpPr>
-          <p:spPr>
-            <a:xfrm>
-              <a:off x="3597083" y="2365777"/>
-              <a:ext cx="0" cy="149879"/>
-            </a:xfrm>
-            <a:prstGeom prst="line">
-              <a:avLst/>
-            </a:prstGeom>
-            <a:ln w="9525"/>
-          </p:spPr>
-          <p:style>
-            <a:lnRef idx="2">
-              <a:schemeClr val="accent1"/>
-            </a:lnRef>
-            <a:fillRef idx="0">
-              <a:schemeClr val="accent1"/>
-            </a:fillRef>
-            <a:effectRef idx="1">
-              <a:schemeClr val="accent1"/>
-            </a:effectRef>
-            <a:fontRef idx="minor">
-              <a:schemeClr val="tx1"/>
-            </a:fontRef>
-          </p:style>
-        </p:cxnSp>
-        <p:cxnSp>
-          <p:nvCxnSpPr>
-            <p:cNvPr id="90" name="Straight Connector 89">
-              <a:extLst>
-                <a:ext uri="{FF2B5EF4-FFF2-40B4-BE49-F238E27FC236}">
-                  <a16:creationId xmlns:a16="http://schemas.microsoft.com/office/drawing/2014/main" id="{02B3D957-B40B-A010-1CFB-AC771DD34C3D}"/>
-                </a:ext>
-              </a:extLst>
-            </p:cNvPr>
-            <p:cNvCxnSpPr>
-              <a:cxnSpLocks/>
-            </p:cNvCxnSpPr>
-            <p:nvPr/>
-          </p:nvCxnSpPr>
-          <p:spPr>
-            <a:xfrm>
-              <a:off x="4993335" y="2365777"/>
-              <a:ext cx="0" cy="149879"/>
-            </a:xfrm>
-            <a:prstGeom prst="line">
-              <a:avLst/>
-            </a:prstGeom>
-            <a:ln w="9525"/>
-          </p:spPr>
-          <p:style>
-            <a:lnRef idx="2">
-              <a:schemeClr val="accent1"/>
-            </a:lnRef>
-            <a:fillRef idx="0">
-              <a:schemeClr val="accent1"/>
-            </a:fillRef>
-            <a:effectRef idx="1">
-              <a:schemeClr val="accent1"/>
-            </a:effectRef>
-            <a:fontRef idx="minor">
-              <a:schemeClr val="tx1"/>
-            </a:fontRef>
-          </p:style>
-        </p:cxnSp>
-        <p:sp>
-          <p:nvSpPr>
-            <p:cNvPr id="92" name="Diamond 91">
-              <a:extLst>
-                <a:ext uri="{FF2B5EF4-FFF2-40B4-BE49-F238E27FC236}">
-                  <a16:creationId xmlns:a16="http://schemas.microsoft.com/office/drawing/2014/main" id="{E6787559-29A1-9144-F95C-84D6197CE0AD}"/>
-                </a:ext>
-              </a:extLst>
-            </p:cNvPr>
-            <p:cNvSpPr/>
-            <p:nvPr/>
-          </p:nvSpPr>
-          <p:spPr>
-            <a:xfrm>
-              <a:off x="1833281" y="2355038"/>
-              <a:ext cx="632012" cy="602594"/>
-            </a:xfrm>
-            <a:prstGeom prst="diamond">
-              <a:avLst/>
-            </a:prstGeom>
-            <a:solidFill>
-              <a:schemeClr val="bg1"/>
-            </a:solidFill>
-            <a:ln w="19050" cmpd="dbl">
-              <a:solidFill>
-                <a:schemeClr val="tx1"/>
-              </a:solidFill>
-            </a:ln>
-          </p:spPr>
-          <p:style>
-            <a:lnRef idx="2">
-              <a:schemeClr val="accent1">
-                <a:shade val="15000"/>
-              </a:schemeClr>
-            </a:lnRef>
-            <a:fillRef idx="1">
-              <a:schemeClr val="accent1"/>
-            </a:fillRef>
-            <a:effectRef idx="0">
-              <a:schemeClr val="accent1"/>
-            </a:effectRef>
-            <a:fontRef idx="minor">
-              <a:schemeClr val="lt1"/>
-            </a:fontRef>
-          </p:style>
-          <p:txBody>
-            <a:bodyPr wrap="none" lIns="0" rIns="0" rtlCol="0" anchor="ctr"/>
-            <a:lstStyle/>
-            <a:p>
-              <a:pPr algn="ctr"/>
-              <a:r>
-                <a:rPr lang="en-US" sz="800" dirty="0">
-                  <a:solidFill>
-                    <a:schemeClr val="tx1"/>
-                  </a:solidFill>
-                </a:rPr>
-                <a:t>Cast at</a:t>
-              </a:r>
-              <a:endParaRPr lang="en-DK" sz="800" dirty="0"/>
-            </a:p>
-          </p:txBody>
-        </p:sp>
-        <p:cxnSp>
-          <p:nvCxnSpPr>
-            <p:cNvPr id="94" name="Straight Connector 93">
-              <a:extLst>
-                <a:ext uri="{FF2B5EF4-FFF2-40B4-BE49-F238E27FC236}">
-                  <a16:creationId xmlns:a16="http://schemas.microsoft.com/office/drawing/2014/main" id="{C317E31D-D3A4-59D0-63BF-63B1BD93EC39}"/>
-                </a:ext>
-              </a:extLst>
-            </p:cNvPr>
-            <p:cNvCxnSpPr>
-              <a:stCxn id="92" idx="3"/>
-              <a:endCxn id="85" idx="1"/>
-            </p:cNvCxnSpPr>
-            <p:nvPr/>
-          </p:nvCxnSpPr>
-          <p:spPr>
-            <a:xfrm flipV="1">
-              <a:off x="2465293" y="2651530"/>
-              <a:ext cx="600636" cy="4805"/>
-            </a:xfrm>
-            <a:prstGeom prst="line">
-              <a:avLst/>
-            </a:prstGeom>
-            <a:ln>
-              <a:solidFill>
-                <a:schemeClr val="tx1"/>
-              </a:solidFill>
-            </a:ln>
-          </p:spPr>
-          <p:style>
-            <a:lnRef idx="2">
-              <a:schemeClr val="accent1"/>
-            </a:lnRef>
-            <a:fillRef idx="0">
-              <a:schemeClr val="accent1"/>
-            </a:fillRef>
-            <a:effectRef idx="1">
-              <a:schemeClr val="accent1"/>
-            </a:effectRef>
-            <a:fontRef idx="minor">
-              <a:schemeClr val="tx1"/>
-            </a:fontRef>
-          </p:style>
-        </p:cxnSp>
-        <p:cxnSp>
-          <p:nvCxnSpPr>
-            <p:cNvPr id="99" name="Connector: Elbow 98">
-              <a:extLst>
-                <a:ext uri="{FF2B5EF4-FFF2-40B4-BE49-F238E27FC236}">
-                  <a16:creationId xmlns:a16="http://schemas.microsoft.com/office/drawing/2014/main" id="{8EC5EE78-B2BF-EDB6-69BA-E4E41037132D}"/>
-                </a:ext>
-              </a:extLst>
-            </p:cNvPr>
-            <p:cNvCxnSpPr>
-              <a:stCxn id="92" idx="2"/>
-              <a:endCxn id="13" idx="1"/>
-            </p:cNvCxnSpPr>
-            <p:nvPr/>
-          </p:nvCxnSpPr>
-          <p:spPr>
-            <a:xfrm rot="16200000" flipH="1">
-              <a:off x="1883908" y="3223011"/>
-              <a:ext cx="1447400" cy="916642"/>
-            </a:xfrm>
-            <a:prstGeom prst="bentConnector2">
-              <a:avLst/>
-            </a:prstGeom>
-            <a:ln>
-              <a:solidFill>
-                <a:schemeClr val="tx1"/>
-              </a:solidFill>
-              <a:tailEnd type="arrow"/>
-            </a:ln>
-          </p:spPr>
-          <p:style>
-            <a:lnRef idx="2">
-              <a:schemeClr val="accent1"/>
-            </a:lnRef>
-            <a:fillRef idx="0">
-              <a:schemeClr val="accent1"/>
-            </a:fillRef>
-            <a:effectRef idx="1">
-              <a:schemeClr val="accent1"/>
-            </a:effectRef>
-            <a:fontRef idx="minor">
-              <a:schemeClr val="tx1"/>
-            </a:fontRef>
-          </p:style>
-        </p:cxnSp>
-      </p:grpSp>
+            <a:tailEnd type="arrow"/>
+          </a:ln>
+        </p:spPr>
+        <p:style>
+          <a:lnRef idx="2">
+            <a:schemeClr val="accent1"/>
+          </a:lnRef>
+          <a:fillRef idx="0">
+            <a:schemeClr val="accent1"/>
+          </a:fillRef>
+          <a:effectRef idx="1">
+            <a:schemeClr val="accent1"/>
+          </a:effectRef>
+          <a:fontRef idx="minor">
+            <a:schemeClr val="tx1"/>
+          </a:fontRef>
+        </p:style>
+      </p:cxnSp>
       <p:sp>
         <p:nvSpPr>
           <p:cNvPr id="101" name="TextBox 100">
@@ -6525,6 +6669,177 @@
           </a:p>
         </p:txBody>
       </p:sp>
+      <p:sp>
+        <p:nvSpPr>
+          <p:cNvPr id="2" name="Oval 1">
+            <a:extLst>
+              <a:ext uri="{FF2B5EF4-FFF2-40B4-BE49-F238E27FC236}">
+                <a16:creationId xmlns:a16="http://schemas.microsoft.com/office/drawing/2014/main" id="{89195ADB-3325-BE87-5499-F9469970FA6F}"/>
+              </a:ext>
+            </a:extLst>
+          </p:cNvPr>
+          <p:cNvSpPr/>
+          <p:nvPr/>
+        </p:nvSpPr>
+        <p:spPr>
+          <a:xfrm>
+            <a:off x="984189" y="6168487"/>
+            <a:ext cx="1190065" cy="275665"/>
+          </a:xfrm>
+          <a:prstGeom prst="ellipse">
+            <a:avLst/>
+          </a:prstGeom>
+          <a:solidFill>
+            <a:schemeClr val="tx2">
+              <a:lumMod val="25000"/>
+              <a:lumOff val="75000"/>
+            </a:schemeClr>
+          </a:solidFill>
+          <a:ln w="9525"/>
+        </p:spPr>
+        <p:style>
+          <a:lnRef idx="2">
+            <a:schemeClr val="accent1">
+              <a:shade val="15000"/>
+            </a:schemeClr>
+          </a:lnRef>
+          <a:fillRef idx="1">
+            <a:schemeClr val="accent1"/>
+          </a:fillRef>
+          <a:effectRef idx="0">
+            <a:schemeClr val="accent1"/>
+          </a:effectRef>
+          <a:fontRef idx="minor">
+            <a:schemeClr val="lt1"/>
+          </a:fontRef>
+        </p:style>
+        <p:txBody>
+          <a:bodyPr rtlCol="0" anchor="ctr"/>
+          <a:lstStyle/>
+          <a:p>
+            <a:pPr algn="ctr"/>
+            <a:r>
+              <a:rPr lang="en-US" sz="800" dirty="0">
+                <a:solidFill>
+                  <a:schemeClr val="tx1"/>
+                </a:solidFill>
+              </a:rPr>
+              <a:t>Attribute to be shown</a:t>
+            </a:r>
+            <a:endParaRPr lang="en-DK" sz="800" dirty="0">
+              <a:solidFill>
+                <a:schemeClr val="tx1"/>
+              </a:solidFill>
+            </a:endParaRPr>
+          </a:p>
+        </p:txBody>
+      </p:sp>
+      <p:sp>
+        <p:nvSpPr>
+          <p:cNvPr id="3" name="Oval 2">
+            <a:extLst>
+              <a:ext uri="{FF2B5EF4-FFF2-40B4-BE49-F238E27FC236}">
+                <a16:creationId xmlns:a16="http://schemas.microsoft.com/office/drawing/2014/main" id="{BDF08879-C914-3CED-B2BC-66F88FE01137}"/>
+              </a:ext>
+            </a:extLst>
+          </p:cNvPr>
+          <p:cNvSpPr/>
+          <p:nvPr/>
+        </p:nvSpPr>
+        <p:spPr>
+          <a:xfrm>
+            <a:off x="7530335" y="4148417"/>
+            <a:ext cx="1190065" cy="275665"/>
+          </a:xfrm>
+          <a:prstGeom prst="ellipse">
+            <a:avLst/>
+          </a:prstGeom>
+          <a:solidFill>
+            <a:schemeClr val="bg1"/>
+          </a:solidFill>
+          <a:ln w="9525"/>
+        </p:spPr>
+        <p:style>
+          <a:lnRef idx="2">
+            <a:schemeClr val="accent1">
+              <a:shade val="15000"/>
+            </a:schemeClr>
+          </a:lnRef>
+          <a:fillRef idx="1">
+            <a:schemeClr val="accent1"/>
+          </a:fillRef>
+          <a:effectRef idx="0">
+            <a:schemeClr val="accent1"/>
+          </a:effectRef>
+          <a:fontRef idx="minor">
+            <a:schemeClr val="lt1"/>
+          </a:fontRef>
+        </p:style>
+        <p:txBody>
+          <a:bodyPr lIns="36000" rIns="36000" rtlCol="0" anchor="ctr"/>
+          <a:lstStyle/>
+          <a:p>
+            <a:pPr algn="ctr"/>
+            <a:r>
+              <a:rPr lang="en-US" sz="800" u="sng" dirty="0" err="1">
+                <a:solidFill>
+                  <a:schemeClr val="tx1"/>
+                </a:solidFill>
+              </a:rPr>
+              <a:t>CaseStep_TYPE</a:t>
+            </a:r>
+            <a:endParaRPr lang="en-DK" sz="800" u="sng" dirty="0">
+              <a:solidFill>
+                <a:schemeClr val="tx1"/>
+              </a:solidFill>
+            </a:endParaRPr>
+          </a:p>
+        </p:txBody>
+      </p:sp>
+      <p:cxnSp>
+        <p:nvCxnSpPr>
+          <p:cNvPr id="12" name="Straight Connector 11">
+            <a:extLst>
+              <a:ext uri="{FF2B5EF4-FFF2-40B4-BE49-F238E27FC236}">
+                <a16:creationId xmlns:a16="http://schemas.microsoft.com/office/drawing/2014/main" id="{BAF726DF-8F64-4738-1F36-E221BB5C57A5}"/>
+              </a:ext>
+            </a:extLst>
+          </p:cNvPr>
+          <p:cNvCxnSpPr>
+            <a:cxnSpLocks/>
+            <a:endCxn id="3" idx="0"/>
+          </p:cNvCxnSpPr>
+          <p:nvPr/>
+        </p:nvCxnSpPr>
+        <p:spPr>
+          <a:xfrm>
+            <a:off x="8125368" y="3979351"/>
+            <a:ext cx="0" cy="169066"/>
+          </a:xfrm>
+          <a:prstGeom prst="line">
+            <a:avLst/>
+          </a:prstGeom>
+          <a:ln w="9525">
+            <a:solidFill>
+              <a:schemeClr val="tx1"/>
+            </a:solidFill>
+          </a:ln>
+        </p:spPr>
+        <p:style>
+          <a:lnRef idx="2">
+            <a:schemeClr val="accent1"/>
+          </a:lnRef>
+          <a:fillRef idx="0">
+            <a:schemeClr val="accent1"/>
+          </a:fillRef>
+          <a:effectRef idx="1">
+            <a:schemeClr val="accent1"/>
+          </a:effectRef>
+          <a:fontRef idx="minor">
+            <a:schemeClr val="tx1"/>
+          </a:fontRef>
+        </p:style>
+      </p:cxnSp>
     </p:spTree>
     <p:extLst>
       <p:ext uri="{BB962C8B-B14F-4D97-AF65-F5344CB8AC3E}">
